--- a/applis/OCT/OCT_new_version.pptx
+++ b/applis/OCT/OCT_new_version.pptx
@@ -6,9 +6,11 @@
   </p:sldMasterIdLst>
   <p:sldIdLst>
     <p:sldId id="259" r:id="rId2"/>
-    <p:sldId id="260" r:id="rId3"/>
-    <p:sldId id="256" r:id="rId4"/>
-    <p:sldId id="257" r:id="rId5"/>
+    <p:sldId id="262" r:id="rId3"/>
+    <p:sldId id="260" r:id="rId4"/>
+    <p:sldId id="261" r:id="rId5"/>
+    <p:sldId id="256" r:id="rId6"/>
+    <p:sldId id="257" r:id="rId7"/>
   </p:sldIdLst>
   <p:sldSz cx="12192000" cy="6858000"/>
   <p:notesSz cx="6858000" cy="9144000"/>
@@ -264,7 +266,7 @@
           <a:p>
             <a:fld id="{39739722-6190-4756-8A62-F80F2E446DBA}" type="datetimeFigureOut">
               <a:rPr lang="en-US" smtClean="0"/>
-              <a:t>2/16/2025</a:t>
+              <a:t>5/18/2025</a:t>
             </a:fld>
             <a:endParaRPr lang="en-US"/>
           </a:p>
@@ -464,7 +466,7 @@
           <a:p>
             <a:fld id="{39739722-6190-4756-8A62-F80F2E446DBA}" type="datetimeFigureOut">
               <a:rPr lang="en-US" smtClean="0"/>
-              <a:t>2/16/2025</a:t>
+              <a:t>5/18/2025</a:t>
             </a:fld>
             <a:endParaRPr lang="en-US"/>
           </a:p>
@@ -674,7 +676,7 @@
           <a:p>
             <a:fld id="{39739722-6190-4756-8A62-F80F2E446DBA}" type="datetimeFigureOut">
               <a:rPr lang="en-US" smtClean="0"/>
-              <a:t>2/16/2025</a:t>
+              <a:t>5/18/2025</a:t>
             </a:fld>
             <a:endParaRPr lang="en-US"/>
           </a:p>
@@ -874,7 +876,7 @@
           <a:p>
             <a:fld id="{39739722-6190-4756-8A62-F80F2E446DBA}" type="datetimeFigureOut">
               <a:rPr lang="en-US" smtClean="0"/>
-              <a:t>2/16/2025</a:t>
+              <a:t>5/18/2025</a:t>
             </a:fld>
             <a:endParaRPr lang="en-US"/>
           </a:p>
@@ -1150,7 +1152,7 @@
           <a:p>
             <a:fld id="{39739722-6190-4756-8A62-F80F2E446DBA}" type="datetimeFigureOut">
               <a:rPr lang="en-US" smtClean="0"/>
-              <a:t>2/16/2025</a:t>
+              <a:t>5/18/2025</a:t>
             </a:fld>
             <a:endParaRPr lang="en-US"/>
           </a:p>
@@ -1418,7 +1420,7 @@
           <a:p>
             <a:fld id="{39739722-6190-4756-8A62-F80F2E446DBA}" type="datetimeFigureOut">
               <a:rPr lang="en-US" smtClean="0"/>
-              <a:t>2/16/2025</a:t>
+              <a:t>5/18/2025</a:t>
             </a:fld>
             <a:endParaRPr lang="en-US"/>
           </a:p>
@@ -1833,7 +1835,7 @@
           <a:p>
             <a:fld id="{39739722-6190-4756-8A62-F80F2E446DBA}" type="datetimeFigureOut">
               <a:rPr lang="en-US" smtClean="0"/>
-              <a:t>2/16/2025</a:t>
+              <a:t>5/18/2025</a:t>
             </a:fld>
             <a:endParaRPr lang="en-US"/>
           </a:p>
@@ -1975,7 +1977,7 @@
           <a:p>
             <a:fld id="{39739722-6190-4756-8A62-F80F2E446DBA}" type="datetimeFigureOut">
               <a:rPr lang="en-US" smtClean="0"/>
-              <a:t>2/16/2025</a:t>
+              <a:t>5/18/2025</a:t>
             </a:fld>
             <a:endParaRPr lang="en-US"/>
           </a:p>
@@ -2088,7 +2090,7 @@
           <a:p>
             <a:fld id="{39739722-6190-4756-8A62-F80F2E446DBA}" type="datetimeFigureOut">
               <a:rPr lang="en-US" smtClean="0"/>
-              <a:t>2/16/2025</a:t>
+              <a:t>5/18/2025</a:t>
             </a:fld>
             <a:endParaRPr lang="en-US"/>
           </a:p>
@@ -2401,7 +2403,7 @@
           <a:p>
             <a:fld id="{39739722-6190-4756-8A62-F80F2E446DBA}" type="datetimeFigureOut">
               <a:rPr lang="en-US" smtClean="0"/>
-              <a:t>2/16/2025</a:t>
+              <a:t>5/18/2025</a:t>
             </a:fld>
             <a:endParaRPr lang="en-US"/>
           </a:p>
@@ -2690,7 +2692,7 @@
           <a:p>
             <a:fld id="{39739722-6190-4756-8A62-F80F2E446DBA}" type="datetimeFigureOut">
               <a:rPr lang="en-US" smtClean="0"/>
-              <a:t>2/16/2025</a:t>
+              <a:t>5/18/2025</a:t>
             </a:fld>
             <a:endParaRPr lang="en-US"/>
           </a:p>
@@ -2933,7 +2935,7 @@
           <a:p>
             <a:fld id="{39739722-6190-4756-8A62-F80F2E446DBA}" type="datetimeFigureOut">
               <a:rPr lang="en-US" smtClean="0"/>
-              <a:t>2/16/2025</a:t>
+              <a:t>5/18/2025</a:t>
             </a:fld>
             <a:endParaRPr lang="en-US"/>
           </a:p>
@@ -3350,12 +3352,161 @@
           <a:chExt cx="0" cy="0"/>
         </a:xfrm>
       </p:grpSpPr>
-      <p:sp>
-        <p:nvSpPr>
-          <p:cNvPr id="57" name="Rectangle 56">
-            <a:extLst>
-              <a:ext uri="{FF2B5EF4-FFF2-40B4-BE49-F238E27FC236}">
-                <a16:creationId xmlns:a16="http://schemas.microsoft.com/office/drawing/2014/main" id="{1DA2A072-C21B-2AFE-4709-A09B60D946D4}"/>
+      <p:pic>
+        <p:nvPicPr>
+          <p:cNvPr id="6" name="Image 5" descr="Une image contenant texte, Police, capture d’écran, logo&#10;&#10;Le contenu généré par l’IA peut être incorrect.">
+            <a:extLst>
+              <a:ext uri="{FF2B5EF4-FFF2-40B4-BE49-F238E27FC236}">
+                <a16:creationId xmlns:a16="http://schemas.microsoft.com/office/drawing/2014/main" id="{D8B7163F-E444-C973-572A-6E02FA62A49E}"/>
+              </a:ext>
+            </a:extLst>
+          </p:cNvPr>
+          <p:cNvPicPr>
+            <a:picLocks noChangeAspect="1"/>
+          </p:cNvPicPr>
+          <p:nvPr/>
+        </p:nvPicPr>
+        <p:blipFill>
+          <a:blip r:embed="rId2">
+            <a:extLst>
+              <a:ext uri="{28A0092B-C50C-407E-A947-70E740481C1C}">
+                <a14:useLocalDpi xmlns:a14="http://schemas.microsoft.com/office/drawing/2010/main" val="0"/>
+              </a:ext>
+            </a:extLst>
+          </a:blip>
+          <a:stretch>
+            <a:fillRect/>
+          </a:stretch>
+        </p:blipFill>
+        <p:spPr>
+          <a:xfrm>
+            <a:off x="255938" y="114266"/>
+            <a:ext cx="1814160" cy="745236"/>
+          </a:xfrm>
+          <a:prstGeom prst="rect">
+            <a:avLst/>
+          </a:prstGeom>
+        </p:spPr>
+      </p:pic>
+      <p:sp>
+        <p:nvSpPr>
+          <p:cNvPr id="7" name="ZoneTexte 6">
+            <a:extLst>
+              <a:ext uri="{FF2B5EF4-FFF2-40B4-BE49-F238E27FC236}">
+                <a16:creationId xmlns:a16="http://schemas.microsoft.com/office/drawing/2014/main" id="{3EBB26F0-D9B6-0AEC-B047-C47EBC103B58}"/>
+              </a:ext>
+            </a:extLst>
+          </p:cNvPr>
+          <p:cNvSpPr txBox="1"/>
+          <p:nvPr/>
+        </p:nvSpPr>
+        <p:spPr>
+          <a:xfrm>
+            <a:off x="125650" y="859502"/>
+            <a:ext cx="2074735" cy="307777"/>
+          </a:xfrm>
+          <a:prstGeom prst="rect">
+            <a:avLst/>
+          </a:prstGeom>
+          <a:noFill/>
+        </p:spPr>
+        <p:txBody>
+          <a:bodyPr wrap="none" rtlCol="0">
+            <a:spAutoFit/>
+          </a:bodyPr>
+          <a:lstStyle/>
+          <a:p>
+            <a:r>
+              <a:rPr lang="fr-FR" sz="1400" b="1" dirty="0"/>
+              <a:t>Nouvelle Interface OCT</a:t>
+            </a:r>
+          </a:p>
+        </p:txBody>
+      </p:sp>
+      <p:sp>
+        <p:nvSpPr>
+          <p:cNvPr id="8" name="ZoneTexte 7">
+            <a:extLst>
+              <a:ext uri="{FF2B5EF4-FFF2-40B4-BE49-F238E27FC236}">
+                <a16:creationId xmlns:a16="http://schemas.microsoft.com/office/drawing/2014/main" id="{79334A3B-4225-D126-0A08-FBC50A57138F}"/>
+              </a:ext>
+            </a:extLst>
+          </p:cNvPr>
+          <p:cNvSpPr txBox="1"/>
+          <p:nvPr/>
+        </p:nvSpPr>
+        <p:spPr>
+          <a:xfrm>
+            <a:off x="257473" y="1167279"/>
+            <a:ext cx="1387431" cy="276999"/>
+          </a:xfrm>
+          <a:prstGeom prst="rect">
+            <a:avLst/>
+          </a:prstGeom>
+          <a:noFill/>
+        </p:spPr>
+        <p:txBody>
+          <a:bodyPr wrap="none" rtlCol="0">
+            <a:spAutoFit/>
+          </a:bodyPr>
+          <a:lstStyle/>
+          <a:p>
+            <a:r>
+              <a:rPr lang="fr-FR" sz="1200" i="1" dirty="0"/>
+              <a:t>PyQt6 et </a:t>
+            </a:r>
+            <a:r>
+              <a:rPr lang="fr-FR" sz="1200" i="1" dirty="0" err="1"/>
+              <a:t>PyLabLib</a:t>
+            </a:r>
+            <a:endParaRPr lang="fr-FR" sz="1200" i="1" dirty="0"/>
+          </a:p>
+        </p:txBody>
+      </p:sp>
+      <p:cxnSp>
+        <p:nvCxnSpPr>
+          <p:cNvPr id="3" name="Connecteur droit 2">
+            <a:extLst>
+              <a:ext uri="{FF2B5EF4-FFF2-40B4-BE49-F238E27FC236}">
+                <a16:creationId xmlns:a16="http://schemas.microsoft.com/office/drawing/2014/main" id="{54E0D6E1-C134-E485-D70B-72A565B11589}"/>
+              </a:ext>
+            </a:extLst>
+          </p:cNvPr>
+          <p:cNvCxnSpPr>
+            <a:cxnSpLocks/>
+          </p:cNvCxnSpPr>
+          <p:nvPr/>
+        </p:nvCxnSpPr>
+        <p:spPr>
+          <a:xfrm>
+            <a:off x="2404872" y="364276"/>
+            <a:ext cx="0" cy="6191972"/>
+          </a:xfrm>
+          <a:prstGeom prst="line">
+            <a:avLst/>
+          </a:prstGeom>
+        </p:spPr>
+        <p:style>
+          <a:lnRef idx="2">
+            <a:schemeClr val="accent2"/>
+          </a:lnRef>
+          <a:fillRef idx="0">
+            <a:schemeClr val="accent2"/>
+          </a:fillRef>
+          <a:effectRef idx="1">
+            <a:schemeClr val="accent2"/>
+          </a:effectRef>
+          <a:fontRef idx="minor">
+            <a:schemeClr val="tx1"/>
+          </a:fontRef>
+        </p:style>
+      </p:cxnSp>
+      <p:sp>
+        <p:nvSpPr>
+          <p:cNvPr id="4" name="Rectangle 3">
+            <a:extLst>
+              <a:ext uri="{FF2B5EF4-FFF2-40B4-BE49-F238E27FC236}">
+                <a16:creationId xmlns:a16="http://schemas.microsoft.com/office/drawing/2014/main" id="{2951AFE5-9E9B-BCBF-2F19-1B617E46EA4C}"/>
               </a:ext>
             </a:extLst>
           </p:cNvPr>
@@ -3364,17 +3515,29 @@
         </p:nvSpPr>
         <p:spPr>
           <a:xfrm>
-            <a:off x="3103570" y="1625329"/>
-            <a:ext cx="2880000" cy="1192245"/>
+            <a:off x="9315730" y="264106"/>
+            <a:ext cx="2618797" cy="3732368"/>
           </a:xfrm>
           <a:prstGeom prst="rect">
             <a:avLst/>
           </a:prstGeom>
           <a:solidFill>
-            <a:schemeClr val="bg2">
-              <a:lumMod val="90000"/>
-            </a:schemeClr>
+            <a:schemeClr val="bg1"/>
           </a:solidFill>
+          <a:ln>
+            <a:solidFill>
+              <a:schemeClr val="bg1">
+                <a:lumMod val="95000"/>
+              </a:schemeClr>
+            </a:solidFill>
+          </a:ln>
+          <a:effectLst>
+            <a:outerShdw blurRad="50800" dist="38100" dir="2700000" algn="tl" rotWithShape="0">
+              <a:prstClr val="black">
+                <a:alpha val="40000"/>
+              </a:prstClr>
+            </a:outerShdw>
+          </a:effectLst>
         </p:spPr>
         <p:style>
           <a:lnRef idx="2">
@@ -3393,20 +3556,124 @@
           </a:fontRef>
         </p:style>
         <p:txBody>
-          <a:bodyPr rtlCol="0" anchor="ctr"/>
+          <a:bodyPr rtlCol="0" anchor="t"/>
           <a:lstStyle/>
           <a:p>
             <a:pPr algn="ctr"/>
-            <a:endParaRPr lang="en-US" dirty="0"/>
+            <a:r>
+              <a:rPr lang="fr-FR" sz="1400" b="1" dirty="0" err="1">
+                <a:solidFill>
+                  <a:srgbClr val="002060"/>
+                </a:solidFill>
+              </a:rPr>
+              <a:t>Developpement</a:t>
+            </a:r>
+            <a:r>
+              <a:rPr lang="fr-FR" sz="1400" b="1" dirty="0">
+                <a:solidFill>
+                  <a:srgbClr val="002060"/>
+                </a:solidFill>
+              </a:rPr>
+              <a:t> </a:t>
+            </a:r>
+            <a:r>
+              <a:rPr lang="fr-FR" sz="1400" b="1" dirty="0" err="1">
+                <a:solidFill>
+                  <a:srgbClr val="002060"/>
+                </a:solidFill>
+              </a:rPr>
+              <a:t>LEnsE</a:t>
+            </a:r>
+            <a:endParaRPr lang="fr-FR" sz="1400" b="1" dirty="0">
+              <a:solidFill>
+                <a:srgbClr val="002060"/>
+              </a:solidFill>
+            </a:endParaRPr>
+          </a:p>
+          <a:p>
+            <a:pPr algn="ctr"/>
+            <a:r>
+              <a:rPr lang="fr-FR" sz="1400" dirty="0">
+                <a:solidFill>
+                  <a:srgbClr val="002060"/>
+                </a:solidFill>
+              </a:rPr>
+              <a:t>Début : 02/06/2025</a:t>
+            </a:r>
+          </a:p>
+          <a:p>
+            <a:pPr algn="ctr"/>
+            <a:endParaRPr lang="fr-FR" sz="1400" dirty="0">
+              <a:solidFill>
+                <a:srgbClr val="002060"/>
+              </a:solidFill>
+            </a:endParaRPr>
+          </a:p>
+          <a:p>
+            <a:pPr algn="ctr"/>
+            <a:r>
+              <a:rPr lang="fr-FR" sz="1400" b="1" dirty="0">
+                <a:solidFill>
+                  <a:srgbClr val="002060"/>
+                </a:solidFill>
+              </a:rPr>
+              <a:t>Contributeurs principaux</a:t>
+            </a:r>
+          </a:p>
+          <a:p>
+            <a:pPr algn="ctr"/>
+            <a:r>
+              <a:rPr lang="fr-FR" sz="1400" dirty="0">
+                <a:solidFill>
+                  <a:srgbClr val="002060"/>
+                </a:solidFill>
+              </a:rPr>
+              <a:t>Julien VILLEMEJANE</a:t>
+            </a:r>
+            <a:endParaRPr lang="fr-FR" sz="1400" b="1" dirty="0">
+              <a:solidFill>
+                <a:srgbClr val="002060"/>
+              </a:solidFill>
+            </a:endParaRPr>
+          </a:p>
+          <a:p>
+            <a:pPr algn="ctr"/>
+            <a:r>
+              <a:rPr lang="fr-FR" sz="1400" dirty="0">
+                <a:solidFill>
+                  <a:srgbClr val="002060"/>
+                </a:solidFill>
+              </a:rPr>
+              <a:t>Julien MOREAU</a:t>
+            </a:r>
+          </a:p>
+          <a:p>
+            <a:pPr algn="ctr"/>
+            <a:endParaRPr lang="fr-FR" sz="1400" dirty="0">
+              <a:solidFill>
+                <a:srgbClr val="002060"/>
+              </a:solidFill>
+            </a:endParaRPr>
+          </a:p>
+          <a:p>
+            <a:pPr algn="ctr"/>
+            <a:r>
+              <a:rPr lang="fr-FR" sz="1400" dirty="0">
+                <a:solidFill>
+                  <a:srgbClr val="002060"/>
+                </a:solidFill>
+              </a:rPr>
+              <a:t>Noam CHOPPINET (2025)</a:t>
+            </a:r>
           </a:p>
         </p:txBody>
       </p:sp>
       <p:pic>
         <p:nvPicPr>
-          <p:cNvPr id="6" name="Image 5" descr="Une image contenant texte, Police, capture d’écran, logo&#10;&#10;Le contenu généré par l’IA peut être incorrect.">
-            <a:extLst>
-              <a:ext uri="{FF2B5EF4-FFF2-40B4-BE49-F238E27FC236}">
-                <a16:creationId xmlns:a16="http://schemas.microsoft.com/office/drawing/2014/main" id="{D8B7163F-E444-C973-572A-6E02FA62A49E}"/>
+          <p:cNvPr id="9" name="Image 8">
+            <a:extLst>
+              <a:ext uri="{FF2B5EF4-FFF2-40B4-BE49-F238E27FC236}">
+                <a16:creationId xmlns:a16="http://schemas.microsoft.com/office/drawing/2014/main" id="{56488C10-4524-668D-D640-CBD617BAC37B}"/>
               </a:ext>
             </a:extLst>
           </p:cNvPr>
@@ -3416,1370 +3683,27 @@
           <p:nvPr/>
         </p:nvPicPr>
         <p:blipFill>
-          <a:blip r:embed="rId2">
-            <a:extLst>
-              <a:ext uri="{28A0092B-C50C-407E-A947-70E740481C1C}">
-                <a14:useLocalDpi xmlns:a14="http://schemas.microsoft.com/office/drawing/2010/main" val="0"/>
-              </a:ext>
-            </a:extLst>
-          </a:blip>
+          <a:blip r:embed="rId3"/>
           <a:stretch>
             <a:fillRect/>
           </a:stretch>
         </p:blipFill>
         <p:spPr>
           <a:xfrm>
-            <a:off x="255938" y="114266"/>
-            <a:ext cx="1814160" cy="745236"/>
+            <a:off x="2490488" y="2112548"/>
+            <a:ext cx="4766754" cy="4471416"/>
           </a:xfrm>
           <a:prstGeom prst="rect">
             <a:avLst/>
           </a:prstGeom>
         </p:spPr>
       </p:pic>
-      <p:sp>
-        <p:nvSpPr>
-          <p:cNvPr id="7" name="ZoneTexte 6">
-            <a:extLst>
-              <a:ext uri="{FF2B5EF4-FFF2-40B4-BE49-F238E27FC236}">
-                <a16:creationId xmlns:a16="http://schemas.microsoft.com/office/drawing/2014/main" id="{3EBB26F0-D9B6-0AEC-B047-C47EBC103B58}"/>
-              </a:ext>
-            </a:extLst>
-          </p:cNvPr>
-          <p:cNvSpPr txBox="1"/>
-          <p:nvPr/>
-        </p:nvSpPr>
-        <p:spPr>
-          <a:xfrm>
-            <a:off x="125650" y="859502"/>
-            <a:ext cx="2074735" cy="307777"/>
-          </a:xfrm>
-          <a:prstGeom prst="rect">
-            <a:avLst/>
-          </a:prstGeom>
-          <a:noFill/>
-        </p:spPr>
-        <p:txBody>
-          <a:bodyPr wrap="none" rtlCol="0">
-            <a:spAutoFit/>
-          </a:bodyPr>
-          <a:lstStyle/>
-          <a:p>
-            <a:r>
-              <a:rPr lang="fr-FR" sz="1400" b="1" dirty="0"/>
-              <a:t>Nouvelle Interface OCT</a:t>
-            </a:r>
-          </a:p>
-        </p:txBody>
-      </p:sp>
-      <p:sp>
-        <p:nvSpPr>
-          <p:cNvPr id="8" name="ZoneTexte 7">
-            <a:extLst>
-              <a:ext uri="{FF2B5EF4-FFF2-40B4-BE49-F238E27FC236}">
-                <a16:creationId xmlns:a16="http://schemas.microsoft.com/office/drawing/2014/main" id="{79334A3B-4225-D126-0A08-FBC50A57138F}"/>
-              </a:ext>
-            </a:extLst>
-          </p:cNvPr>
-          <p:cNvSpPr txBox="1"/>
-          <p:nvPr/>
-        </p:nvSpPr>
-        <p:spPr>
-          <a:xfrm>
-            <a:off x="257473" y="1167279"/>
-            <a:ext cx="1387431" cy="276999"/>
-          </a:xfrm>
-          <a:prstGeom prst="rect">
-            <a:avLst/>
-          </a:prstGeom>
-          <a:noFill/>
-        </p:spPr>
-        <p:txBody>
-          <a:bodyPr wrap="none" rtlCol="0">
-            <a:spAutoFit/>
-          </a:bodyPr>
-          <a:lstStyle/>
-          <a:p>
-            <a:r>
-              <a:rPr lang="fr-FR" sz="1200" i="1" dirty="0"/>
-              <a:t>PyQt6 et </a:t>
-            </a:r>
-            <a:r>
-              <a:rPr lang="fr-FR" sz="1200" i="1" dirty="0" err="1"/>
-              <a:t>PyLabLib</a:t>
-            </a:r>
-            <a:endParaRPr lang="fr-FR" sz="1200" i="1" dirty="0"/>
-          </a:p>
-        </p:txBody>
-      </p:sp>
-      <p:sp>
-        <p:nvSpPr>
-          <p:cNvPr id="11" name="Rectangle 10">
-            <a:extLst>
-              <a:ext uri="{FF2B5EF4-FFF2-40B4-BE49-F238E27FC236}">
-                <a16:creationId xmlns:a16="http://schemas.microsoft.com/office/drawing/2014/main" id="{372401C9-FB0C-ABEB-4F26-26013559665C}"/>
-              </a:ext>
-            </a:extLst>
-          </p:cNvPr>
-          <p:cNvSpPr/>
-          <p:nvPr/>
-        </p:nvSpPr>
-        <p:spPr>
-          <a:xfrm>
-            <a:off x="5983570" y="2813390"/>
-            <a:ext cx="5760000" cy="3600000"/>
-          </a:xfrm>
-          <a:prstGeom prst="rect">
-            <a:avLst/>
-          </a:prstGeom>
-          <a:solidFill>
-            <a:srgbClr val="00B0F0"/>
-          </a:solidFill>
-        </p:spPr>
-        <p:style>
-          <a:lnRef idx="2">
-            <a:schemeClr val="accent1">
-              <a:shade val="15000"/>
-            </a:schemeClr>
-          </a:lnRef>
-          <a:fillRef idx="1">
-            <a:schemeClr val="accent1"/>
-          </a:fillRef>
-          <a:effectRef idx="0">
-            <a:schemeClr val="accent1"/>
-          </a:effectRef>
-          <a:fontRef idx="minor">
-            <a:schemeClr val="lt1"/>
-          </a:fontRef>
-        </p:style>
-        <p:txBody>
-          <a:bodyPr rtlCol="0" anchor="ctr"/>
-          <a:lstStyle/>
-          <a:p>
-            <a:pPr algn="ctr"/>
-            <a:endParaRPr lang="en-US" dirty="0"/>
-          </a:p>
-        </p:txBody>
-      </p:sp>
-      <p:sp>
-        <p:nvSpPr>
-          <p:cNvPr id="14" name="Rectangle 13">
-            <a:extLst>
-              <a:ext uri="{FF2B5EF4-FFF2-40B4-BE49-F238E27FC236}">
-                <a16:creationId xmlns:a16="http://schemas.microsoft.com/office/drawing/2014/main" id="{498762FF-D872-DB60-4348-21D294066289}"/>
-              </a:ext>
-            </a:extLst>
-          </p:cNvPr>
-          <p:cNvSpPr/>
-          <p:nvPr/>
-        </p:nvSpPr>
-        <p:spPr>
-          <a:xfrm>
-            <a:off x="3103570" y="1013390"/>
-            <a:ext cx="2880000" cy="611940"/>
-          </a:xfrm>
-          <a:prstGeom prst="rect">
-            <a:avLst/>
-          </a:prstGeom>
-          <a:solidFill>
-            <a:schemeClr val="bg2">
-              <a:lumMod val="90000"/>
-            </a:schemeClr>
-          </a:solidFill>
-        </p:spPr>
-        <p:style>
-          <a:lnRef idx="2">
-            <a:schemeClr val="accent1">
-              <a:shade val="15000"/>
-            </a:schemeClr>
-          </a:lnRef>
-          <a:fillRef idx="1">
-            <a:schemeClr val="accent1"/>
-          </a:fillRef>
-          <a:effectRef idx="0">
-            <a:schemeClr val="accent1"/>
-          </a:effectRef>
-          <a:fontRef idx="minor">
-            <a:schemeClr val="lt1"/>
-          </a:fontRef>
-        </p:style>
-        <p:txBody>
-          <a:bodyPr rtlCol="0" anchor="ctr"/>
-          <a:lstStyle/>
-          <a:p>
-            <a:pPr algn="ctr"/>
-            <a:endParaRPr lang="en-US" dirty="0"/>
-          </a:p>
-        </p:txBody>
-      </p:sp>
-      <p:sp>
-        <p:nvSpPr>
-          <p:cNvPr id="17" name="Rectangle 16">
-            <a:extLst>
-              <a:ext uri="{FF2B5EF4-FFF2-40B4-BE49-F238E27FC236}">
-                <a16:creationId xmlns:a16="http://schemas.microsoft.com/office/drawing/2014/main" id="{58B272A3-1293-AD9E-F2F6-46D17C4CAB2E}"/>
-              </a:ext>
-            </a:extLst>
-          </p:cNvPr>
-          <p:cNvSpPr/>
-          <p:nvPr/>
-        </p:nvSpPr>
-        <p:spPr>
-          <a:xfrm>
-            <a:off x="5983570" y="1013390"/>
-            <a:ext cx="2880000" cy="1800000"/>
-          </a:xfrm>
-          <a:prstGeom prst="rect">
-            <a:avLst/>
-          </a:prstGeom>
-          <a:solidFill>
-            <a:schemeClr val="accent6">
-              <a:lumMod val="20000"/>
-              <a:lumOff val="80000"/>
-            </a:schemeClr>
-          </a:solidFill>
-        </p:spPr>
-        <p:style>
-          <a:lnRef idx="2">
-            <a:schemeClr val="accent1">
-              <a:shade val="15000"/>
-            </a:schemeClr>
-          </a:lnRef>
-          <a:fillRef idx="1">
-            <a:schemeClr val="accent1"/>
-          </a:fillRef>
-          <a:effectRef idx="0">
-            <a:schemeClr val="accent1"/>
-          </a:effectRef>
-          <a:fontRef idx="minor">
-            <a:schemeClr val="lt1"/>
-          </a:fontRef>
-        </p:style>
-        <p:txBody>
-          <a:bodyPr rtlCol="0" anchor="ctr"/>
-          <a:lstStyle/>
-          <a:p>
-            <a:pPr algn="ctr"/>
-            <a:r>
-              <a:rPr lang="en-US" dirty="0">
-                <a:solidFill>
-                  <a:schemeClr val="tx1"/>
-                </a:solidFill>
-              </a:rPr>
-              <a:t>Image 1</a:t>
-            </a:r>
-          </a:p>
-        </p:txBody>
-      </p:sp>
-      <p:sp>
-        <p:nvSpPr>
-          <p:cNvPr id="18" name="Rectangle 17">
-            <a:extLst>
-              <a:ext uri="{FF2B5EF4-FFF2-40B4-BE49-F238E27FC236}">
-                <a16:creationId xmlns:a16="http://schemas.microsoft.com/office/drawing/2014/main" id="{13926F3F-38AC-50F0-5A72-A326B1D39867}"/>
-              </a:ext>
-            </a:extLst>
-          </p:cNvPr>
-          <p:cNvSpPr/>
-          <p:nvPr/>
-        </p:nvSpPr>
-        <p:spPr>
-          <a:xfrm>
-            <a:off x="8863570" y="1013390"/>
-            <a:ext cx="2880000" cy="1800000"/>
-          </a:xfrm>
-          <a:prstGeom prst="rect">
-            <a:avLst/>
-          </a:prstGeom>
-          <a:solidFill>
-            <a:schemeClr val="accent6">
-              <a:lumMod val="40000"/>
-              <a:lumOff val="60000"/>
-            </a:schemeClr>
-          </a:solidFill>
-        </p:spPr>
-        <p:style>
-          <a:lnRef idx="2">
-            <a:schemeClr val="accent1">
-              <a:shade val="15000"/>
-            </a:schemeClr>
-          </a:lnRef>
-          <a:fillRef idx="1">
-            <a:schemeClr val="accent1"/>
-          </a:fillRef>
-          <a:effectRef idx="0">
-            <a:schemeClr val="accent1"/>
-          </a:effectRef>
-          <a:fontRef idx="minor">
-            <a:schemeClr val="lt1"/>
-          </a:fontRef>
-        </p:style>
-        <p:txBody>
-          <a:bodyPr rtlCol="0" anchor="ctr"/>
-          <a:lstStyle/>
-          <a:p>
-            <a:pPr algn="ctr"/>
-            <a:r>
-              <a:rPr lang="en-US" dirty="0">
-                <a:solidFill>
-                  <a:schemeClr val="tx1"/>
-                </a:solidFill>
-              </a:rPr>
-              <a:t>Image 2</a:t>
-            </a:r>
-          </a:p>
-        </p:txBody>
-      </p:sp>
-      <p:sp>
-        <p:nvSpPr>
-          <p:cNvPr id="19" name="Rectangle 18">
-            <a:extLst>
-              <a:ext uri="{FF2B5EF4-FFF2-40B4-BE49-F238E27FC236}">
-                <a16:creationId xmlns:a16="http://schemas.microsoft.com/office/drawing/2014/main" id="{199E9A0F-84F3-68EC-B8EC-3D16FAF537FB}"/>
-              </a:ext>
-            </a:extLst>
-          </p:cNvPr>
-          <p:cNvSpPr/>
-          <p:nvPr/>
-        </p:nvSpPr>
-        <p:spPr>
-          <a:xfrm>
-            <a:off x="3103570" y="2813390"/>
-            <a:ext cx="2880000" cy="1800000"/>
-          </a:xfrm>
-          <a:prstGeom prst="rect">
-            <a:avLst/>
-          </a:prstGeom>
-          <a:solidFill>
-            <a:schemeClr val="bg2">
-              <a:lumMod val="90000"/>
-            </a:schemeClr>
-          </a:solidFill>
-        </p:spPr>
-        <p:style>
-          <a:lnRef idx="2">
-            <a:schemeClr val="accent1">
-              <a:shade val="15000"/>
-            </a:schemeClr>
-          </a:lnRef>
-          <a:fillRef idx="1">
-            <a:schemeClr val="accent1"/>
-          </a:fillRef>
-          <a:effectRef idx="0">
-            <a:schemeClr val="accent1"/>
-          </a:effectRef>
-          <a:fontRef idx="minor">
-            <a:schemeClr val="lt1"/>
-          </a:fontRef>
-        </p:style>
-        <p:txBody>
-          <a:bodyPr rtlCol="0" anchor="ctr"/>
-          <a:lstStyle/>
-          <a:p>
-            <a:pPr algn="ctr"/>
-            <a:endParaRPr lang="en-US" dirty="0"/>
-          </a:p>
-        </p:txBody>
-      </p:sp>
-      <p:sp>
-        <p:nvSpPr>
-          <p:cNvPr id="20" name="Rectangle 19">
-            <a:extLst>
-              <a:ext uri="{FF2B5EF4-FFF2-40B4-BE49-F238E27FC236}">
-                <a16:creationId xmlns:a16="http://schemas.microsoft.com/office/drawing/2014/main" id="{279DE304-038C-5ABF-4A98-FB4D5FFCCE2C}"/>
-              </a:ext>
-            </a:extLst>
-          </p:cNvPr>
-          <p:cNvSpPr/>
-          <p:nvPr/>
-        </p:nvSpPr>
-        <p:spPr>
-          <a:xfrm>
-            <a:off x="3103570" y="4613390"/>
-            <a:ext cx="2880000" cy="1800000"/>
-          </a:xfrm>
-          <a:prstGeom prst="rect">
-            <a:avLst/>
-          </a:prstGeom>
-          <a:solidFill>
-            <a:schemeClr val="bg2">
-              <a:lumMod val="90000"/>
-            </a:schemeClr>
-          </a:solidFill>
-        </p:spPr>
-        <p:style>
-          <a:lnRef idx="2">
-            <a:schemeClr val="accent1">
-              <a:shade val="15000"/>
-            </a:schemeClr>
-          </a:lnRef>
-          <a:fillRef idx="1">
-            <a:schemeClr val="accent1"/>
-          </a:fillRef>
-          <a:effectRef idx="0">
-            <a:schemeClr val="accent1"/>
-          </a:effectRef>
-          <a:fontRef idx="minor">
-            <a:schemeClr val="lt1"/>
-          </a:fontRef>
-        </p:style>
-        <p:txBody>
-          <a:bodyPr rtlCol="0" anchor="ctr"/>
-          <a:lstStyle/>
-          <a:p>
-            <a:pPr algn="ctr"/>
-            <a:endParaRPr lang="en-US" dirty="0"/>
-          </a:p>
-        </p:txBody>
-      </p:sp>
-      <p:sp>
-        <p:nvSpPr>
-          <p:cNvPr id="21" name="ZoneTexte 20">
-            <a:extLst>
-              <a:ext uri="{FF2B5EF4-FFF2-40B4-BE49-F238E27FC236}">
-                <a16:creationId xmlns:a16="http://schemas.microsoft.com/office/drawing/2014/main" id="{29D06B0C-DD2F-7DBE-1E32-51C7D550CA9E}"/>
-              </a:ext>
-            </a:extLst>
-          </p:cNvPr>
-          <p:cNvSpPr txBox="1"/>
-          <p:nvPr/>
-        </p:nvSpPr>
-        <p:spPr>
-          <a:xfrm>
-            <a:off x="3113293" y="4613390"/>
-            <a:ext cx="1242648" cy="261610"/>
-          </a:xfrm>
-          <a:prstGeom prst="rect">
-            <a:avLst/>
-          </a:prstGeom>
-          <a:noFill/>
-        </p:spPr>
-        <p:txBody>
-          <a:bodyPr wrap="none" rtlCol="0">
-            <a:spAutoFit/>
-          </a:bodyPr>
-          <a:lstStyle/>
-          <a:p>
-            <a:r>
-              <a:rPr lang="fr-FR" sz="1100" b="1" noProof="0" dirty="0"/>
-              <a:t>Contrôle moteur</a:t>
-            </a:r>
-          </a:p>
-        </p:txBody>
-      </p:sp>
-      <p:sp>
-        <p:nvSpPr>
-          <p:cNvPr id="23" name="Rectangle : coins arrondis 22">
-            <a:extLst>
-              <a:ext uri="{FF2B5EF4-FFF2-40B4-BE49-F238E27FC236}">
-                <a16:creationId xmlns:a16="http://schemas.microsoft.com/office/drawing/2014/main" id="{B3BC7190-F378-798F-361B-ED2D5B383A41}"/>
-              </a:ext>
-            </a:extLst>
-          </p:cNvPr>
-          <p:cNvSpPr/>
-          <p:nvPr/>
-        </p:nvSpPr>
-        <p:spPr>
-          <a:xfrm>
-            <a:off x="4455787" y="4938630"/>
-            <a:ext cx="640617" cy="233082"/>
-          </a:xfrm>
-          <a:prstGeom prst="roundRect">
-            <a:avLst/>
-          </a:prstGeom>
-          <a:noFill/>
-          <a:ln>
-            <a:solidFill>
-              <a:schemeClr val="tx1"/>
-            </a:solidFill>
-          </a:ln>
-        </p:spPr>
-        <p:style>
-          <a:lnRef idx="2">
-            <a:schemeClr val="accent1">
-              <a:shade val="15000"/>
-            </a:schemeClr>
-          </a:lnRef>
-          <a:fillRef idx="1">
-            <a:schemeClr val="accent1"/>
-          </a:fillRef>
-          <a:effectRef idx="0">
-            <a:schemeClr val="accent1"/>
-          </a:effectRef>
-          <a:fontRef idx="minor">
-            <a:schemeClr val="lt1"/>
-          </a:fontRef>
-        </p:style>
-        <p:txBody>
-          <a:bodyPr rtlCol="0" anchor="ctr"/>
-          <a:lstStyle/>
-          <a:p>
-            <a:pPr algn="ctr"/>
-            <a:r>
-              <a:rPr lang="en-US" sz="1100" b="1" dirty="0">
-                <a:solidFill>
-                  <a:schemeClr val="tx1"/>
-                </a:solidFill>
-              </a:rPr>
-              <a:t>DOWN</a:t>
-            </a:r>
-          </a:p>
-        </p:txBody>
-      </p:sp>
-      <p:sp>
-        <p:nvSpPr>
-          <p:cNvPr id="25" name="Rectangle : coins arrondis 24">
-            <a:extLst>
-              <a:ext uri="{FF2B5EF4-FFF2-40B4-BE49-F238E27FC236}">
-                <a16:creationId xmlns:a16="http://schemas.microsoft.com/office/drawing/2014/main" id="{12F35607-842D-974A-87DC-12AF32253507}"/>
-              </a:ext>
-            </a:extLst>
-          </p:cNvPr>
-          <p:cNvSpPr/>
-          <p:nvPr/>
-        </p:nvSpPr>
-        <p:spPr>
-          <a:xfrm>
-            <a:off x="6096000" y="2916454"/>
-            <a:ext cx="1238451" cy="221382"/>
-          </a:xfrm>
-          <a:prstGeom prst="roundRect">
-            <a:avLst/>
-          </a:prstGeom>
-          <a:noFill/>
-          <a:ln>
-            <a:solidFill>
-              <a:schemeClr val="tx1"/>
-            </a:solidFill>
-          </a:ln>
-        </p:spPr>
-        <p:style>
-          <a:lnRef idx="2">
-            <a:schemeClr val="accent1">
-              <a:shade val="15000"/>
-            </a:schemeClr>
-          </a:lnRef>
-          <a:fillRef idx="1">
-            <a:schemeClr val="accent1"/>
-          </a:fillRef>
-          <a:effectRef idx="0">
-            <a:schemeClr val="accent1"/>
-          </a:effectRef>
-          <a:fontRef idx="minor">
-            <a:schemeClr val="lt1"/>
-          </a:fontRef>
-        </p:style>
-        <p:txBody>
-          <a:bodyPr rtlCol="0" anchor="ctr"/>
-          <a:lstStyle/>
-          <a:p>
-            <a:pPr algn="ctr"/>
-            <a:r>
-              <a:rPr lang="en-US" sz="1100" dirty="0"/>
-              <a:t>Choix Image</a:t>
-            </a:r>
-          </a:p>
-        </p:txBody>
-      </p:sp>
-      <p:sp>
-        <p:nvSpPr>
-          <p:cNvPr id="26" name="Rectangle : coins arrondis 25">
-            <a:extLst>
-              <a:ext uri="{FF2B5EF4-FFF2-40B4-BE49-F238E27FC236}">
-                <a16:creationId xmlns:a16="http://schemas.microsoft.com/office/drawing/2014/main" id="{68DF9998-FCD1-8777-E341-88B590F38857}"/>
-              </a:ext>
-            </a:extLst>
-          </p:cNvPr>
-          <p:cNvSpPr/>
-          <p:nvPr/>
-        </p:nvSpPr>
-        <p:spPr>
-          <a:xfrm>
-            <a:off x="10361322" y="2916454"/>
-            <a:ext cx="1238451" cy="221382"/>
-          </a:xfrm>
-          <a:prstGeom prst="roundRect">
-            <a:avLst/>
-          </a:prstGeom>
-          <a:noFill/>
-          <a:ln>
-            <a:solidFill>
-              <a:schemeClr val="tx1"/>
-            </a:solidFill>
-          </a:ln>
-        </p:spPr>
-        <p:style>
-          <a:lnRef idx="2">
-            <a:schemeClr val="accent1">
-              <a:shade val="15000"/>
-            </a:schemeClr>
-          </a:lnRef>
-          <a:fillRef idx="1">
-            <a:schemeClr val="accent1"/>
-          </a:fillRef>
-          <a:effectRef idx="0">
-            <a:schemeClr val="accent1"/>
-          </a:effectRef>
-          <a:fontRef idx="minor">
-            <a:schemeClr val="lt1"/>
-          </a:fontRef>
-        </p:style>
-        <p:txBody>
-          <a:bodyPr rtlCol="0" anchor="ctr"/>
-          <a:lstStyle/>
-          <a:p>
-            <a:pPr algn="ctr"/>
-            <a:r>
-              <a:rPr lang="en-US" sz="1100" dirty="0"/>
-              <a:t>Zoom Image</a:t>
-            </a:r>
-          </a:p>
-        </p:txBody>
-      </p:sp>
-      <p:sp>
-        <p:nvSpPr>
-          <p:cNvPr id="27" name="Rectangle 26">
-            <a:extLst>
-              <a:ext uri="{FF2B5EF4-FFF2-40B4-BE49-F238E27FC236}">
-                <a16:creationId xmlns:a16="http://schemas.microsoft.com/office/drawing/2014/main" id="{75EDA314-E918-C03D-4D56-4BB9E5FFFAC8}"/>
-              </a:ext>
-            </a:extLst>
-          </p:cNvPr>
-          <p:cNvSpPr/>
-          <p:nvPr/>
-        </p:nvSpPr>
-        <p:spPr>
-          <a:xfrm>
-            <a:off x="6551472" y="3429000"/>
-            <a:ext cx="4624196" cy="2717510"/>
-          </a:xfrm>
-          <a:prstGeom prst="rect">
-            <a:avLst/>
-          </a:prstGeom>
-          <a:solidFill>
-            <a:srgbClr val="00B0F0"/>
-          </a:solidFill>
-        </p:spPr>
-        <p:style>
-          <a:lnRef idx="2">
-            <a:schemeClr val="accent1">
-              <a:shade val="15000"/>
-            </a:schemeClr>
-          </a:lnRef>
-          <a:fillRef idx="1">
-            <a:schemeClr val="accent1"/>
-          </a:fillRef>
-          <a:effectRef idx="0">
-            <a:schemeClr val="accent1"/>
-          </a:effectRef>
-          <a:fontRef idx="minor">
-            <a:schemeClr val="lt1"/>
-          </a:fontRef>
-        </p:style>
-        <p:txBody>
-          <a:bodyPr rtlCol="0" anchor="ctr"/>
-          <a:lstStyle/>
-          <a:p>
-            <a:pPr algn="ctr"/>
-            <a:r>
-              <a:rPr lang="en-US" dirty="0"/>
-              <a:t>OCT</a:t>
-            </a:r>
-          </a:p>
-        </p:txBody>
-      </p:sp>
-      <p:sp>
-        <p:nvSpPr>
-          <p:cNvPr id="28" name="Rectangle : coins arrondis 27">
-            <a:extLst>
-              <a:ext uri="{FF2B5EF4-FFF2-40B4-BE49-F238E27FC236}">
-                <a16:creationId xmlns:a16="http://schemas.microsoft.com/office/drawing/2014/main" id="{E06A409F-EF57-538C-27F6-78E50F249FA9}"/>
-              </a:ext>
-            </a:extLst>
-          </p:cNvPr>
-          <p:cNvSpPr/>
-          <p:nvPr/>
-        </p:nvSpPr>
-        <p:spPr>
-          <a:xfrm>
-            <a:off x="5233383" y="4938630"/>
-            <a:ext cx="640617" cy="233082"/>
-          </a:xfrm>
-          <a:prstGeom prst="roundRect">
-            <a:avLst/>
-          </a:prstGeom>
-          <a:noFill/>
-          <a:ln>
-            <a:solidFill>
-              <a:schemeClr val="tx1"/>
-            </a:solidFill>
-          </a:ln>
-        </p:spPr>
-        <p:style>
-          <a:lnRef idx="2">
-            <a:schemeClr val="accent1">
-              <a:shade val="15000"/>
-            </a:schemeClr>
-          </a:lnRef>
-          <a:fillRef idx="1">
-            <a:schemeClr val="accent1"/>
-          </a:fillRef>
-          <a:effectRef idx="0">
-            <a:schemeClr val="accent1"/>
-          </a:effectRef>
-          <a:fontRef idx="minor">
-            <a:schemeClr val="lt1"/>
-          </a:fontRef>
-        </p:style>
-        <p:txBody>
-          <a:bodyPr rtlCol="0" anchor="ctr"/>
-          <a:lstStyle/>
-          <a:p>
-            <a:pPr algn="ctr"/>
-            <a:r>
-              <a:rPr lang="en-US" sz="1400" b="1" dirty="0">
-                <a:solidFill>
-                  <a:schemeClr val="tx1"/>
-                </a:solidFill>
-              </a:rPr>
-              <a:t>UP</a:t>
-            </a:r>
-          </a:p>
-        </p:txBody>
-      </p:sp>
-      <p:sp>
-        <p:nvSpPr>
-          <p:cNvPr id="29" name="ZoneTexte 28">
-            <a:extLst>
-              <a:ext uri="{FF2B5EF4-FFF2-40B4-BE49-F238E27FC236}">
-                <a16:creationId xmlns:a16="http://schemas.microsoft.com/office/drawing/2014/main" id="{D16BD582-B9C1-2840-7674-2951D76FC90E}"/>
-              </a:ext>
-            </a:extLst>
-          </p:cNvPr>
-          <p:cNvSpPr txBox="1"/>
-          <p:nvPr/>
-        </p:nvSpPr>
-        <p:spPr>
-          <a:xfrm>
-            <a:off x="3268520" y="4924366"/>
-            <a:ext cx="1050288" cy="261610"/>
-          </a:xfrm>
-          <a:prstGeom prst="rect">
-            <a:avLst/>
-          </a:prstGeom>
-          <a:noFill/>
-        </p:spPr>
-        <p:txBody>
-          <a:bodyPr wrap="none" rtlCol="0">
-            <a:spAutoFit/>
-          </a:bodyPr>
-          <a:lstStyle/>
-          <a:p>
-            <a:r>
-              <a:rPr lang="fr-FR" sz="1100" noProof="0" dirty="0"/>
-              <a:t>Stepper </a:t>
-            </a:r>
-            <a:r>
-              <a:rPr lang="fr-FR" sz="1100" noProof="0" dirty="0" err="1"/>
-              <a:t>Motor</a:t>
-            </a:r>
-            <a:endParaRPr lang="fr-FR" sz="1100" noProof="0" dirty="0"/>
-          </a:p>
-        </p:txBody>
-      </p:sp>
-      <p:sp>
-        <p:nvSpPr>
-          <p:cNvPr id="30" name="ZoneTexte 29">
-            <a:extLst>
-              <a:ext uri="{FF2B5EF4-FFF2-40B4-BE49-F238E27FC236}">
-                <a16:creationId xmlns:a16="http://schemas.microsoft.com/office/drawing/2014/main" id="{24F1D7DF-BE1D-6B89-02B0-C86B621E439F}"/>
-              </a:ext>
-            </a:extLst>
-          </p:cNvPr>
-          <p:cNvSpPr txBox="1"/>
-          <p:nvPr/>
-        </p:nvSpPr>
-        <p:spPr>
-          <a:xfrm>
-            <a:off x="3277197" y="5190161"/>
-            <a:ext cx="899605" cy="261610"/>
-          </a:xfrm>
-          <a:prstGeom prst="rect">
-            <a:avLst/>
-          </a:prstGeom>
-          <a:noFill/>
-        </p:spPr>
-        <p:txBody>
-          <a:bodyPr wrap="none" rtlCol="0">
-            <a:spAutoFit/>
-          </a:bodyPr>
-          <a:lstStyle/>
-          <a:p>
-            <a:r>
-              <a:rPr lang="fr-FR" sz="1100" noProof="0" dirty="0"/>
-              <a:t>Pas </a:t>
-            </a:r>
-            <a:r>
-              <a:rPr lang="en-US" sz="1100" dirty="0">
-                <a:sym typeface="Symbol" panose="05050102010706020507" pitchFamily="18" charset="2"/>
-              </a:rPr>
-              <a:t>z </a:t>
-            </a:r>
-            <a:r>
-              <a:rPr lang="fr-FR" sz="1100" noProof="0" dirty="0"/>
-              <a:t>(um)</a:t>
-            </a:r>
-          </a:p>
-        </p:txBody>
-      </p:sp>
-      <p:sp>
-        <p:nvSpPr>
-          <p:cNvPr id="31" name="Rectangle : coins arrondis 30">
-            <a:extLst>
-              <a:ext uri="{FF2B5EF4-FFF2-40B4-BE49-F238E27FC236}">
-                <a16:creationId xmlns:a16="http://schemas.microsoft.com/office/drawing/2014/main" id="{9DDDF8DF-74FA-77D6-6190-E66DDACF8943}"/>
-              </a:ext>
-            </a:extLst>
-          </p:cNvPr>
-          <p:cNvSpPr/>
-          <p:nvPr/>
-        </p:nvSpPr>
-        <p:spPr>
-          <a:xfrm>
-            <a:off x="4131865" y="5235342"/>
-            <a:ext cx="391239" cy="196175"/>
-          </a:xfrm>
-          <a:prstGeom prst="roundRect">
-            <a:avLst/>
-          </a:prstGeom>
-          <a:noFill/>
-          <a:ln>
-            <a:solidFill>
-              <a:schemeClr val="tx1"/>
-            </a:solidFill>
-          </a:ln>
-        </p:spPr>
-        <p:style>
-          <a:lnRef idx="2">
-            <a:schemeClr val="accent1">
-              <a:shade val="15000"/>
-            </a:schemeClr>
-          </a:lnRef>
-          <a:fillRef idx="1">
-            <a:schemeClr val="accent1"/>
-          </a:fillRef>
-          <a:effectRef idx="0">
-            <a:schemeClr val="accent1"/>
-          </a:effectRef>
-          <a:fontRef idx="minor">
-            <a:schemeClr val="lt1"/>
-          </a:fontRef>
-        </p:style>
-        <p:txBody>
-          <a:bodyPr rtlCol="0" anchor="ctr"/>
-          <a:lstStyle/>
-          <a:p>
-            <a:pPr algn="ctr"/>
-            <a:r>
-              <a:rPr lang="en-US" sz="1100" dirty="0">
-                <a:solidFill>
-                  <a:schemeClr val="tx1"/>
-                </a:solidFill>
-              </a:rPr>
-              <a:t>2</a:t>
-            </a:r>
-          </a:p>
-        </p:txBody>
-      </p:sp>
-      <p:sp>
-        <p:nvSpPr>
-          <p:cNvPr id="32" name="ZoneTexte 31">
-            <a:extLst>
-              <a:ext uri="{FF2B5EF4-FFF2-40B4-BE49-F238E27FC236}">
-                <a16:creationId xmlns:a16="http://schemas.microsoft.com/office/drawing/2014/main" id="{593C0345-2673-F8FE-FD14-234FA04DF156}"/>
-              </a:ext>
-            </a:extLst>
-          </p:cNvPr>
-          <p:cNvSpPr txBox="1"/>
-          <p:nvPr/>
-        </p:nvSpPr>
-        <p:spPr>
-          <a:xfrm>
-            <a:off x="4644393" y="5202624"/>
-            <a:ext cx="1088760" cy="261610"/>
-          </a:xfrm>
-          <a:prstGeom prst="rect">
-            <a:avLst/>
-          </a:prstGeom>
-          <a:noFill/>
-        </p:spPr>
-        <p:txBody>
-          <a:bodyPr wrap="none" rtlCol="0">
-            <a:spAutoFit/>
-          </a:bodyPr>
-          <a:lstStyle/>
-          <a:p>
-            <a:r>
-              <a:rPr lang="fr-FR" sz="1100" noProof="0" dirty="0"/>
-              <a:t>Z =   </a:t>
-            </a:r>
-            <a:r>
-              <a:rPr lang="fr-FR" sz="1100" b="1" noProof="0" dirty="0">
-                <a:highlight>
-                  <a:srgbClr val="FFFF00"/>
-                </a:highlight>
-              </a:rPr>
-              <a:t>XXXX</a:t>
-            </a:r>
-            <a:r>
-              <a:rPr lang="fr-FR" sz="1100" noProof="0" dirty="0"/>
-              <a:t>   um</a:t>
-            </a:r>
-          </a:p>
-        </p:txBody>
-      </p:sp>
-      <p:sp>
-        <p:nvSpPr>
-          <p:cNvPr id="33" name="ZoneTexte 32">
-            <a:extLst>
-              <a:ext uri="{FF2B5EF4-FFF2-40B4-BE49-F238E27FC236}">
-                <a16:creationId xmlns:a16="http://schemas.microsoft.com/office/drawing/2014/main" id="{072F5C52-C786-9429-4005-34594C353532}"/>
-              </a:ext>
-            </a:extLst>
-          </p:cNvPr>
-          <p:cNvSpPr txBox="1"/>
-          <p:nvPr/>
-        </p:nvSpPr>
-        <p:spPr>
-          <a:xfrm>
-            <a:off x="3277197" y="5672773"/>
-            <a:ext cx="2007281" cy="261610"/>
-          </a:xfrm>
-          <a:prstGeom prst="rect">
-            <a:avLst/>
-          </a:prstGeom>
-          <a:noFill/>
-        </p:spPr>
-        <p:txBody>
-          <a:bodyPr wrap="none" rtlCol="0">
-            <a:spAutoFit/>
-          </a:bodyPr>
-          <a:lstStyle/>
-          <a:p>
-            <a:r>
-              <a:rPr lang="fr-FR" sz="1100" noProof="0" dirty="0" err="1"/>
-              <a:t>Piezo</a:t>
-            </a:r>
-            <a:r>
-              <a:rPr lang="fr-FR" sz="1100" noProof="0" dirty="0"/>
-              <a:t> </a:t>
-            </a:r>
-            <a:r>
-              <a:rPr lang="fr-FR" sz="1100" noProof="0" dirty="0" err="1"/>
-              <a:t>Motor</a:t>
-            </a:r>
-            <a:r>
-              <a:rPr lang="fr-FR" sz="1100" noProof="0" dirty="0"/>
-              <a:t> – V0 =                     V </a:t>
-            </a:r>
-          </a:p>
-        </p:txBody>
-      </p:sp>
-      <p:sp>
-        <p:nvSpPr>
-          <p:cNvPr id="34" name="ZoneTexte 33">
-            <a:extLst>
-              <a:ext uri="{FF2B5EF4-FFF2-40B4-BE49-F238E27FC236}">
-                <a16:creationId xmlns:a16="http://schemas.microsoft.com/office/drawing/2014/main" id="{35026DC6-3603-A416-E745-B6486157333C}"/>
-              </a:ext>
-            </a:extLst>
-          </p:cNvPr>
-          <p:cNvSpPr txBox="1"/>
-          <p:nvPr/>
-        </p:nvSpPr>
-        <p:spPr>
-          <a:xfrm>
-            <a:off x="3285874" y="5938568"/>
-            <a:ext cx="805029" cy="261610"/>
-          </a:xfrm>
-          <a:prstGeom prst="rect">
-            <a:avLst/>
-          </a:prstGeom>
-          <a:noFill/>
-        </p:spPr>
-        <p:txBody>
-          <a:bodyPr wrap="none" rtlCol="0">
-            <a:spAutoFit/>
-          </a:bodyPr>
-          <a:lstStyle/>
-          <a:p>
-            <a:r>
-              <a:rPr lang="fr-FR" sz="1100" noProof="0" dirty="0"/>
-              <a:t>Pas </a:t>
-            </a:r>
-            <a:r>
-              <a:rPr lang="en-US" sz="1100" dirty="0">
-                <a:sym typeface="Symbol" panose="05050102010706020507" pitchFamily="18" charset="2"/>
-              </a:rPr>
-              <a:t>V </a:t>
-            </a:r>
-            <a:r>
-              <a:rPr lang="fr-FR" sz="1100" noProof="0" dirty="0"/>
-              <a:t>(V)</a:t>
-            </a:r>
-          </a:p>
-        </p:txBody>
-      </p:sp>
-      <p:sp>
-        <p:nvSpPr>
-          <p:cNvPr id="35" name="Rectangle : coins arrondis 34">
-            <a:extLst>
-              <a:ext uri="{FF2B5EF4-FFF2-40B4-BE49-F238E27FC236}">
-                <a16:creationId xmlns:a16="http://schemas.microsoft.com/office/drawing/2014/main" id="{4160E602-8AC9-781A-4ABB-C8B4DC233081}"/>
-              </a:ext>
-            </a:extLst>
-          </p:cNvPr>
-          <p:cNvSpPr/>
-          <p:nvPr/>
-        </p:nvSpPr>
-        <p:spPr>
-          <a:xfrm>
-            <a:off x="4140542" y="5983749"/>
-            <a:ext cx="391239" cy="196175"/>
-          </a:xfrm>
-          <a:prstGeom prst="roundRect">
-            <a:avLst/>
-          </a:prstGeom>
-          <a:noFill/>
-          <a:ln>
-            <a:solidFill>
-              <a:schemeClr val="tx1"/>
-            </a:solidFill>
-          </a:ln>
-        </p:spPr>
-        <p:style>
-          <a:lnRef idx="2">
-            <a:schemeClr val="accent1">
-              <a:shade val="15000"/>
-            </a:schemeClr>
-          </a:lnRef>
-          <a:fillRef idx="1">
-            <a:schemeClr val="accent1"/>
-          </a:fillRef>
-          <a:effectRef idx="0">
-            <a:schemeClr val="accent1"/>
-          </a:effectRef>
-          <a:fontRef idx="minor">
-            <a:schemeClr val="lt1"/>
-          </a:fontRef>
-        </p:style>
-        <p:txBody>
-          <a:bodyPr rtlCol="0" anchor="ctr"/>
-          <a:lstStyle/>
-          <a:p>
-            <a:pPr algn="ctr"/>
-            <a:r>
-              <a:rPr lang="en-US" sz="1100" dirty="0">
-                <a:solidFill>
-                  <a:schemeClr val="tx1"/>
-                </a:solidFill>
-              </a:rPr>
-              <a:t>2</a:t>
-            </a:r>
-          </a:p>
-        </p:txBody>
-      </p:sp>
-      <p:sp>
-        <p:nvSpPr>
-          <p:cNvPr id="37" name="Rectangle : coins arrondis 36">
-            <a:extLst>
-              <a:ext uri="{FF2B5EF4-FFF2-40B4-BE49-F238E27FC236}">
-                <a16:creationId xmlns:a16="http://schemas.microsoft.com/office/drawing/2014/main" id="{63E21197-D748-BEE7-737B-873A8A8BF2CC}"/>
-              </a:ext>
-            </a:extLst>
-          </p:cNvPr>
-          <p:cNvSpPr/>
-          <p:nvPr/>
-        </p:nvSpPr>
-        <p:spPr>
-          <a:xfrm>
-            <a:off x="4564331" y="5705490"/>
-            <a:ext cx="391239" cy="196175"/>
-          </a:xfrm>
-          <a:prstGeom prst="roundRect">
-            <a:avLst/>
-          </a:prstGeom>
-          <a:noFill/>
-          <a:ln>
-            <a:solidFill>
-              <a:schemeClr val="tx1"/>
-            </a:solidFill>
-          </a:ln>
-        </p:spPr>
-        <p:style>
-          <a:lnRef idx="2">
-            <a:schemeClr val="accent1">
-              <a:shade val="15000"/>
-            </a:schemeClr>
-          </a:lnRef>
-          <a:fillRef idx="1">
-            <a:schemeClr val="accent1"/>
-          </a:fillRef>
-          <a:effectRef idx="0">
-            <a:schemeClr val="accent1"/>
-          </a:effectRef>
-          <a:fontRef idx="minor">
-            <a:schemeClr val="lt1"/>
-          </a:fontRef>
-        </p:style>
-        <p:txBody>
-          <a:bodyPr rtlCol="0" anchor="ctr"/>
-          <a:lstStyle/>
-          <a:p>
-            <a:pPr algn="ctr"/>
-            <a:r>
-              <a:rPr lang="en-US" sz="1100" dirty="0">
-                <a:solidFill>
-                  <a:schemeClr val="tx1"/>
-                </a:solidFill>
-                <a:highlight>
-                  <a:srgbClr val="FFFF00"/>
-                </a:highlight>
-              </a:rPr>
-              <a:t>2</a:t>
-            </a:r>
-          </a:p>
-        </p:txBody>
-      </p:sp>
-      <p:sp>
-        <p:nvSpPr>
-          <p:cNvPr id="38" name="ZoneTexte 37">
-            <a:extLst>
-              <a:ext uri="{FF2B5EF4-FFF2-40B4-BE49-F238E27FC236}">
-                <a16:creationId xmlns:a16="http://schemas.microsoft.com/office/drawing/2014/main" id="{24A2FCF3-746F-77A0-E190-89F5FA449596}"/>
-              </a:ext>
-            </a:extLst>
-          </p:cNvPr>
-          <p:cNvSpPr txBox="1"/>
-          <p:nvPr/>
-        </p:nvSpPr>
-        <p:spPr>
-          <a:xfrm>
-            <a:off x="3113293" y="1682253"/>
-            <a:ext cx="1451038" cy="261610"/>
-          </a:xfrm>
-          <a:prstGeom prst="rect">
-            <a:avLst/>
-          </a:prstGeom>
-          <a:noFill/>
-        </p:spPr>
-        <p:txBody>
-          <a:bodyPr wrap="none" rtlCol="0">
-            <a:spAutoFit/>
-          </a:bodyPr>
-          <a:lstStyle/>
-          <a:p>
-            <a:r>
-              <a:rPr lang="fr-FR" sz="1100" b="1" noProof="0" dirty="0"/>
-              <a:t>Paramètres caméra</a:t>
-            </a:r>
-          </a:p>
-        </p:txBody>
-      </p:sp>
-      <p:sp>
-        <p:nvSpPr>
-          <p:cNvPr id="39" name="ZoneTexte 38">
-            <a:extLst>
-              <a:ext uri="{FF2B5EF4-FFF2-40B4-BE49-F238E27FC236}">
-                <a16:creationId xmlns:a16="http://schemas.microsoft.com/office/drawing/2014/main" id="{BF7C151B-351A-AC67-40CA-7649120A006D}"/>
-              </a:ext>
-            </a:extLst>
-          </p:cNvPr>
-          <p:cNvSpPr txBox="1"/>
-          <p:nvPr/>
-        </p:nvSpPr>
-        <p:spPr>
-          <a:xfrm>
-            <a:off x="3369486" y="1987974"/>
-            <a:ext cx="2504514" cy="769441"/>
-          </a:xfrm>
-          <a:prstGeom prst="rect">
-            <a:avLst/>
-          </a:prstGeom>
-          <a:noFill/>
-        </p:spPr>
-        <p:txBody>
-          <a:bodyPr wrap="square" rtlCol="0">
-            <a:spAutoFit/>
-          </a:bodyPr>
-          <a:lstStyle/>
-          <a:p>
-            <a:r>
-              <a:rPr lang="fr-FR" sz="1100" noProof="0" dirty="0"/>
-              <a:t>Temps d’intégration    </a:t>
-            </a:r>
-            <a:r>
-              <a:rPr lang="en-US" sz="1100" dirty="0"/>
-              <a:t>t</a:t>
-            </a:r>
-            <a:r>
-              <a:rPr lang="en-US" sz="1100" baseline="-25000" dirty="0"/>
-              <a:t>int</a:t>
-            </a:r>
-            <a:r>
-              <a:rPr lang="en-US" sz="1100" dirty="0"/>
-              <a:t>          </a:t>
-            </a:r>
-            <a:r>
-              <a:rPr lang="en-US" sz="1100" dirty="0">
-                <a:highlight>
-                  <a:srgbClr val="FFFF00"/>
-                </a:highlight>
-              </a:rPr>
-              <a:t>      </a:t>
-            </a:r>
-            <a:r>
-              <a:rPr lang="en-US" sz="1100" dirty="0"/>
-              <a:t>       </a:t>
-            </a:r>
-            <a:r>
-              <a:rPr lang="en-US" sz="1100" dirty="0" err="1"/>
-              <a:t>ms</a:t>
-            </a:r>
-            <a:endParaRPr lang="en-US" sz="1100" dirty="0"/>
-          </a:p>
-          <a:p>
-            <a:endParaRPr lang="en-US" sz="1100" dirty="0"/>
-          </a:p>
-          <a:p>
-            <a:endParaRPr lang="en-US" sz="1100" dirty="0"/>
-          </a:p>
-          <a:p>
-            <a:r>
-              <a:rPr lang="en-US" sz="1100" dirty="0" err="1"/>
-              <a:t>Nombre</a:t>
-            </a:r>
-            <a:r>
-              <a:rPr lang="en-US" sz="1100" dirty="0"/>
-              <a:t> images </a:t>
-            </a:r>
-            <a:r>
-              <a:rPr lang="en-US" sz="1100" dirty="0" err="1"/>
-              <a:t>moyenne</a:t>
-            </a:r>
-            <a:r>
-              <a:rPr lang="en-US" sz="1100" dirty="0"/>
-              <a:t>     </a:t>
-            </a:r>
-          </a:p>
-        </p:txBody>
-      </p:sp>
-      <p:sp>
-        <p:nvSpPr>
-          <p:cNvPr id="40" name="ZoneTexte 39">
-            <a:extLst>
-              <a:ext uri="{FF2B5EF4-FFF2-40B4-BE49-F238E27FC236}">
-                <a16:creationId xmlns:a16="http://schemas.microsoft.com/office/drawing/2014/main" id="{D40AAF5A-B3F3-983D-7EEB-AA53E04467E0}"/>
-              </a:ext>
-            </a:extLst>
-          </p:cNvPr>
-          <p:cNvSpPr txBox="1"/>
-          <p:nvPr/>
-        </p:nvSpPr>
-        <p:spPr>
-          <a:xfrm>
-            <a:off x="3113293" y="2898323"/>
-            <a:ext cx="1681871" cy="261610"/>
-          </a:xfrm>
-          <a:prstGeom prst="rect">
-            <a:avLst/>
-          </a:prstGeom>
-          <a:noFill/>
-        </p:spPr>
-        <p:txBody>
-          <a:bodyPr wrap="none" rtlCol="0">
-            <a:spAutoFit/>
-          </a:bodyPr>
-          <a:lstStyle/>
-          <a:p>
-            <a:r>
-              <a:rPr lang="fr-FR" sz="1100" b="1" noProof="0" dirty="0"/>
-              <a:t>Paramètres acquisition</a:t>
-            </a:r>
-          </a:p>
-        </p:txBody>
-      </p:sp>
-      <p:sp>
-        <p:nvSpPr>
-          <p:cNvPr id="41" name="ZoneTexte 40">
-            <a:extLst>
-              <a:ext uri="{FF2B5EF4-FFF2-40B4-BE49-F238E27FC236}">
-                <a16:creationId xmlns:a16="http://schemas.microsoft.com/office/drawing/2014/main" id="{EE63B4D0-E4D2-576E-5227-C0ABB9951527}"/>
-              </a:ext>
-            </a:extLst>
-          </p:cNvPr>
-          <p:cNvSpPr txBox="1"/>
-          <p:nvPr/>
-        </p:nvSpPr>
-        <p:spPr>
-          <a:xfrm>
-            <a:off x="3293859" y="3108361"/>
-            <a:ext cx="2143334" cy="769441"/>
-          </a:xfrm>
-          <a:prstGeom prst="rect">
-            <a:avLst/>
-          </a:prstGeom>
-          <a:noFill/>
-        </p:spPr>
-        <p:txBody>
-          <a:bodyPr wrap="square" rtlCol="0">
-            <a:spAutoFit/>
-          </a:bodyPr>
-          <a:lstStyle/>
-          <a:p>
-            <a:r>
-              <a:rPr lang="fr-FR" sz="1100" noProof="0" dirty="0"/>
-              <a:t>Directory:</a:t>
-            </a:r>
-          </a:p>
-          <a:p>
-            <a:r>
-              <a:rPr lang="fr-FR" sz="1100" dirty="0"/>
-              <a:t>Nom image:</a:t>
-            </a:r>
-            <a:endParaRPr lang="fr-FR" sz="1100" noProof="0" dirty="0"/>
-          </a:p>
-          <a:p>
-            <a:r>
-              <a:rPr lang="fr-FR" sz="1100" noProof="0" dirty="0"/>
-              <a:t>Pas : </a:t>
-            </a:r>
-            <a:r>
-              <a:rPr lang="en-US" sz="1100" dirty="0">
-                <a:sym typeface="Symbol" panose="05050102010706020507" pitchFamily="18" charset="2"/>
-              </a:rPr>
-              <a:t>p (m)</a:t>
-            </a:r>
-            <a:endParaRPr lang="en-US" sz="1100" dirty="0"/>
-          </a:p>
-          <a:p>
-            <a:r>
-              <a:rPr lang="en-US" sz="1100" dirty="0"/>
-              <a:t>Nombre de pas : N</a:t>
-            </a:r>
-            <a:r>
-              <a:rPr lang="en-US" sz="1100" baseline="-25000" dirty="0"/>
-              <a:t>acqu</a:t>
-            </a:r>
-          </a:p>
-        </p:txBody>
-      </p:sp>
       <p:pic>
         <p:nvPicPr>
-          <p:cNvPr id="42" name="Image 41" descr="Une image contenant texte, Police, capture d’écran, logo&#10;&#10;Le contenu généré par l’IA peut être incorrect.">
-            <a:extLst>
-              <a:ext uri="{FF2B5EF4-FFF2-40B4-BE49-F238E27FC236}">
-                <a16:creationId xmlns:a16="http://schemas.microsoft.com/office/drawing/2014/main" id="{FAD87058-CB7B-8807-79CB-54370F4DC283}"/>
+          <p:cNvPr id="12" name="Image 11">
+            <a:extLst>
+              <a:ext uri="{FF2B5EF4-FFF2-40B4-BE49-F238E27FC236}">
+                <a16:creationId xmlns:a16="http://schemas.microsoft.com/office/drawing/2014/main" id="{1EE2150A-FE15-9E8E-1319-62F24722948D}"/>
               </a:ext>
             </a:extLst>
           </p:cNvPr>
@@ -4789,33 +3713,57 @@
           <p:nvPr/>
         </p:nvPicPr>
         <p:blipFill>
-          <a:blip r:embed="rId2">
-            <a:extLst>
-              <a:ext uri="{28A0092B-C50C-407E-A947-70E740481C1C}">
-                <a14:useLocalDpi xmlns:a14="http://schemas.microsoft.com/office/drawing/2010/main" val="0"/>
-              </a:ext>
-            </a:extLst>
-          </a:blip>
+          <a:blip r:embed="rId4"/>
           <a:stretch>
             <a:fillRect/>
           </a:stretch>
         </p:blipFill>
         <p:spPr>
           <a:xfrm>
-            <a:off x="3209303" y="1093114"/>
-            <a:ext cx="1035392" cy="425327"/>
+            <a:off x="5248657" y="215426"/>
+            <a:ext cx="3653790" cy="3213574"/>
           </a:xfrm>
           <a:prstGeom prst="rect">
             <a:avLst/>
           </a:prstGeom>
         </p:spPr>
       </p:pic>
-      <p:sp>
-        <p:nvSpPr>
-          <p:cNvPr id="43" name="ZoneTexte 42">
-            <a:extLst>
-              <a:ext uri="{FF2B5EF4-FFF2-40B4-BE49-F238E27FC236}">
-                <a16:creationId xmlns:a16="http://schemas.microsoft.com/office/drawing/2014/main" id="{E30E42E1-FCEB-EC47-C5CE-B50A7033DFEA}"/>
+      <p:pic>
+        <p:nvPicPr>
+          <p:cNvPr id="15" name="Image 14">
+            <a:extLst>
+              <a:ext uri="{FF2B5EF4-FFF2-40B4-BE49-F238E27FC236}">
+                <a16:creationId xmlns:a16="http://schemas.microsoft.com/office/drawing/2014/main" id="{95E060FE-7156-EDB0-7756-3F4B81293310}"/>
+              </a:ext>
+            </a:extLst>
+          </p:cNvPr>
+          <p:cNvPicPr>
+            <a:picLocks noChangeAspect="1"/>
+          </p:cNvPicPr>
+          <p:nvPr/>
+        </p:nvPicPr>
+        <p:blipFill>
+          <a:blip r:embed="rId5"/>
+          <a:stretch>
+            <a:fillRect/>
+          </a:stretch>
+        </p:blipFill>
+        <p:spPr>
+          <a:xfrm>
+            <a:off x="7491034" y="4484929"/>
+            <a:ext cx="2822826" cy="2071319"/>
+          </a:xfrm>
+          <a:prstGeom prst="rect">
+            <a:avLst/>
+          </a:prstGeom>
+        </p:spPr>
+      </p:pic>
+      <p:sp>
+        <p:nvSpPr>
+          <p:cNvPr id="16" name="ZoneTexte 15">
+            <a:extLst>
+              <a:ext uri="{FF2B5EF4-FFF2-40B4-BE49-F238E27FC236}">
+                <a16:creationId xmlns:a16="http://schemas.microsoft.com/office/drawing/2014/main" id="{978B23C6-778A-6F0A-46FC-728836F0073A}"/>
               </a:ext>
             </a:extLst>
           </p:cNvPr>
@@ -4824,8 +3772,8 @@
         </p:nvSpPr>
         <p:spPr>
           <a:xfrm>
-            <a:off x="4339736" y="1167279"/>
-            <a:ext cx="532775" cy="307777"/>
+            <a:off x="221482" y="2700423"/>
+            <a:ext cx="2102692" cy="276999"/>
           </a:xfrm>
           <a:prstGeom prst="rect">
             <a:avLst/>
@@ -4839,706 +3787,14 @@
           <a:lstStyle/>
           <a:p>
             <a:r>
-              <a:rPr lang="fr-FR" sz="1400" b="1" dirty="0"/>
-              <a:t>OCT</a:t>
-            </a:r>
-          </a:p>
-        </p:txBody>
-      </p:sp>
-      <p:sp>
-        <p:nvSpPr>
-          <p:cNvPr id="44" name="Rectangle : coins arrondis 43">
-            <a:extLst>
-              <a:ext uri="{FF2B5EF4-FFF2-40B4-BE49-F238E27FC236}">
-                <a16:creationId xmlns:a16="http://schemas.microsoft.com/office/drawing/2014/main" id="{334DBE99-AB62-EBED-4EC4-DA3E40DF74DC}"/>
-              </a:ext>
-            </a:extLst>
-          </p:cNvPr>
-          <p:cNvSpPr/>
-          <p:nvPr/>
-        </p:nvSpPr>
-        <p:spPr>
-          <a:xfrm>
-            <a:off x="5041765" y="2032021"/>
-            <a:ext cx="464371" cy="163457"/>
-          </a:xfrm>
-          <a:prstGeom prst="roundRect">
-            <a:avLst/>
-          </a:prstGeom>
-          <a:noFill/>
-          <a:ln>
-            <a:solidFill>
-              <a:schemeClr val="tx1"/>
-            </a:solidFill>
-          </a:ln>
-        </p:spPr>
-        <p:style>
-          <a:lnRef idx="2">
-            <a:schemeClr val="accent1">
-              <a:shade val="15000"/>
-            </a:schemeClr>
-          </a:lnRef>
-          <a:fillRef idx="1">
-            <a:schemeClr val="accent1"/>
-          </a:fillRef>
-          <a:effectRef idx="0">
-            <a:schemeClr val="accent1"/>
-          </a:effectRef>
-          <a:fontRef idx="minor">
-            <a:schemeClr val="lt1"/>
-          </a:fontRef>
-        </p:style>
-        <p:txBody>
-          <a:bodyPr rtlCol="0" anchor="ctr"/>
-          <a:lstStyle/>
-          <a:p>
-            <a:pPr algn="ctr"/>
-            <a:r>
-              <a:rPr lang="en-US" sz="1100" dirty="0">
-                <a:solidFill>
-                  <a:schemeClr val="tx1"/>
-                </a:solidFill>
-              </a:rPr>
-              <a:t>2,5</a:t>
-            </a:r>
-          </a:p>
-        </p:txBody>
-      </p:sp>
-      <p:sp>
-        <p:nvSpPr>
-          <p:cNvPr id="45" name="Rectangle 44">
-            <a:extLst>
-              <a:ext uri="{FF2B5EF4-FFF2-40B4-BE49-F238E27FC236}">
-                <a16:creationId xmlns:a16="http://schemas.microsoft.com/office/drawing/2014/main" id="{44F33D42-2DA4-3851-4556-91BE47F8AD24}"/>
-              </a:ext>
-            </a:extLst>
-          </p:cNvPr>
-          <p:cNvSpPr/>
-          <p:nvPr/>
-        </p:nvSpPr>
-        <p:spPr>
-          <a:xfrm>
-            <a:off x="3764410" y="2346104"/>
-            <a:ext cx="1644904" cy="57752"/>
-          </a:xfrm>
-          <a:prstGeom prst="rect">
-            <a:avLst/>
-          </a:prstGeom>
-        </p:spPr>
-        <p:style>
-          <a:lnRef idx="2">
-            <a:schemeClr val="accent1">
-              <a:shade val="15000"/>
-            </a:schemeClr>
-          </a:lnRef>
-          <a:fillRef idx="1">
-            <a:schemeClr val="accent1"/>
-          </a:fillRef>
-          <a:effectRef idx="0">
-            <a:schemeClr val="accent1"/>
-          </a:effectRef>
-          <a:fontRef idx="minor">
-            <a:schemeClr val="lt1"/>
-          </a:fontRef>
-        </p:style>
-        <p:txBody>
-          <a:bodyPr rtlCol="0" anchor="ctr"/>
-          <a:lstStyle/>
-          <a:p>
-            <a:pPr algn="ctr"/>
-            <a:endParaRPr lang="fr-FR"/>
-          </a:p>
-        </p:txBody>
-      </p:sp>
-      <p:sp>
-        <p:nvSpPr>
-          <p:cNvPr id="46" name="Rectangle 45">
-            <a:extLst>
-              <a:ext uri="{FF2B5EF4-FFF2-40B4-BE49-F238E27FC236}">
-                <a16:creationId xmlns:a16="http://schemas.microsoft.com/office/drawing/2014/main" id="{D73DACC9-B6D0-22DD-FAAA-C408DA9E57F5}"/>
-              </a:ext>
-            </a:extLst>
-          </p:cNvPr>
-          <p:cNvSpPr/>
-          <p:nvPr/>
-        </p:nvSpPr>
-        <p:spPr>
-          <a:xfrm>
-            <a:off x="4477366" y="2282945"/>
-            <a:ext cx="132334" cy="208553"/>
-          </a:xfrm>
-          <a:prstGeom prst="rect">
-            <a:avLst/>
-          </a:prstGeom>
-        </p:spPr>
-        <p:style>
-          <a:lnRef idx="2">
-            <a:schemeClr val="accent1">
-              <a:shade val="15000"/>
-            </a:schemeClr>
-          </a:lnRef>
-          <a:fillRef idx="1">
-            <a:schemeClr val="accent1"/>
-          </a:fillRef>
-          <a:effectRef idx="0">
-            <a:schemeClr val="accent1"/>
-          </a:effectRef>
-          <a:fontRef idx="minor">
-            <a:schemeClr val="lt1"/>
-          </a:fontRef>
-        </p:style>
-        <p:txBody>
-          <a:bodyPr rtlCol="0" anchor="ctr"/>
-          <a:lstStyle/>
-          <a:p>
-            <a:pPr algn="ctr"/>
-            <a:endParaRPr lang="fr-FR"/>
-          </a:p>
-        </p:txBody>
-      </p:sp>
-      <p:sp>
-        <p:nvSpPr>
-          <p:cNvPr id="47" name="ZoneTexte 46">
-            <a:extLst>
-              <a:ext uri="{FF2B5EF4-FFF2-40B4-BE49-F238E27FC236}">
-                <a16:creationId xmlns:a16="http://schemas.microsoft.com/office/drawing/2014/main" id="{E63F5167-62BC-FA03-8044-167B91061221}"/>
-              </a:ext>
-            </a:extLst>
-          </p:cNvPr>
-          <p:cNvSpPr txBox="1"/>
-          <p:nvPr/>
-        </p:nvSpPr>
-        <p:spPr>
-          <a:xfrm>
-            <a:off x="3417744" y="2241889"/>
-            <a:ext cx="260008" cy="261610"/>
-          </a:xfrm>
-          <a:prstGeom prst="rect">
-            <a:avLst/>
-          </a:prstGeom>
-          <a:noFill/>
-        </p:spPr>
-        <p:txBody>
-          <a:bodyPr wrap="none" rtlCol="0">
-            <a:spAutoFit/>
-          </a:bodyPr>
-          <a:lstStyle/>
-          <a:p>
-            <a:r>
-              <a:rPr lang="fr-FR" sz="1100" dirty="0"/>
-              <a:t>0</a:t>
-            </a:r>
-          </a:p>
-        </p:txBody>
-      </p:sp>
-      <p:sp>
-        <p:nvSpPr>
-          <p:cNvPr id="48" name="ZoneTexte 47">
-            <a:extLst>
-              <a:ext uri="{FF2B5EF4-FFF2-40B4-BE49-F238E27FC236}">
-                <a16:creationId xmlns:a16="http://schemas.microsoft.com/office/drawing/2014/main" id="{CB956D6A-2236-BA7C-392B-EF45D2D58814}"/>
-              </a:ext>
-            </a:extLst>
-          </p:cNvPr>
-          <p:cNvSpPr txBox="1"/>
-          <p:nvPr/>
-        </p:nvSpPr>
-        <p:spPr>
-          <a:xfrm>
-            <a:off x="5409314" y="2241889"/>
-            <a:ext cx="538368" cy="261610"/>
-          </a:xfrm>
-          <a:prstGeom prst="rect">
-            <a:avLst/>
-          </a:prstGeom>
-          <a:noFill/>
-        </p:spPr>
-        <p:txBody>
-          <a:bodyPr wrap="square" rtlCol="0">
-            <a:spAutoFit/>
-          </a:bodyPr>
-          <a:lstStyle/>
-          <a:p>
-            <a:r>
-              <a:rPr lang="fr-FR" sz="1100" dirty="0"/>
-              <a:t>5ms</a:t>
-            </a:r>
-          </a:p>
-        </p:txBody>
-      </p:sp>
-      <p:sp>
-        <p:nvSpPr>
-          <p:cNvPr id="49" name="Rectangle : coins arrondis 48">
-            <a:extLst>
-              <a:ext uri="{FF2B5EF4-FFF2-40B4-BE49-F238E27FC236}">
-                <a16:creationId xmlns:a16="http://schemas.microsoft.com/office/drawing/2014/main" id="{8DF56040-E3FD-04FF-DA40-DB2331B3F046}"/>
-              </a:ext>
-            </a:extLst>
-          </p:cNvPr>
-          <p:cNvSpPr/>
-          <p:nvPr/>
-        </p:nvSpPr>
-        <p:spPr>
-          <a:xfrm>
-            <a:off x="5096404" y="2543129"/>
-            <a:ext cx="464371" cy="163457"/>
-          </a:xfrm>
-          <a:prstGeom prst="roundRect">
-            <a:avLst/>
-          </a:prstGeom>
-          <a:noFill/>
-          <a:ln>
-            <a:solidFill>
-              <a:schemeClr val="tx1"/>
-            </a:solidFill>
-          </a:ln>
-        </p:spPr>
-        <p:style>
-          <a:lnRef idx="2">
-            <a:schemeClr val="accent1">
-              <a:shade val="15000"/>
-            </a:schemeClr>
-          </a:lnRef>
-          <a:fillRef idx="1">
-            <a:schemeClr val="accent1"/>
-          </a:fillRef>
-          <a:effectRef idx="0">
-            <a:schemeClr val="accent1"/>
-          </a:effectRef>
-          <a:fontRef idx="minor">
-            <a:schemeClr val="lt1"/>
-          </a:fontRef>
-        </p:style>
-        <p:txBody>
-          <a:bodyPr rtlCol="0" anchor="ctr"/>
-          <a:lstStyle/>
-          <a:p>
-            <a:pPr algn="ctr"/>
-            <a:r>
-              <a:rPr lang="en-US" sz="1100" dirty="0">
-                <a:solidFill>
-                  <a:schemeClr val="tx1"/>
-                </a:solidFill>
-              </a:rPr>
-              <a:t>10</a:t>
-            </a:r>
-          </a:p>
-        </p:txBody>
-      </p:sp>
-      <p:sp>
-        <p:nvSpPr>
-          <p:cNvPr id="50" name="Rectangle : coins arrondis 49">
-            <a:extLst>
-              <a:ext uri="{FF2B5EF4-FFF2-40B4-BE49-F238E27FC236}">
-                <a16:creationId xmlns:a16="http://schemas.microsoft.com/office/drawing/2014/main" id="{D2D3E950-9C18-3034-D9BE-DB4850F6E466}"/>
-              </a:ext>
-            </a:extLst>
-          </p:cNvPr>
-          <p:cNvSpPr/>
-          <p:nvPr/>
-        </p:nvSpPr>
-        <p:spPr>
-          <a:xfrm>
-            <a:off x="4290061" y="3180606"/>
-            <a:ext cx="1327698" cy="115214"/>
-          </a:xfrm>
-          <a:prstGeom prst="roundRect">
-            <a:avLst/>
-          </a:prstGeom>
-          <a:noFill/>
-          <a:ln>
-            <a:solidFill>
-              <a:schemeClr val="tx1"/>
-            </a:solidFill>
-          </a:ln>
-        </p:spPr>
-        <p:style>
-          <a:lnRef idx="2">
-            <a:schemeClr val="accent1">
-              <a:shade val="15000"/>
-            </a:schemeClr>
-          </a:lnRef>
-          <a:fillRef idx="1">
-            <a:schemeClr val="accent1"/>
-          </a:fillRef>
-          <a:effectRef idx="0">
-            <a:schemeClr val="accent1"/>
-          </a:effectRef>
-          <a:fontRef idx="minor">
-            <a:schemeClr val="lt1"/>
-          </a:fontRef>
-        </p:style>
-        <p:txBody>
-          <a:bodyPr rtlCol="0" anchor="ctr"/>
-          <a:lstStyle/>
-          <a:p>
-            <a:pPr algn="ctr"/>
-            <a:r>
-              <a:rPr lang="en-US" sz="1100" dirty="0">
-                <a:solidFill>
-                  <a:schemeClr val="tx1"/>
-                </a:solidFill>
-              </a:rPr>
-              <a:t>C:/Documents/…</a:t>
-            </a:r>
-          </a:p>
-        </p:txBody>
-      </p:sp>
-      <p:sp>
-        <p:nvSpPr>
-          <p:cNvPr id="51" name="Rectangle : coins arrondis 50">
-            <a:extLst>
-              <a:ext uri="{FF2B5EF4-FFF2-40B4-BE49-F238E27FC236}">
-                <a16:creationId xmlns:a16="http://schemas.microsoft.com/office/drawing/2014/main" id="{28124A54-79A8-E7E6-6BB7-DC9B9B17D595}"/>
-              </a:ext>
-            </a:extLst>
-          </p:cNvPr>
-          <p:cNvSpPr/>
-          <p:nvPr/>
-        </p:nvSpPr>
-        <p:spPr>
-          <a:xfrm>
-            <a:off x="5687610" y="3122579"/>
-            <a:ext cx="171716" cy="231267"/>
-          </a:xfrm>
-          <a:prstGeom prst="roundRect">
-            <a:avLst/>
-          </a:prstGeom>
-          <a:noFill/>
-          <a:ln>
-            <a:solidFill>
-              <a:schemeClr val="tx1"/>
-            </a:solidFill>
-          </a:ln>
-        </p:spPr>
-        <p:style>
-          <a:lnRef idx="2">
-            <a:schemeClr val="accent1">
-              <a:shade val="15000"/>
-            </a:schemeClr>
-          </a:lnRef>
-          <a:fillRef idx="1">
-            <a:schemeClr val="accent1"/>
-          </a:fillRef>
-          <a:effectRef idx="0">
-            <a:schemeClr val="accent1"/>
-          </a:effectRef>
-          <a:fontRef idx="minor">
-            <a:schemeClr val="lt1"/>
-          </a:fontRef>
-        </p:style>
-        <p:txBody>
-          <a:bodyPr rtlCol="0" anchor="ctr"/>
-          <a:lstStyle/>
-          <a:p>
-            <a:pPr algn="ctr"/>
-            <a:r>
-              <a:rPr lang="en-US" sz="1100" dirty="0">
-                <a:solidFill>
-                  <a:schemeClr val="tx1"/>
-                </a:solidFill>
-              </a:rPr>
-              <a:t>v</a:t>
-            </a:r>
-          </a:p>
-        </p:txBody>
-      </p:sp>
-      <p:sp>
-        <p:nvSpPr>
-          <p:cNvPr id="52" name="Rectangle : coins arrondis 51">
-            <a:extLst>
-              <a:ext uri="{FF2B5EF4-FFF2-40B4-BE49-F238E27FC236}">
-                <a16:creationId xmlns:a16="http://schemas.microsoft.com/office/drawing/2014/main" id="{D24FABB5-086B-1394-D1A2-4D458EB169E4}"/>
-              </a:ext>
-            </a:extLst>
-          </p:cNvPr>
-          <p:cNvSpPr/>
-          <p:nvPr/>
-        </p:nvSpPr>
-        <p:spPr>
-          <a:xfrm>
-            <a:off x="4290061" y="3361625"/>
-            <a:ext cx="1327698" cy="115214"/>
-          </a:xfrm>
-          <a:prstGeom prst="roundRect">
-            <a:avLst/>
-          </a:prstGeom>
-          <a:noFill/>
-          <a:ln>
-            <a:solidFill>
-              <a:schemeClr val="tx1"/>
-            </a:solidFill>
-          </a:ln>
-        </p:spPr>
-        <p:style>
-          <a:lnRef idx="2">
-            <a:schemeClr val="accent1">
-              <a:shade val="15000"/>
-            </a:schemeClr>
-          </a:lnRef>
-          <a:fillRef idx="1">
-            <a:schemeClr val="accent1"/>
-          </a:fillRef>
-          <a:effectRef idx="0">
-            <a:schemeClr val="accent1"/>
-          </a:effectRef>
-          <a:fontRef idx="minor">
-            <a:schemeClr val="lt1"/>
-          </a:fontRef>
-        </p:style>
-        <p:txBody>
-          <a:bodyPr rtlCol="0" anchor="ctr"/>
-          <a:lstStyle/>
-          <a:p>
-            <a:pPr algn="ctr"/>
-            <a:r>
-              <a:rPr lang="en-US" sz="1100" dirty="0" err="1">
-                <a:solidFill>
-                  <a:schemeClr val="tx1"/>
-                </a:solidFill>
-              </a:rPr>
-              <a:t>TP_OCT_Image</a:t>
-            </a:r>
-            <a:r>
-              <a:rPr lang="en-US" sz="1100" dirty="0">
-                <a:solidFill>
-                  <a:schemeClr val="tx1"/>
-                </a:solidFill>
-              </a:rPr>
-              <a:t>…</a:t>
-            </a:r>
-          </a:p>
-        </p:txBody>
-      </p:sp>
-      <p:sp>
-        <p:nvSpPr>
-          <p:cNvPr id="53" name="Rectangle : coins arrondis 52">
-            <a:extLst>
-              <a:ext uri="{FF2B5EF4-FFF2-40B4-BE49-F238E27FC236}">
-                <a16:creationId xmlns:a16="http://schemas.microsoft.com/office/drawing/2014/main" id="{59C12922-438B-3547-9DD6-BC876C607002}"/>
-              </a:ext>
-            </a:extLst>
-          </p:cNvPr>
-          <p:cNvSpPr/>
-          <p:nvPr/>
-        </p:nvSpPr>
-        <p:spPr>
-          <a:xfrm>
-            <a:off x="4290061" y="3522577"/>
-            <a:ext cx="582450" cy="105472"/>
-          </a:xfrm>
-          <a:prstGeom prst="roundRect">
-            <a:avLst/>
-          </a:prstGeom>
-          <a:noFill/>
-          <a:ln>
-            <a:solidFill>
-              <a:schemeClr val="tx1"/>
-            </a:solidFill>
-          </a:ln>
-        </p:spPr>
-        <p:style>
-          <a:lnRef idx="2">
-            <a:schemeClr val="accent1">
-              <a:shade val="15000"/>
-            </a:schemeClr>
-          </a:lnRef>
-          <a:fillRef idx="1">
-            <a:schemeClr val="accent1"/>
-          </a:fillRef>
-          <a:effectRef idx="0">
-            <a:schemeClr val="accent1"/>
-          </a:effectRef>
-          <a:fontRef idx="minor">
-            <a:schemeClr val="lt1"/>
-          </a:fontRef>
-        </p:style>
-        <p:txBody>
-          <a:bodyPr rtlCol="0" anchor="ctr"/>
-          <a:lstStyle/>
-          <a:p>
-            <a:pPr algn="ctr"/>
-            <a:r>
-              <a:rPr lang="en-US" sz="1100" dirty="0">
-                <a:solidFill>
-                  <a:schemeClr val="tx1"/>
-                </a:solidFill>
-              </a:rPr>
-              <a:t>5</a:t>
-            </a:r>
-          </a:p>
-        </p:txBody>
-      </p:sp>
-      <p:sp>
-        <p:nvSpPr>
-          <p:cNvPr id="54" name="Rectangle : coins arrondis 53">
-            <a:extLst>
-              <a:ext uri="{FF2B5EF4-FFF2-40B4-BE49-F238E27FC236}">
-                <a16:creationId xmlns:a16="http://schemas.microsoft.com/office/drawing/2014/main" id="{2F52B06C-BC51-006A-6689-DBA51128A47D}"/>
-              </a:ext>
-            </a:extLst>
-          </p:cNvPr>
-          <p:cNvSpPr/>
-          <p:nvPr/>
-        </p:nvSpPr>
-        <p:spPr>
-          <a:xfrm>
-            <a:off x="4813156" y="3705887"/>
-            <a:ext cx="582450" cy="105472"/>
-          </a:xfrm>
-          <a:prstGeom prst="roundRect">
-            <a:avLst/>
-          </a:prstGeom>
-          <a:noFill/>
-          <a:ln>
-            <a:solidFill>
-              <a:schemeClr val="tx1"/>
-            </a:solidFill>
-          </a:ln>
-        </p:spPr>
-        <p:style>
-          <a:lnRef idx="2">
-            <a:schemeClr val="accent1">
-              <a:shade val="15000"/>
-            </a:schemeClr>
-          </a:lnRef>
-          <a:fillRef idx="1">
-            <a:schemeClr val="accent1"/>
-          </a:fillRef>
-          <a:effectRef idx="0">
-            <a:schemeClr val="accent1"/>
-          </a:effectRef>
-          <a:fontRef idx="minor">
-            <a:schemeClr val="lt1"/>
-          </a:fontRef>
-        </p:style>
-        <p:txBody>
-          <a:bodyPr rtlCol="0" anchor="ctr"/>
-          <a:lstStyle/>
-          <a:p>
-            <a:pPr algn="ctr"/>
-            <a:r>
-              <a:rPr lang="en-US" sz="1100" dirty="0">
-                <a:solidFill>
-                  <a:schemeClr val="tx1"/>
-                </a:solidFill>
-              </a:rPr>
-              <a:t>5</a:t>
-            </a:r>
-          </a:p>
-        </p:txBody>
-      </p:sp>
-      <p:sp>
-        <p:nvSpPr>
-          <p:cNvPr id="55" name="Rectangle : coins arrondis 54">
-            <a:extLst>
-              <a:ext uri="{FF2B5EF4-FFF2-40B4-BE49-F238E27FC236}">
-                <a16:creationId xmlns:a16="http://schemas.microsoft.com/office/drawing/2014/main" id="{82B2E5A3-0AD7-E940-2666-BA8F2504F506}"/>
-              </a:ext>
-            </a:extLst>
-          </p:cNvPr>
-          <p:cNvSpPr/>
-          <p:nvPr/>
-        </p:nvSpPr>
-        <p:spPr>
-          <a:xfrm>
-            <a:off x="3526502" y="4033110"/>
-            <a:ext cx="855451" cy="400109"/>
-          </a:xfrm>
-          <a:prstGeom prst="roundRect">
-            <a:avLst/>
-          </a:prstGeom>
-          <a:solidFill>
-            <a:srgbClr val="FF0000"/>
-          </a:solidFill>
-          <a:ln>
-            <a:solidFill>
-              <a:schemeClr val="tx1"/>
-            </a:solidFill>
-          </a:ln>
-        </p:spPr>
-        <p:style>
-          <a:lnRef idx="2">
-            <a:schemeClr val="accent1">
-              <a:shade val="15000"/>
-            </a:schemeClr>
-          </a:lnRef>
-          <a:fillRef idx="1">
-            <a:schemeClr val="accent1"/>
-          </a:fillRef>
-          <a:effectRef idx="0">
-            <a:schemeClr val="accent1"/>
-          </a:effectRef>
-          <a:fontRef idx="minor">
-            <a:schemeClr val="lt1"/>
-          </a:fontRef>
-        </p:style>
-        <p:txBody>
-          <a:bodyPr rtlCol="0" anchor="ctr"/>
-          <a:lstStyle/>
-          <a:p>
-            <a:pPr algn="ctr"/>
-            <a:r>
-              <a:rPr lang="en-US" dirty="0"/>
-              <a:t>Start</a:t>
-            </a:r>
-          </a:p>
-        </p:txBody>
-      </p:sp>
-      <p:sp>
-        <p:nvSpPr>
-          <p:cNvPr id="56" name="Rectangle : coins arrondis 55">
-            <a:extLst>
-              <a:ext uri="{FF2B5EF4-FFF2-40B4-BE49-F238E27FC236}">
-                <a16:creationId xmlns:a16="http://schemas.microsoft.com/office/drawing/2014/main" id="{8D5CC4E0-3B7A-4FC0-6962-EADE0DA19B20}"/>
-              </a:ext>
-            </a:extLst>
-          </p:cNvPr>
-          <p:cNvSpPr/>
-          <p:nvPr/>
-        </p:nvSpPr>
-        <p:spPr>
-          <a:xfrm>
-            <a:off x="4805659" y="4036096"/>
-            <a:ext cx="855451" cy="400109"/>
-          </a:xfrm>
-          <a:prstGeom prst="roundRect">
-            <a:avLst/>
-          </a:prstGeom>
-          <a:solidFill>
-            <a:srgbClr val="FF0000"/>
-          </a:solidFill>
-          <a:ln>
-            <a:solidFill>
-              <a:schemeClr val="tx1"/>
-            </a:solidFill>
-          </a:ln>
-        </p:spPr>
-        <p:style>
-          <a:lnRef idx="2">
-            <a:schemeClr val="accent1">
-              <a:shade val="15000"/>
-            </a:schemeClr>
-          </a:lnRef>
-          <a:fillRef idx="1">
-            <a:schemeClr val="accent1"/>
-          </a:fillRef>
-          <a:effectRef idx="0">
-            <a:schemeClr val="accent1"/>
-          </a:effectRef>
-          <a:fontRef idx="minor">
-            <a:schemeClr val="lt1"/>
-          </a:fontRef>
-        </p:style>
-        <p:txBody>
-          <a:bodyPr rtlCol="0" anchor="ctr"/>
-          <a:lstStyle/>
-          <a:p>
-            <a:pPr algn="ctr"/>
-            <a:r>
-              <a:rPr lang="en-US" dirty="0"/>
-              <a:t>Stop</a:t>
-            </a:r>
+              <a:rPr lang="fr-FR" sz="1200" i="1" dirty="0"/>
+              <a:t>Version initiale sous </a:t>
+            </a:r>
+            <a:r>
+              <a:rPr lang="fr-FR" sz="1200" i="1" dirty="0" err="1"/>
+              <a:t>LabView</a:t>
+            </a:r>
+            <a:endParaRPr lang="fr-FR" sz="1200" i="1" dirty="0"/>
           </a:p>
         </p:txBody>
       </p:sp>
@@ -5556,6 +3812,2272 @@
 </file>
 
 <file path=ppt/slides/slide2.xml><?xml version="1.0" encoding="utf-8"?>
+<p:sld xmlns:a="http://schemas.openxmlformats.org/drawingml/2006/main" xmlns:r="http://schemas.openxmlformats.org/officeDocument/2006/relationships" xmlns:p="http://schemas.openxmlformats.org/presentationml/2006/main">
+  <p:cSld>
+    <p:spTree>
+      <p:nvGrpSpPr>
+        <p:cNvPr id="1" name="">
+          <a:extLst>
+            <a:ext uri="{FF2B5EF4-FFF2-40B4-BE49-F238E27FC236}">
+              <a16:creationId xmlns:a16="http://schemas.microsoft.com/office/drawing/2014/main" id="{A10611F2-9B14-23F5-EEBF-03A75C78F6CE}"/>
+            </a:ext>
+          </a:extLst>
+        </p:cNvPr>
+        <p:cNvGrpSpPr/>
+        <p:nvPr/>
+      </p:nvGrpSpPr>
+      <p:grpSpPr>
+        <a:xfrm>
+          <a:off x="0" y="0"/>
+          <a:ext cx="0" cy="0"/>
+          <a:chOff x="0" y="0"/>
+          <a:chExt cx="0" cy="0"/>
+        </a:xfrm>
+      </p:grpSpPr>
+      <p:sp>
+        <p:nvSpPr>
+          <p:cNvPr id="57" name="Rectangle 56">
+            <a:extLst>
+              <a:ext uri="{FF2B5EF4-FFF2-40B4-BE49-F238E27FC236}">
+                <a16:creationId xmlns:a16="http://schemas.microsoft.com/office/drawing/2014/main" id="{EEA5894E-BBAC-E390-7CCD-7D4040B5E723}"/>
+              </a:ext>
+            </a:extLst>
+          </p:cNvPr>
+          <p:cNvSpPr/>
+          <p:nvPr/>
+        </p:nvSpPr>
+        <p:spPr>
+          <a:xfrm>
+            <a:off x="3103570" y="1625329"/>
+            <a:ext cx="2880000" cy="1192245"/>
+          </a:xfrm>
+          <a:prstGeom prst="rect">
+            <a:avLst/>
+          </a:prstGeom>
+          <a:solidFill>
+            <a:schemeClr val="bg2">
+              <a:lumMod val="90000"/>
+            </a:schemeClr>
+          </a:solidFill>
+        </p:spPr>
+        <p:style>
+          <a:lnRef idx="2">
+            <a:schemeClr val="accent1">
+              <a:shade val="15000"/>
+            </a:schemeClr>
+          </a:lnRef>
+          <a:fillRef idx="1">
+            <a:schemeClr val="accent1"/>
+          </a:fillRef>
+          <a:effectRef idx="0">
+            <a:schemeClr val="accent1"/>
+          </a:effectRef>
+          <a:fontRef idx="minor">
+            <a:schemeClr val="lt1"/>
+          </a:fontRef>
+        </p:style>
+        <p:txBody>
+          <a:bodyPr rtlCol="0" anchor="ctr"/>
+          <a:lstStyle/>
+          <a:p>
+            <a:pPr algn="ctr"/>
+            <a:endParaRPr lang="en-US" dirty="0"/>
+          </a:p>
+        </p:txBody>
+      </p:sp>
+      <p:pic>
+        <p:nvPicPr>
+          <p:cNvPr id="6" name="Image 5" descr="Une image contenant texte, Police, capture d’écran, logo&#10;&#10;Le contenu généré par l’IA peut être incorrect.">
+            <a:extLst>
+              <a:ext uri="{FF2B5EF4-FFF2-40B4-BE49-F238E27FC236}">
+                <a16:creationId xmlns:a16="http://schemas.microsoft.com/office/drawing/2014/main" id="{199633A8-84D1-84F7-F09D-AADFCA5E28F3}"/>
+              </a:ext>
+            </a:extLst>
+          </p:cNvPr>
+          <p:cNvPicPr>
+            <a:picLocks noChangeAspect="1"/>
+          </p:cNvPicPr>
+          <p:nvPr/>
+        </p:nvPicPr>
+        <p:blipFill>
+          <a:blip r:embed="rId2">
+            <a:extLst>
+              <a:ext uri="{28A0092B-C50C-407E-A947-70E740481C1C}">
+                <a14:useLocalDpi xmlns:a14="http://schemas.microsoft.com/office/drawing/2010/main" val="0"/>
+              </a:ext>
+            </a:extLst>
+          </a:blip>
+          <a:stretch>
+            <a:fillRect/>
+          </a:stretch>
+        </p:blipFill>
+        <p:spPr>
+          <a:xfrm>
+            <a:off x="255938" y="114266"/>
+            <a:ext cx="1814160" cy="745236"/>
+          </a:xfrm>
+          <a:prstGeom prst="rect">
+            <a:avLst/>
+          </a:prstGeom>
+        </p:spPr>
+      </p:pic>
+      <p:sp>
+        <p:nvSpPr>
+          <p:cNvPr id="7" name="ZoneTexte 6">
+            <a:extLst>
+              <a:ext uri="{FF2B5EF4-FFF2-40B4-BE49-F238E27FC236}">
+                <a16:creationId xmlns:a16="http://schemas.microsoft.com/office/drawing/2014/main" id="{32338EF4-2442-9DCE-C3C7-53691D49FB92}"/>
+              </a:ext>
+            </a:extLst>
+          </p:cNvPr>
+          <p:cNvSpPr txBox="1"/>
+          <p:nvPr/>
+        </p:nvSpPr>
+        <p:spPr>
+          <a:xfrm>
+            <a:off x="125650" y="859502"/>
+            <a:ext cx="2074735" cy="307777"/>
+          </a:xfrm>
+          <a:prstGeom prst="rect">
+            <a:avLst/>
+          </a:prstGeom>
+          <a:noFill/>
+        </p:spPr>
+        <p:txBody>
+          <a:bodyPr wrap="none" rtlCol="0">
+            <a:spAutoFit/>
+          </a:bodyPr>
+          <a:lstStyle/>
+          <a:p>
+            <a:r>
+              <a:rPr lang="fr-FR" sz="1400" b="1" dirty="0"/>
+              <a:t>Nouvelle Interface OCT</a:t>
+            </a:r>
+          </a:p>
+        </p:txBody>
+      </p:sp>
+      <p:sp>
+        <p:nvSpPr>
+          <p:cNvPr id="8" name="ZoneTexte 7">
+            <a:extLst>
+              <a:ext uri="{FF2B5EF4-FFF2-40B4-BE49-F238E27FC236}">
+                <a16:creationId xmlns:a16="http://schemas.microsoft.com/office/drawing/2014/main" id="{24B0E143-E38F-44FF-659F-591823819062}"/>
+              </a:ext>
+            </a:extLst>
+          </p:cNvPr>
+          <p:cNvSpPr txBox="1"/>
+          <p:nvPr/>
+        </p:nvSpPr>
+        <p:spPr>
+          <a:xfrm>
+            <a:off x="257473" y="1167279"/>
+            <a:ext cx="1387431" cy="276999"/>
+          </a:xfrm>
+          <a:prstGeom prst="rect">
+            <a:avLst/>
+          </a:prstGeom>
+          <a:noFill/>
+        </p:spPr>
+        <p:txBody>
+          <a:bodyPr wrap="none" rtlCol="0">
+            <a:spAutoFit/>
+          </a:bodyPr>
+          <a:lstStyle/>
+          <a:p>
+            <a:r>
+              <a:rPr lang="fr-FR" sz="1200" i="1" dirty="0"/>
+              <a:t>PyQt6 et </a:t>
+            </a:r>
+            <a:r>
+              <a:rPr lang="fr-FR" sz="1200" i="1" dirty="0" err="1"/>
+              <a:t>PyLabLib</a:t>
+            </a:r>
+            <a:endParaRPr lang="fr-FR" sz="1200" i="1" dirty="0"/>
+          </a:p>
+        </p:txBody>
+      </p:sp>
+      <p:sp>
+        <p:nvSpPr>
+          <p:cNvPr id="11" name="Rectangle 10">
+            <a:extLst>
+              <a:ext uri="{FF2B5EF4-FFF2-40B4-BE49-F238E27FC236}">
+                <a16:creationId xmlns:a16="http://schemas.microsoft.com/office/drawing/2014/main" id="{85E0ADAF-40B4-E959-E54C-DAA562A9F8EF}"/>
+              </a:ext>
+            </a:extLst>
+          </p:cNvPr>
+          <p:cNvSpPr/>
+          <p:nvPr/>
+        </p:nvSpPr>
+        <p:spPr>
+          <a:xfrm>
+            <a:off x="5983570" y="2813390"/>
+            <a:ext cx="5760000" cy="3600000"/>
+          </a:xfrm>
+          <a:prstGeom prst="rect">
+            <a:avLst/>
+          </a:prstGeom>
+          <a:solidFill>
+            <a:srgbClr val="00B0F0"/>
+          </a:solidFill>
+        </p:spPr>
+        <p:style>
+          <a:lnRef idx="2">
+            <a:schemeClr val="accent1">
+              <a:shade val="15000"/>
+            </a:schemeClr>
+          </a:lnRef>
+          <a:fillRef idx="1">
+            <a:schemeClr val="accent1"/>
+          </a:fillRef>
+          <a:effectRef idx="0">
+            <a:schemeClr val="accent1"/>
+          </a:effectRef>
+          <a:fontRef idx="minor">
+            <a:schemeClr val="lt1"/>
+          </a:fontRef>
+        </p:style>
+        <p:txBody>
+          <a:bodyPr rtlCol="0" anchor="ctr"/>
+          <a:lstStyle/>
+          <a:p>
+            <a:pPr algn="ctr"/>
+            <a:endParaRPr lang="en-US" dirty="0"/>
+          </a:p>
+        </p:txBody>
+      </p:sp>
+      <p:sp>
+        <p:nvSpPr>
+          <p:cNvPr id="14" name="Rectangle 13">
+            <a:extLst>
+              <a:ext uri="{FF2B5EF4-FFF2-40B4-BE49-F238E27FC236}">
+                <a16:creationId xmlns:a16="http://schemas.microsoft.com/office/drawing/2014/main" id="{21A13818-6B2F-8EAF-0123-68FF083F1CA3}"/>
+              </a:ext>
+            </a:extLst>
+          </p:cNvPr>
+          <p:cNvSpPr/>
+          <p:nvPr/>
+        </p:nvSpPr>
+        <p:spPr>
+          <a:xfrm>
+            <a:off x="3103570" y="1013390"/>
+            <a:ext cx="2880000" cy="611940"/>
+          </a:xfrm>
+          <a:prstGeom prst="rect">
+            <a:avLst/>
+          </a:prstGeom>
+          <a:solidFill>
+            <a:schemeClr val="bg2">
+              <a:lumMod val="90000"/>
+            </a:schemeClr>
+          </a:solidFill>
+        </p:spPr>
+        <p:style>
+          <a:lnRef idx="2">
+            <a:schemeClr val="accent1">
+              <a:shade val="15000"/>
+            </a:schemeClr>
+          </a:lnRef>
+          <a:fillRef idx="1">
+            <a:schemeClr val="accent1"/>
+          </a:fillRef>
+          <a:effectRef idx="0">
+            <a:schemeClr val="accent1"/>
+          </a:effectRef>
+          <a:fontRef idx="minor">
+            <a:schemeClr val="lt1"/>
+          </a:fontRef>
+        </p:style>
+        <p:txBody>
+          <a:bodyPr rtlCol="0" anchor="ctr"/>
+          <a:lstStyle/>
+          <a:p>
+            <a:pPr algn="ctr"/>
+            <a:endParaRPr lang="en-US" dirty="0"/>
+          </a:p>
+        </p:txBody>
+      </p:sp>
+      <p:sp>
+        <p:nvSpPr>
+          <p:cNvPr id="17" name="Rectangle 16">
+            <a:extLst>
+              <a:ext uri="{FF2B5EF4-FFF2-40B4-BE49-F238E27FC236}">
+                <a16:creationId xmlns:a16="http://schemas.microsoft.com/office/drawing/2014/main" id="{C39F87AF-2A89-58DF-EDB5-2DB47BAA376B}"/>
+              </a:ext>
+            </a:extLst>
+          </p:cNvPr>
+          <p:cNvSpPr/>
+          <p:nvPr/>
+        </p:nvSpPr>
+        <p:spPr>
+          <a:xfrm>
+            <a:off x="5983570" y="1013390"/>
+            <a:ext cx="2880000" cy="1800000"/>
+          </a:xfrm>
+          <a:prstGeom prst="rect">
+            <a:avLst/>
+          </a:prstGeom>
+          <a:solidFill>
+            <a:schemeClr val="accent6">
+              <a:lumMod val="20000"/>
+              <a:lumOff val="80000"/>
+            </a:schemeClr>
+          </a:solidFill>
+        </p:spPr>
+        <p:style>
+          <a:lnRef idx="2">
+            <a:schemeClr val="accent1">
+              <a:shade val="15000"/>
+            </a:schemeClr>
+          </a:lnRef>
+          <a:fillRef idx="1">
+            <a:schemeClr val="accent1"/>
+          </a:fillRef>
+          <a:effectRef idx="0">
+            <a:schemeClr val="accent1"/>
+          </a:effectRef>
+          <a:fontRef idx="minor">
+            <a:schemeClr val="lt1"/>
+          </a:fontRef>
+        </p:style>
+        <p:txBody>
+          <a:bodyPr rtlCol="0" anchor="ctr"/>
+          <a:lstStyle/>
+          <a:p>
+            <a:pPr algn="ctr"/>
+            <a:r>
+              <a:rPr lang="en-US" dirty="0">
+                <a:solidFill>
+                  <a:schemeClr val="tx1"/>
+                </a:solidFill>
+              </a:rPr>
+              <a:t>Image 1</a:t>
+            </a:r>
+          </a:p>
+        </p:txBody>
+      </p:sp>
+      <p:sp>
+        <p:nvSpPr>
+          <p:cNvPr id="18" name="Rectangle 17">
+            <a:extLst>
+              <a:ext uri="{FF2B5EF4-FFF2-40B4-BE49-F238E27FC236}">
+                <a16:creationId xmlns:a16="http://schemas.microsoft.com/office/drawing/2014/main" id="{6BDDE8D2-5B2C-5222-7DEB-F7C1E0EF8FAD}"/>
+              </a:ext>
+            </a:extLst>
+          </p:cNvPr>
+          <p:cNvSpPr/>
+          <p:nvPr/>
+        </p:nvSpPr>
+        <p:spPr>
+          <a:xfrm>
+            <a:off x="8863570" y="1013390"/>
+            <a:ext cx="2880000" cy="1800000"/>
+          </a:xfrm>
+          <a:prstGeom prst="rect">
+            <a:avLst/>
+          </a:prstGeom>
+          <a:solidFill>
+            <a:schemeClr val="accent6">
+              <a:lumMod val="40000"/>
+              <a:lumOff val="60000"/>
+            </a:schemeClr>
+          </a:solidFill>
+        </p:spPr>
+        <p:style>
+          <a:lnRef idx="2">
+            <a:schemeClr val="accent1">
+              <a:shade val="15000"/>
+            </a:schemeClr>
+          </a:lnRef>
+          <a:fillRef idx="1">
+            <a:schemeClr val="accent1"/>
+          </a:fillRef>
+          <a:effectRef idx="0">
+            <a:schemeClr val="accent1"/>
+          </a:effectRef>
+          <a:fontRef idx="minor">
+            <a:schemeClr val="lt1"/>
+          </a:fontRef>
+        </p:style>
+        <p:txBody>
+          <a:bodyPr rtlCol="0" anchor="ctr"/>
+          <a:lstStyle/>
+          <a:p>
+            <a:pPr algn="ctr"/>
+            <a:r>
+              <a:rPr lang="en-US" dirty="0">
+                <a:solidFill>
+                  <a:schemeClr val="tx1"/>
+                </a:solidFill>
+              </a:rPr>
+              <a:t>Image 2</a:t>
+            </a:r>
+          </a:p>
+        </p:txBody>
+      </p:sp>
+      <p:sp>
+        <p:nvSpPr>
+          <p:cNvPr id="19" name="Rectangle 18">
+            <a:extLst>
+              <a:ext uri="{FF2B5EF4-FFF2-40B4-BE49-F238E27FC236}">
+                <a16:creationId xmlns:a16="http://schemas.microsoft.com/office/drawing/2014/main" id="{EE01F4E1-2031-737C-25E7-8A86E34C17FE}"/>
+              </a:ext>
+            </a:extLst>
+          </p:cNvPr>
+          <p:cNvSpPr/>
+          <p:nvPr/>
+        </p:nvSpPr>
+        <p:spPr>
+          <a:xfrm>
+            <a:off x="3103570" y="2813390"/>
+            <a:ext cx="2880000" cy="1800000"/>
+          </a:xfrm>
+          <a:prstGeom prst="rect">
+            <a:avLst/>
+          </a:prstGeom>
+          <a:solidFill>
+            <a:schemeClr val="bg2">
+              <a:lumMod val="90000"/>
+            </a:schemeClr>
+          </a:solidFill>
+        </p:spPr>
+        <p:style>
+          <a:lnRef idx="2">
+            <a:schemeClr val="accent1">
+              <a:shade val="15000"/>
+            </a:schemeClr>
+          </a:lnRef>
+          <a:fillRef idx="1">
+            <a:schemeClr val="accent1"/>
+          </a:fillRef>
+          <a:effectRef idx="0">
+            <a:schemeClr val="accent1"/>
+          </a:effectRef>
+          <a:fontRef idx="minor">
+            <a:schemeClr val="lt1"/>
+          </a:fontRef>
+        </p:style>
+        <p:txBody>
+          <a:bodyPr rtlCol="0" anchor="ctr"/>
+          <a:lstStyle/>
+          <a:p>
+            <a:pPr algn="ctr"/>
+            <a:endParaRPr lang="en-US" dirty="0"/>
+          </a:p>
+        </p:txBody>
+      </p:sp>
+      <p:sp>
+        <p:nvSpPr>
+          <p:cNvPr id="20" name="Rectangle 19">
+            <a:extLst>
+              <a:ext uri="{FF2B5EF4-FFF2-40B4-BE49-F238E27FC236}">
+                <a16:creationId xmlns:a16="http://schemas.microsoft.com/office/drawing/2014/main" id="{7DF20DB0-6CB3-5EA7-9272-0BAEE7DECD65}"/>
+              </a:ext>
+            </a:extLst>
+          </p:cNvPr>
+          <p:cNvSpPr/>
+          <p:nvPr/>
+        </p:nvSpPr>
+        <p:spPr>
+          <a:xfrm>
+            <a:off x="3103570" y="4613390"/>
+            <a:ext cx="2880000" cy="1800000"/>
+          </a:xfrm>
+          <a:prstGeom prst="rect">
+            <a:avLst/>
+          </a:prstGeom>
+          <a:solidFill>
+            <a:schemeClr val="bg2">
+              <a:lumMod val="90000"/>
+            </a:schemeClr>
+          </a:solidFill>
+        </p:spPr>
+        <p:style>
+          <a:lnRef idx="2">
+            <a:schemeClr val="accent1">
+              <a:shade val="15000"/>
+            </a:schemeClr>
+          </a:lnRef>
+          <a:fillRef idx="1">
+            <a:schemeClr val="accent1"/>
+          </a:fillRef>
+          <a:effectRef idx="0">
+            <a:schemeClr val="accent1"/>
+          </a:effectRef>
+          <a:fontRef idx="minor">
+            <a:schemeClr val="lt1"/>
+          </a:fontRef>
+        </p:style>
+        <p:txBody>
+          <a:bodyPr rtlCol="0" anchor="ctr"/>
+          <a:lstStyle/>
+          <a:p>
+            <a:pPr algn="ctr"/>
+            <a:endParaRPr lang="en-US" dirty="0"/>
+          </a:p>
+        </p:txBody>
+      </p:sp>
+      <p:sp>
+        <p:nvSpPr>
+          <p:cNvPr id="21" name="ZoneTexte 20">
+            <a:extLst>
+              <a:ext uri="{FF2B5EF4-FFF2-40B4-BE49-F238E27FC236}">
+                <a16:creationId xmlns:a16="http://schemas.microsoft.com/office/drawing/2014/main" id="{9FC60D0A-0ACB-07F4-781C-B195081661D1}"/>
+              </a:ext>
+            </a:extLst>
+          </p:cNvPr>
+          <p:cNvSpPr txBox="1"/>
+          <p:nvPr/>
+        </p:nvSpPr>
+        <p:spPr>
+          <a:xfrm>
+            <a:off x="3113293" y="4613390"/>
+            <a:ext cx="1242648" cy="261610"/>
+          </a:xfrm>
+          <a:prstGeom prst="rect">
+            <a:avLst/>
+          </a:prstGeom>
+          <a:noFill/>
+        </p:spPr>
+        <p:txBody>
+          <a:bodyPr wrap="none" rtlCol="0">
+            <a:spAutoFit/>
+          </a:bodyPr>
+          <a:lstStyle/>
+          <a:p>
+            <a:r>
+              <a:rPr lang="fr-FR" sz="1100" b="1" noProof="0" dirty="0"/>
+              <a:t>Contrôle moteur</a:t>
+            </a:r>
+          </a:p>
+        </p:txBody>
+      </p:sp>
+      <p:sp>
+        <p:nvSpPr>
+          <p:cNvPr id="23" name="Rectangle : coins arrondis 22">
+            <a:extLst>
+              <a:ext uri="{FF2B5EF4-FFF2-40B4-BE49-F238E27FC236}">
+                <a16:creationId xmlns:a16="http://schemas.microsoft.com/office/drawing/2014/main" id="{4850E1C0-7E5A-E039-B8C3-1469EF6728EE}"/>
+              </a:ext>
+            </a:extLst>
+          </p:cNvPr>
+          <p:cNvSpPr/>
+          <p:nvPr/>
+        </p:nvSpPr>
+        <p:spPr>
+          <a:xfrm>
+            <a:off x="4455787" y="4938630"/>
+            <a:ext cx="640617" cy="233082"/>
+          </a:xfrm>
+          <a:prstGeom prst="roundRect">
+            <a:avLst/>
+          </a:prstGeom>
+          <a:noFill/>
+          <a:ln>
+            <a:solidFill>
+              <a:schemeClr val="tx1"/>
+            </a:solidFill>
+          </a:ln>
+        </p:spPr>
+        <p:style>
+          <a:lnRef idx="2">
+            <a:schemeClr val="accent1">
+              <a:shade val="15000"/>
+            </a:schemeClr>
+          </a:lnRef>
+          <a:fillRef idx="1">
+            <a:schemeClr val="accent1"/>
+          </a:fillRef>
+          <a:effectRef idx="0">
+            <a:schemeClr val="accent1"/>
+          </a:effectRef>
+          <a:fontRef idx="minor">
+            <a:schemeClr val="lt1"/>
+          </a:fontRef>
+        </p:style>
+        <p:txBody>
+          <a:bodyPr rtlCol="0" anchor="ctr"/>
+          <a:lstStyle/>
+          <a:p>
+            <a:pPr algn="ctr"/>
+            <a:r>
+              <a:rPr lang="en-US" sz="1100" b="1" dirty="0">
+                <a:solidFill>
+                  <a:schemeClr val="tx1"/>
+                </a:solidFill>
+              </a:rPr>
+              <a:t>DOWN</a:t>
+            </a:r>
+          </a:p>
+        </p:txBody>
+      </p:sp>
+      <p:sp>
+        <p:nvSpPr>
+          <p:cNvPr id="25" name="Rectangle : coins arrondis 24">
+            <a:extLst>
+              <a:ext uri="{FF2B5EF4-FFF2-40B4-BE49-F238E27FC236}">
+                <a16:creationId xmlns:a16="http://schemas.microsoft.com/office/drawing/2014/main" id="{67BAD7EA-8E88-9AD8-FCBF-DFB6C1952B7D}"/>
+              </a:ext>
+            </a:extLst>
+          </p:cNvPr>
+          <p:cNvSpPr/>
+          <p:nvPr/>
+        </p:nvSpPr>
+        <p:spPr>
+          <a:xfrm>
+            <a:off x="6096000" y="2916454"/>
+            <a:ext cx="1238451" cy="221382"/>
+          </a:xfrm>
+          <a:prstGeom prst="roundRect">
+            <a:avLst/>
+          </a:prstGeom>
+          <a:noFill/>
+          <a:ln>
+            <a:solidFill>
+              <a:schemeClr val="tx1"/>
+            </a:solidFill>
+          </a:ln>
+        </p:spPr>
+        <p:style>
+          <a:lnRef idx="2">
+            <a:schemeClr val="accent1">
+              <a:shade val="15000"/>
+            </a:schemeClr>
+          </a:lnRef>
+          <a:fillRef idx="1">
+            <a:schemeClr val="accent1"/>
+          </a:fillRef>
+          <a:effectRef idx="0">
+            <a:schemeClr val="accent1"/>
+          </a:effectRef>
+          <a:fontRef idx="minor">
+            <a:schemeClr val="lt1"/>
+          </a:fontRef>
+        </p:style>
+        <p:txBody>
+          <a:bodyPr rtlCol="0" anchor="ctr"/>
+          <a:lstStyle/>
+          <a:p>
+            <a:pPr algn="ctr"/>
+            <a:r>
+              <a:rPr lang="en-US" sz="1100" dirty="0"/>
+              <a:t>Choix Image</a:t>
+            </a:r>
+          </a:p>
+        </p:txBody>
+      </p:sp>
+      <p:sp>
+        <p:nvSpPr>
+          <p:cNvPr id="26" name="Rectangle : coins arrondis 25">
+            <a:extLst>
+              <a:ext uri="{FF2B5EF4-FFF2-40B4-BE49-F238E27FC236}">
+                <a16:creationId xmlns:a16="http://schemas.microsoft.com/office/drawing/2014/main" id="{9E5CD415-4D6E-2E77-989C-FE42DF297DFE}"/>
+              </a:ext>
+            </a:extLst>
+          </p:cNvPr>
+          <p:cNvSpPr/>
+          <p:nvPr/>
+        </p:nvSpPr>
+        <p:spPr>
+          <a:xfrm>
+            <a:off x="10361322" y="2916454"/>
+            <a:ext cx="1238451" cy="221382"/>
+          </a:xfrm>
+          <a:prstGeom prst="roundRect">
+            <a:avLst/>
+          </a:prstGeom>
+          <a:noFill/>
+          <a:ln>
+            <a:solidFill>
+              <a:schemeClr val="tx1"/>
+            </a:solidFill>
+          </a:ln>
+        </p:spPr>
+        <p:style>
+          <a:lnRef idx="2">
+            <a:schemeClr val="accent1">
+              <a:shade val="15000"/>
+            </a:schemeClr>
+          </a:lnRef>
+          <a:fillRef idx="1">
+            <a:schemeClr val="accent1"/>
+          </a:fillRef>
+          <a:effectRef idx="0">
+            <a:schemeClr val="accent1"/>
+          </a:effectRef>
+          <a:fontRef idx="minor">
+            <a:schemeClr val="lt1"/>
+          </a:fontRef>
+        </p:style>
+        <p:txBody>
+          <a:bodyPr rtlCol="0" anchor="ctr"/>
+          <a:lstStyle/>
+          <a:p>
+            <a:pPr algn="ctr"/>
+            <a:r>
+              <a:rPr lang="en-US" sz="1100" dirty="0"/>
+              <a:t>Zoom Image</a:t>
+            </a:r>
+          </a:p>
+        </p:txBody>
+      </p:sp>
+      <p:sp>
+        <p:nvSpPr>
+          <p:cNvPr id="27" name="Rectangle 26">
+            <a:extLst>
+              <a:ext uri="{FF2B5EF4-FFF2-40B4-BE49-F238E27FC236}">
+                <a16:creationId xmlns:a16="http://schemas.microsoft.com/office/drawing/2014/main" id="{7D59F380-E4E0-BBA2-C55B-3B264C823254}"/>
+              </a:ext>
+            </a:extLst>
+          </p:cNvPr>
+          <p:cNvSpPr/>
+          <p:nvPr/>
+        </p:nvSpPr>
+        <p:spPr>
+          <a:xfrm>
+            <a:off x="6551472" y="3429000"/>
+            <a:ext cx="4624196" cy="2717510"/>
+          </a:xfrm>
+          <a:prstGeom prst="rect">
+            <a:avLst/>
+          </a:prstGeom>
+          <a:solidFill>
+            <a:srgbClr val="00B0F0"/>
+          </a:solidFill>
+        </p:spPr>
+        <p:style>
+          <a:lnRef idx="2">
+            <a:schemeClr val="accent1">
+              <a:shade val="15000"/>
+            </a:schemeClr>
+          </a:lnRef>
+          <a:fillRef idx="1">
+            <a:schemeClr val="accent1"/>
+          </a:fillRef>
+          <a:effectRef idx="0">
+            <a:schemeClr val="accent1"/>
+          </a:effectRef>
+          <a:fontRef idx="minor">
+            <a:schemeClr val="lt1"/>
+          </a:fontRef>
+        </p:style>
+        <p:txBody>
+          <a:bodyPr rtlCol="0" anchor="ctr"/>
+          <a:lstStyle/>
+          <a:p>
+            <a:pPr algn="ctr"/>
+            <a:r>
+              <a:rPr lang="en-US" dirty="0"/>
+              <a:t>OCT</a:t>
+            </a:r>
+          </a:p>
+        </p:txBody>
+      </p:sp>
+      <p:sp>
+        <p:nvSpPr>
+          <p:cNvPr id="28" name="Rectangle : coins arrondis 27">
+            <a:extLst>
+              <a:ext uri="{FF2B5EF4-FFF2-40B4-BE49-F238E27FC236}">
+                <a16:creationId xmlns:a16="http://schemas.microsoft.com/office/drawing/2014/main" id="{4C0AAC91-481D-9E4A-3D52-39B1DC5BB5E5}"/>
+              </a:ext>
+            </a:extLst>
+          </p:cNvPr>
+          <p:cNvSpPr/>
+          <p:nvPr/>
+        </p:nvSpPr>
+        <p:spPr>
+          <a:xfrm>
+            <a:off x="5233383" y="4938630"/>
+            <a:ext cx="640617" cy="233082"/>
+          </a:xfrm>
+          <a:prstGeom prst="roundRect">
+            <a:avLst/>
+          </a:prstGeom>
+          <a:noFill/>
+          <a:ln>
+            <a:solidFill>
+              <a:schemeClr val="tx1"/>
+            </a:solidFill>
+          </a:ln>
+        </p:spPr>
+        <p:style>
+          <a:lnRef idx="2">
+            <a:schemeClr val="accent1">
+              <a:shade val="15000"/>
+            </a:schemeClr>
+          </a:lnRef>
+          <a:fillRef idx="1">
+            <a:schemeClr val="accent1"/>
+          </a:fillRef>
+          <a:effectRef idx="0">
+            <a:schemeClr val="accent1"/>
+          </a:effectRef>
+          <a:fontRef idx="minor">
+            <a:schemeClr val="lt1"/>
+          </a:fontRef>
+        </p:style>
+        <p:txBody>
+          <a:bodyPr rtlCol="0" anchor="ctr"/>
+          <a:lstStyle/>
+          <a:p>
+            <a:pPr algn="ctr"/>
+            <a:r>
+              <a:rPr lang="en-US" sz="1400" b="1" dirty="0">
+                <a:solidFill>
+                  <a:schemeClr val="tx1"/>
+                </a:solidFill>
+              </a:rPr>
+              <a:t>UP</a:t>
+            </a:r>
+          </a:p>
+        </p:txBody>
+      </p:sp>
+      <p:sp>
+        <p:nvSpPr>
+          <p:cNvPr id="29" name="ZoneTexte 28">
+            <a:extLst>
+              <a:ext uri="{FF2B5EF4-FFF2-40B4-BE49-F238E27FC236}">
+                <a16:creationId xmlns:a16="http://schemas.microsoft.com/office/drawing/2014/main" id="{0F61DF05-5BEC-095E-FF1D-EA43087BCE67}"/>
+              </a:ext>
+            </a:extLst>
+          </p:cNvPr>
+          <p:cNvSpPr txBox="1"/>
+          <p:nvPr/>
+        </p:nvSpPr>
+        <p:spPr>
+          <a:xfrm>
+            <a:off x="3268520" y="4924366"/>
+            <a:ext cx="1050288" cy="261610"/>
+          </a:xfrm>
+          <a:prstGeom prst="rect">
+            <a:avLst/>
+          </a:prstGeom>
+          <a:noFill/>
+        </p:spPr>
+        <p:txBody>
+          <a:bodyPr wrap="none" rtlCol="0">
+            <a:spAutoFit/>
+          </a:bodyPr>
+          <a:lstStyle/>
+          <a:p>
+            <a:r>
+              <a:rPr lang="fr-FR" sz="1100" noProof="0" dirty="0"/>
+              <a:t>Stepper </a:t>
+            </a:r>
+            <a:r>
+              <a:rPr lang="fr-FR" sz="1100" noProof="0" dirty="0" err="1"/>
+              <a:t>Motor</a:t>
+            </a:r>
+            <a:endParaRPr lang="fr-FR" sz="1100" noProof="0" dirty="0"/>
+          </a:p>
+        </p:txBody>
+      </p:sp>
+      <p:sp>
+        <p:nvSpPr>
+          <p:cNvPr id="30" name="ZoneTexte 29">
+            <a:extLst>
+              <a:ext uri="{FF2B5EF4-FFF2-40B4-BE49-F238E27FC236}">
+                <a16:creationId xmlns:a16="http://schemas.microsoft.com/office/drawing/2014/main" id="{1B2621D9-553E-A198-2353-C612A03727F6}"/>
+              </a:ext>
+            </a:extLst>
+          </p:cNvPr>
+          <p:cNvSpPr txBox="1"/>
+          <p:nvPr/>
+        </p:nvSpPr>
+        <p:spPr>
+          <a:xfrm>
+            <a:off x="3277197" y="5190161"/>
+            <a:ext cx="899605" cy="261610"/>
+          </a:xfrm>
+          <a:prstGeom prst="rect">
+            <a:avLst/>
+          </a:prstGeom>
+          <a:noFill/>
+        </p:spPr>
+        <p:txBody>
+          <a:bodyPr wrap="none" rtlCol="0">
+            <a:spAutoFit/>
+          </a:bodyPr>
+          <a:lstStyle/>
+          <a:p>
+            <a:r>
+              <a:rPr lang="fr-FR" sz="1100" noProof="0" dirty="0"/>
+              <a:t>Pas </a:t>
+            </a:r>
+            <a:r>
+              <a:rPr lang="en-US" sz="1100" dirty="0">
+                <a:sym typeface="Symbol" panose="05050102010706020507" pitchFamily="18" charset="2"/>
+              </a:rPr>
+              <a:t>z </a:t>
+            </a:r>
+            <a:r>
+              <a:rPr lang="fr-FR" sz="1100" noProof="0" dirty="0"/>
+              <a:t>(um)</a:t>
+            </a:r>
+          </a:p>
+        </p:txBody>
+      </p:sp>
+      <p:sp>
+        <p:nvSpPr>
+          <p:cNvPr id="31" name="Rectangle : coins arrondis 30">
+            <a:extLst>
+              <a:ext uri="{FF2B5EF4-FFF2-40B4-BE49-F238E27FC236}">
+                <a16:creationId xmlns:a16="http://schemas.microsoft.com/office/drawing/2014/main" id="{DB47B4D7-05A5-C0CF-934B-BAFCC8D95716}"/>
+              </a:ext>
+            </a:extLst>
+          </p:cNvPr>
+          <p:cNvSpPr/>
+          <p:nvPr/>
+        </p:nvSpPr>
+        <p:spPr>
+          <a:xfrm>
+            <a:off x="4131865" y="5235342"/>
+            <a:ext cx="391239" cy="196175"/>
+          </a:xfrm>
+          <a:prstGeom prst="roundRect">
+            <a:avLst/>
+          </a:prstGeom>
+          <a:noFill/>
+          <a:ln>
+            <a:solidFill>
+              <a:schemeClr val="tx1"/>
+            </a:solidFill>
+          </a:ln>
+        </p:spPr>
+        <p:style>
+          <a:lnRef idx="2">
+            <a:schemeClr val="accent1">
+              <a:shade val="15000"/>
+            </a:schemeClr>
+          </a:lnRef>
+          <a:fillRef idx="1">
+            <a:schemeClr val="accent1"/>
+          </a:fillRef>
+          <a:effectRef idx="0">
+            <a:schemeClr val="accent1"/>
+          </a:effectRef>
+          <a:fontRef idx="minor">
+            <a:schemeClr val="lt1"/>
+          </a:fontRef>
+        </p:style>
+        <p:txBody>
+          <a:bodyPr rtlCol="0" anchor="ctr"/>
+          <a:lstStyle/>
+          <a:p>
+            <a:pPr algn="ctr"/>
+            <a:r>
+              <a:rPr lang="en-US" sz="1100" dirty="0">
+                <a:solidFill>
+                  <a:schemeClr val="tx1"/>
+                </a:solidFill>
+              </a:rPr>
+              <a:t>2</a:t>
+            </a:r>
+          </a:p>
+        </p:txBody>
+      </p:sp>
+      <p:sp>
+        <p:nvSpPr>
+          <p:cNvPr id="32" name="ZoneTexte 31">
+            <a:extLst>
+              <a:ext uri="{FF2B5EF4-FFF2-40B4-BE49-F238E27FC236}">
+                <a16:creationId xmlns:a16="http://schemas.microsoft.com/office/drawing/2014/main" id="{205AF289-5A84-561A-761D-264BEB6F96F8}"/>
+              </a:ext>
+            </a:extLst>
+          </p:cNvPr>
+          <p:cNvSpPr txBox="1"/>
+          <p:nvPr/>
+        </p:nvSpPr>
+        <p:spPr>
+          <a:xfrm>
+            <a:off x="4644393" y="5202624"/>
+            <a:ext cx="1088760" cy="261610"/>
+          </a:xfrm>
+          <a:prstGeom prst="rect">
+            <a:avLst/>
+          </a:prstGeom>
+          <a:noFill/>
+        </p:spPr>
+        <p:txBody>
+          <a:bodyPr wrap="none" rtlCol="0">
+            <a:spAutoFit/>
+          </a:bodyPr>
+          <a:lstStyle/>
+          <a:p>
+            <a:r>
+              <a:rPr lang="fr-FR" sz="1100" noProof="0" dirty="0"/>
+              <a:t>Z =   </a:t>
+            </a:r>
+            <a:r>
+              <a:rPr lang="fr-FR" sz="1100" b="1" noProof="0" dirty="0">
+                <a:highlight>
+                  <a:srgbClr val="FFFF00"/>
+                </a:highlight>
+              </a:rPr>
+              <a:t>XXXX</a:t>
+            </a:r>
+            <a:r>
+              <a:rPr lang="fr-FR" sz="1100" noProof="0" dirty="0"/>
+              <a:t>   um</a:t>
+            </a:r>
+          </a:p>
+        </p:txBody>
+      </p:sp>
+      <p:sp>
+        <p:nvSpPr>
+          <p:cNvPr id="33" name="ZoneTexte 32">
+            <a:extLst>
+              <a:ext uri="{FF2B5EF4-FFF2-40B4-BE49-F238E27FC236}">
+                <a16:creationId xmlns:a16="http://schemas.microsoft.com/office/drawing/2014/main" id="{64977964-7695-20BE-4B0D-CB9EB53E6DD7}"/>
+              </a:ext>
+            </a:extLst>
+          </p:cNvPr>
+          <p:cNvSpPr txBox="1"/>
+          <p:nvPr/>
+        </p:nvSpPr>
+        <p:spPr>
+          <a:xfrm>
+            <a:off x="3277197" y="5672773"/>
+            <a:ext cx="2007281" cy="261610"/>
+          </a:xfrm>
+          <a:prstGeom prst="rect">
+            <a:avLst/>
+          </a:prstGeom>
+          <a:noFill/>
+        </p:spPr>
+        <p:txBody>
+          <a:bodyPr wrap="none" rtlCol="0">
+            <a:spAutoFit/>
+          </a:bodyPr>
+          <a:lstStyle/>
+          <a:p>
+            <a:r>
+              <a:rPr lang="fr-FR" sz="1100" noProof="0" dirty="0" err="1"/>
+              <a:t>Piezo</a:t>
+            </a:r>
+            <a:r>
+              <a:rPr lang="fr-FR" sz="1100" noProof="0" dirty="0"/>
+              <a:t> </a:t>
+            </a:r>
+            <a:r>
+              <a:rPr lang="fr-FR" sz="1100" noProof="0" dirty="0" err="1"/>
+              <a:t>Motor</a:t>
+            </a:r>
+            <a:r>
+              <a:rPr lang="fr-FR" sz="1100" noProof="0" dirty="0"/>
+              <a:t> – V0 =                     V </a:t>
+            </a:r>
+          </a:p>
+        </p:txBody>
+      </p:sp>
+      <p:sp>
+        <p:nvSpPr>
+          <p:cNvPr id="34" name="ZoneTexte 33">
+            <a:extLst>
+              <a:ext uri="{FF2B5EF4-FFF2-40B4-BE49-F238E27FC236}">
+                <a16:creationId xmlns:a16="http://schemas.microsoft.com/office/drawing/2014/main" id="{3F31CD27-6C0B-27CA-8DD6-C9551F47481B}"/>
+              </a:ext>
+            </a:extLst>
+          </p:cNvPr>
+          <p:cNvSpPr txBox="1"/>
+          <p:nvPr/>
+        </p:nvSpPr>
+        <p:spPr>
+          <a:xfrm>
+            <a:off x="3285874" y="5938568"/>
+            <a:ext cx="805029" cy="261610"/>
+          </a:xfrm>
+          <a:prstGeom prst="rect">
+            <a:avLst/>
+          </a:prstGeom>
+          <a:noFill/>
+        </p:spPr>
+        <p:txBody>
+          <a:bodyPr wrap="none" rtlCol="0">
+            <a:spAutoFit/>
+          </a:bodyPr>
+          <a:lstStyle/>
+          <a:p>
+            <a:r>
+              <a:rPr lang="fr-FR" sz="1100" noProof="0" dirty="0"/>
+              <a:t>Pas </a:t>
+            </a:r>
+            <a:r>
+              <a:rPr lang="en-US" sz="1100" dirty="0">
+                <a:sym typeface="Symbol" panose="05050102010706020507" pitchFamily="18" charset="2"/>
+              </a:rPr>
+              <a:t>V </a:t>
+            </a:r>
+            <a:r>
+              <a:rPr lang="fr-FR" sz="1100" noProof="0" dirty="0"/>
+              <a:t>(V)</a:t>
+            </a:r>
+          </a:p>
+        </p:txBody>
+      </p:sp>
+      <p:sp>
+        <p:nvSpPr>
+          <p:cNvPr id="35" name="Rectangle : coins arrondis 34">
+            <a:extLst>
+              <a:ext uri="{FF2B5EF4-FFF2-40B4-BE49-F238E27FC236}">
+                <a16:creationId xmlns:a16="http://schemas.microsoft.com/office/drawing/2014/main" id="{395CD9D8-D187-CA61-2BB7-66DC75102F17}"/>
+              </a:ext>
+            </a:extLst>
+          </p:cNvPr>
+          <p:cNvSpPr/>
+          <p:nvPr/>
+        </p:nvSpPr>
+        <p:spPr>
+          <a:xfrm>
+            <a:off x="4140542" y="5983749"/>
+            <a:ext cx="391239" cy="196175"/>
+          </a:xfrm>
+          <a:prstGeom prst="roundRect">
+            <a:avLst/>
+          </a:prstGeom>
+          <a:noFill/>
+          <a:ln>
+            <a:solidFill>
+              <a:schemeClr val="tx1"/>
+            </a:solidFill>
+          </a:ln>
+        </p:spPr>
+        <p:style>
+          <a:lnRef idx="2">
+            <a:schemeClr val="accent1">
+              <a:shade val="15000"/>
+            </a:schemeClr>
+          </a:lnRef>
+          <a:fillRef idx="1">
+            <a:schemeClr val="accent1"/>
+          </a:fillRef>
+          <a:effectRef idx="0">
+            <a:schemeClr val="accent1"/>
+          </a:effectRef>
+          <a:fontRef idx="minor">
+            <a:schemeClr val="lt1"/>
+          </a:fontRef>
+        </p:style>
+        <p:txBody>
+          <a:bodyPr rtlCol="0" anchor="ctr"/>
+          <a:lstStyle/>
+          <a:p>
+            <a:pPr algn="ctr"/>
+            <a:r>
+              <a:rPr lang="en-US" sz="1100" dirty="0">
+                <a:solidFill>
+                  <a:schemeClr val="tx1"/>
+                </a:solidFill>
+              </a:rPr>
+              <a:t>2</a:t>
+            </a:r>
+          </a:p>
+        </p:txBody>
+      </p:sp>
+      <p:sp>
+        <p:nvSpPr>
+          <p:cNvPr id="37" name="Rectangle : coins arrondis 36">
+            <a:extLst>
+              <a:ext uri="{FF2B5EF4-FFF2-40B4-BE49-F238E27FC236}">
+                <a16:creationId xmlns:a16="http://schemas.microsoft.com/office/drawing/2014/main" id="{AFA5E346-DCA9-45CB-A0AF-4B02DE4082D9}"/>
+              </a:ext>
+            </a:extLst>
+          </p:cNvPr>
+          <p:cNvSpPr/>
+          <p:nvPr/>
+        </p:nvSpPr>
+        <p:spPr>
+          <a:xfrm>
+            <a:off x="4564331" y="5705490"/>
+            <a:ext cx="391239" cy="196175"/>
+          </a:xfrm>
+          <a:prstGeom prst="roundRect">
+            <a:avLst/>
+          </a:prstGeom>
+          <a:noFill/>
+          <a:ln>
+            <a:solidFill>
+              <a:schemeClr val="tx1"/>
+            </a:solidFill>
+          </a:ln>
+        </p:spPr>
+        <p:style>
+          <a:lnRef idx="2">
+            <a:schemeClr val="accent1">
+              <a:shade val="15000"/>
+            </a:schemeClr>
+          </a:lnRef>
+          <a:fillRef idx="1">
+            <a:schemeClr val="accent1"/>
+          </a:fillRef>
+          <a:effectRef idx="0">
+            <a:schemeClr val="accent1"/>
+          </a:effectRef>
+          <a:fontRef idx="minor">
+            <a:schemeClr val="lt1"/>
+          </a:fontRef>
+        </p:style>
+        <p:txBody>
+          <a:bodyPr rtlCol="0" anchor="ctr"/>
+          <a:lstStyle/>
+          <a:p>
+            <a:pPr algn="ctr"/>
+            <a:r>
+              <a:rPr lang="en-US" sz="1100" dirty="0">
+                <a:solidFill>
+                  <a:schemeClr val="tx1"/>
+                </a:solidFill>
+                <a:highlight>
+                  <a:srgbClr val="FFFF00"/>
+                </a:highlight>
+              </a:rPr>
+              <a:t>2</a:t>
+            </a:r>
+          </a:p>
+        </p:txBody>
+      </p:sp>
+      <p:sp>
+        <p:nvSpPr>
+          <p:cNvPr id="38" name="ZoneTexte 37">
+            <a:extLst>
+              <a:ext uri="{FF2B5EF4-FFF2-40B4-BE49-F238E27FC236}">
+                <a16:creationId xmlns:a16="http://schemas.microsoft.com/office/drawing/2014/main" id="{494027A5-AFC6-498E-0E1A-25785AB8760D}"/>
+              </a:ext>
+            </a:extLst>
+          </p:cNvPr>
+          <p:cNvSpPr txBox="1"/>
+          <p:nvPr/>
+        </p:nvSpPr>
+        <p:spPr>
+          <a:xfrm>
+            <a:off x="3113293" y="1682253"/>
+            <a:ext cx="1451038" cy="261610"/>
+          </a:xfrm>
+          <a:prstGeom prst="rect">
+            <a:avLst/>
+          </a:prstGeom>
+          <a:noFill/>
+        </p:spPr>
+        <p:txBody>
+          <a:bodyPr wrap="none" rtlCol="0">
+            <a:spAutoFit/>
+          </a:bodyPr>
+          <a:lstStyle/>
+          <a:p>
+            <a:r>
+              <a:rPr lang="fr-FR" sz="1100" b="1" noProof="0" dirty="0"/>
+              <a:t>Paramètres caméra</a:t>
+            </a:r>
+          </a:p>
+        </p:txBody>
+      </p:sp>
+      <p:sp>
+        <p:nvSpPr>
+          <p:cNvPr id="39" name="ZoneTexte 38">
+            <a:extLst>
+              <a:ext uri="{FF2B5EF4-FFF2-40B4-BE49-F238E27FC236}">
+                <a16:creationId xmlns:a16="http://schemas.microsoft.com/office/drawing/2014/main" id="{54A63647-C21C-CEC4-C037-CD62C6962565}"/>
+              </a:ext>
+            </a:extLst>
+          </p:cNvPr>
+          <p:cNvSpPr txBox="1"/>
+          <p:nvPr/>
+        </p:nvSpPr>
+        <p:spPr>
+          <a:xfrm>
+            <a:off x="3369486" y="1987974"/>
+            <a:ext cx="2504514" cy="769441"/>
+          </a:xfrm>
+          <a:prstGeom prst="rect">
+            <a:avLst/>
+          </a:prstGeom>
+          <a:noFill/>
+        </p:spPr>
+        <p:txBody>
+          <a:bodyPr wrap="square" rtlCol="0">
+            <a:spAutoFit/>
+          </a:bodyPr>
+          <a:lstStyle/>
+          <a:p>
+            <a:r>
+              <a:rPr lang="fr-FR" sz="1100" noProof="0" dirty="0"/>
+              <a:t>Temps d’intégration    </a:t>
+            </a:r>
+            <a:r>
+              <a:rPr lang="en-US" sz="1100" dirty="0"/>
+              <a:t>t</a:t>
+            </a:r>
+            <a:r>
+              <a:rPr lang="en-US" sz="1100" baseline="-25000" dirty="0"/>
+              <a:t>int</a:t>
+            </a:r>
+            <a:r>
+              <a:rPr lang="en-US" sz="1100" dirty="0"/>
+              <a:t>          </a:t>
+            </a:r>
+            <a:r>
+              <a:rPr lang="en-US" sz="1100" dirty="0">
+                <a:highlight>
+                  <a:srgbClr val="FFFF00"/>
+                </a:highlight>
+              </a:rPr>
+              <a:t>      </a:t>
+            </a:r>
+            <a:r>
+              <a:rPr lang="en-US" sz="1100" dirty="0"/>
+              <a:t>       </a:t>
+            </a:r>
+            <a:r>
+              <a:rPr lang="en-US" sz="1100" dirty="0" err="1"/>
+              <a:t>ms</a:t>
+            </a:r>
+            <a:endParaRPr lang="en-US" sz="1100" dirty="0"/>
+          </a:p>
+          <a:p>
+            <a:endParaRPr lang="en-US" sz="1100" dirty="0"/>
+          </a:p>
+          <a:p>
+            <a:endParaRPr lang="en-US" sz="1100" dirty="0"/>
+          </a:p>
+          <a:p>
+            <a:r>
+              <a:rPr lang="en-US" sz="1100" dirty="0" err="1"/>
+              <a:t>Nombre</a:t>
+            </a:r>
+            <a:r>
+              <a:rPr lang="en-US" sz="1100" dirty="0"/>
+              <a:t> images </a:t>
+            </a:r>
+            <a:r>
+              <a:rPr lang="en-US" sz="1100" dirty="0" err="1"/>
+              <a:t>moyenne</a:t>
+            </a:r>
+            <a:r>
+              <a:rPr lang="en-US" sz="1100" dirty="0"/>
+              <a:t>     </a:t>
+            </a:r>
+          </a:p>
+        </p:txBody>
+      </p:sp>
+      <p:sp>
+        <p:nvSpPr>
+          <p:cNvPr id="40" name="ZoneTexte 39">
+            <a:extLst>
+              <a:ext uri="{FF2B5EF4-FFF2-40B4-BE49-F238E27FC236}">
+                <a16:creationId xmlns:a16="http://schemas.microsoft.com/office/drawing/2014/main" id="{AB6F2B2F-7D17-27CA-585B-D8B2D1C81C7F}"/>
+              </a:ext>
+            </a:extLst>
+          </p:cNvPr>
+          <p:cNvSpPr txBox="1"/>
+          <p:nvPr/>
+        </p:nvSpPr>
+        <p:spPr>
+          <a:xfrm>
+            <a:off x="3113293" y="2898323"/>
+            <a:ext cx="1681871" cy="261610"/>
+          </a:xfrm>
+          <a:prstGeom prst="rect">
+            <a:avLst/>
+          </a:prstGeom>
+          <a:noFill/>
+        </p:spPr>
+        <p:txBody>
+          <a:bodyPr wrap="none" rtlCol="0">
+            <a:spAutoFit/>
+          </a:bodyPr>
+          <a:lstStyle/>
+          <a:p>
+            <a:r>
+              <a:rPr lang="fr-FR" sz="1100" b="1" noProof="0" dirty="0"/>
+              <a:t>Paramètres acquisition</a:t>
+            </a:r>
+          </a:p>
+        </p:txBody>
+      </p:sp>
+      <p:sp>
+        <p:nvSpPr>
+          <p:cNvPr id="41" name="ZoneTexte 40">
+            <a:extLst>
+              <a:ext uri="{FF2B5EF4-FFF2-40B4-BE49-F238E27FC236}">
+                <a16:creationId xmlns:a16="http://schemas.microsoft.com/office/drawing/2014/main" id="{64646AEB-6262-999D-B325-F8508D1EF62F}"/>
+              </a:ext>
+            </a:extLst>
+          </p:cNvPr>
+          <p:cNvSpPr txBox="1"/>
+          <p:nvPr/>
+        </p:nvSpPr>
+        <p:spPr>
+          <a:xfrm>
+            <a:off x="3293859" y="3108361"/>
+            <a:ext cx="2143334" cy="769441"/>
+          </a:xfrm>
+          <a:prstGeom prst="rect">
+            <a:avLst/>
+          </a:prstGeom>
+          <a:noFill/>
+        </p:spPr>
+        <p:txBody>
+          <a:bodyPr wrap="square" rtlCol="0">
+            <a:spAutoFit/>
+          </a:bodyPr>
+          <a:lstStyle/>
+          <a:p>
+            <a:r>
+              <a:rPr lang="fr-FR" sz="1100" noProof="0" dirty="0"/>
+              <a:t>Directory:</a:t>
+            </a:r>
+          </a:p>
+          <a:p>
+            <a:r>
+              <a:rPr lang="fr-FR" sz="1100" dirty="0"/>
+              <a:t>Nom image:</a:t>
+            </a:r>
+            <a:endParaRPr lang="fr-FR" sz="1100" noProof="0" dirty="0"/>
+          </a:p>
+          <a:p>
+            <a:r>
+              <a:rPr lang="fr-FR" sz="1100" noProof="0" dirty="0"/>
+              <a:t>Pas : </a:t>
+            </a:r>
+            <a:r>
+              <a:rPr lang="en-US" sz="1100" dirty="0">
+                <a:sym typeface="Symbol" panose="05050102010706020507" pitchFamily="18" charset="2"/>
+              </a:rPr>
+              <a:t>p (m)</a:t>
+            </a:r>
+            <a:endParaRPr lang="en-US" sz="1100" dirty="0"/>
+          </a:p>
+          <a:p>
+            <a:r>
+              <a:rPr lang="en-US" sz="1100" dirty="0"/>
+              <a:t>Nombre de pas : N</a:t>
+            </a:r>
+            <a:r>
+              <a:rPr lang="en-US" sz="1100" baseline="-25000" dirty="0"/>
+              <a:t>acqu</a:t>
+            </a:r>
+          </a:p>
+        </p:txBody>
+      </p:sp>
+      <p:pic>
+        <p:nvPicPr>
+          <p:cNvPr id="42" name="Image 41" descr="Une image contenant texte, Police, capture d’écran, logo&#10;&#10;Le contenu généré par l’IA peut être incorrect.">
+            <a:extLst>
+              <a:ext uri="{FF2B5EF4-FFF2-40B4-BE49-F238E27FC236}">
+                <a16:creationId xmlns:a16="http://schemas.microsoft.com/office/drawing/2014/main" id="{BD8D0F89-D57F-F47B-5E2C-160B1D3FBADF}"/>
+              </a:ext>
+            </a:extLst>
+          </p:cNvPr>
+          <p:cNvPicPr>
+            <a:picLocks noChangeAspect="1"/>
+          </p:cNvPicPr>
+          <p:nvPr/>
+        </p:nvPicPr>
+        <p:blipFill>
+          <a:blip r:embed="rId2">
+            <a:extLst>
+              <a:ext uri="{28A0092B-C50C-407E-A947-70E740481C1C}">
+                <a14:useLocalDpi xmlns:a14="http://schemas.microsoft.com/office/drawing/2010/main" val="0"/>
+              </a:ext>
+            </a:extLst>
+          </a:blip>
+          <a:stretch>
+            <a:fillRect/>
+          </a:stretch>
+        </p:blipFill>
+        <p:spPr>
+          <a:xfrm>
+            <a:off x="3209303" y="1093114"/>
+            <a:ext cx="1035392" cy="425327"/>
+          </a:xfrm>
+          <a:prstGeom prst="rect">
+            <a:avLst/>
+          </a:prstGeom>
+        </p:spPr>
+      </p:pic>
+      <p:sp>
+        <p:nvSpPr>
+          <p:cNvPr id="43" name="ZoneTexte 42">
+            <a:extLst>
+              <a:ext uri="{FF2B5EF4-FFF2-40B4-BE49-F238E27FC236}">
+                <a16:creationId xmlns:a16="http://schemas.microsoft.com/office/drawing/2014/main" id="{9581C246-A1F8-68B7-4751-9C7BCB1C4317}"/>
+              </a:ext>
+            </a:extLst>
+          </p:cNvPr>
+          <p:cNvSpPr txBox="1"/>
+          <p:nvPr/>
+        </p:nvSpPr>
+        <p:spPr>
+          <a:xfrm>
+            <a:off x="4339736" y="1167279"/>
+            <a:ext cx="532775" cy="307777"/>
+          </a:xfrm>
+          <a:prstGeom prst="rect">
+            <a:avLst/>
+          </a:prstGeom>
+          <a:noFill/>
+        </p:spPr>
+        <p:txBody>
+          <a:bodyPr wrap="none" rtlCol="0">
+            <a:spAutoFit/>
+          </a:bodyPr>
+          <a:lstStyle/>
+          <a:p>
+            <a:r>
+              <a:rPr lang="fr-FR" sz="1400" b="1" dirty="0"/>
+              <a:t>OCT</a:t>
+            </a:r>
+          </a:p>
+        </p:txBody>
+      </p:sp>
+      <p:sp>
+        <p:nvSpPr>
+          <p:cNvPr id="44" name="Rectangle : coins arrondis 43">
+            <a:extLst>
+              <a:ext uri="{FF2B5EF4-FFF2-40B4-BE49-F238E27FC236}">
+                <a16:creationId xmlns:a16="http://schemas.microsoft.com/office/drawing/2014/main" id="{83D24946-17BC-3013-5F75-B00B997F67D8}"/>
+              </a:ext>
+            </a:extLst>
+          </p:cNvPr>
+          <p:cNvSpPr/>
+          <p:nvPr/>
+        </p:nvSpPr>
+        <p:spPr>
+          <a:xfrm>
+            <a:off x="5041765" y="2032021"/>
+            <a:ext cx="464371" cy="163457"/>
+          </a:xfrm>
+          <a:prstGeom prst="roundRect">
+            <a:avLst/>
+          </a:prstGeom>
+          <a:noFill/>
+          <a:ln>
+            <a:solidFill>
+              <a:schemeClr val="tx1"/>
+            </a:solidFill>
+          </a:ln>
+        </p:spPr>
+        <p:style>
+          <a:lnRef idx="2">
+            <a:schemeClr val="accent1">
+              <a:shade val="15000"/>
+            </a:schemeClr>
+          </a:lnRef>
+          <a:fillRef idx="1">
+            <a:schemeClr val="accent1"/>
+          </a:fillRef>
+          <a:effectRef idx="0">
+            <a:schemeClr val="accent1"/>
+          </a:effectRef>
+          <a:fontRef idx="minor">
+            <a:schemeClr val="lt1"/>
+          </a:fontRef>
+        </p:style>
+        <p:txBody>
+          <a:bodyPr rtlCol="0" anchor="ctr"/>
+          <a:lstStyle/>
+          <a:p>
+            <a:pPr algn="ctr"/>
+            <a:r>
+              <a:rPr lang="en-US" sz="1100" dirty="0">
+                <a:solidFill>
+                  <a:schemeClr val="tx1"/>
+                </a:solidFill>
+              </a:rPr>
+              <a:t>2,5</a:t>
+            </a:r>
+          </a:p>
+        </p:txBody>
+      </p:sp>
+      <p:sp>
+        <p:nvSpPr>
+          <p:cNvPr id="45" name="Rectangle 44">
+            <a:extLst>
+              <a:ext uri="{FF2B5EF4-FFF2-40B4-BE49-F238E27FC236}">
+                <a16:creationId xmlns:a16="http://schemas.microsoft.com/office/drawing/2014/main" id="{B00C8DFF-CC79-DF80-6FE0-83A95F800C2F}"/>
+              </a:ext>
+            </a:extLst>
+          </p:cNvPr>
+          <p:cNvSpPr/>
+          <p:nvPr/>
+        </p:nvSpPr>
+        <p:spPr>
+          <a:xfrm>
+            <a:off x="3764410" y="2346104"/>
+            <a:ext cx="1644904" cy="57752"/>
+          </a:xfrm>
+          <a:prstGeom prst="rect">
+            <a:avLst/>
+          </a:prstGeom>
+        </p:spPr>
+        <p:style>
+          <a:lnRef idx="2">
+            <a:schemeClr val="accent1">
+              <a:shade val="15000"/>
+            </a:schemeClr>
+          </a:lnRef>
+          <a:fillRef idx="1">
+            <a:schemeClr val="accent1"/>
+          </a:fillRef>
+          <a:effectRef idx="0">
+            <a:schemeClr val="accent1"/>
+          </a:effectRef>
+          <a:fontRef idx="minor">
+            <a:schemeClr val="lt1"/>
+          </a:fontRef>
+        </p:style>
+        <p:txBody>
+          <a:bodyPr rtlCol="0" anchor="ctr"/>
+          <a:lstStyle/>
+          <a:p>
+            <a:pPr algn="ctr"/>
+            <a:endParaRPr lang="fr-FR"/>
+          </a:p>
+        </p:txBody>
+      </p:sp>
+      <p:sp>
+        <p:nvSpPr>
+          <p:cNvPr id="46" name="Rectangle 45">
+            <a:extLst>
+              <a:ext uri="{FF2B5EF4-FFF2-40B4-BE49-F238E27FC236}">
+                <a16:creationId xmlns:a16="http://schemas.microsoft.com/office/drawing/2014/main" id="{6DC9C218-2AB2-45E6-4C98-4433E539DDAB}"/>
+              </a:ext>
+            </a:extLst>
+          </p:cNvPr>
+          <p:cNvSpPr/>
+          <p:nvPr/>
+        </p:nvSpPr>
+        <p:spPr>
+          <a:xfrm>
+            <a:off x="4477366" y="2282945"/>
+            <a:ext cx="132334" cy="208553"/>
+          </a:xfrm>
+          <a:prstGeom prst="rect">
+            <a:avLst/>
+          </a:prstGeom>
+        </p:spPr>
+        <p:style>
+          <a:lnRef idx="2">
+            <a:schemeClr val="accent1">
+              <a:shade val="15000"/>
+            </a:schemeClr>
+          </a:lnRef>
+          <a:fillRef idx="1">
+            <a:schemeClr val="accent1"/>
+          </a:fillRef>
+          <a:effectRef idx="0">
+            <a:schemeClr val="accent1"/>
+          </a:effectRef>
+          <a:fontRef idx="minor">
+            <a:schemeClr val="lt1"/>
+          </a:fontRef>
+        </p:style>
+        <p:txBody>
+          <a:bodyPr rtlCol="0" anchor="ctr"/>
+          <a:lstStyle/>
+          <a:p>
+            <a:pPr algn="ctr"/>
+            <a:endParaRPr lang="fr-FR"/>
+          </a:p>
+        </p:txBody>
+      </p:sp>
+      <p:sp>
+        <p:nvSpPr>
+          <p:cNvPr id="47" name="ZoneTexte 46">
+            <a:extLst>
+              <a:ext uri="{FF2B5EF4-FFF2-40B4-BE49-F238E27FC236}">
+                <a16:creationId xmlns:a16="http://schemas.microsoft.com/office/drawing/2014/main" id="{3FD39AA0-B24B-91D2-1CA9-5E08119296C0}"/>
+              </a:ext>
+            </a:extLst>
+          </p:cNvPr>
+          <p:cNvSpPr txBox="1"/>
+          <p:nvPr/>
+        </p:nvSpPr>
+        <p:spPr>
+          <a:xfrm>
+            <a:off x="3417744" y="2241889"/>
+            <a:ext cx="260008" cy="261610"/>
+          </a:xfrm>
+          <a:prstGeom prst="rect">
+            <a:avLst/>
+          </a:prstGeom>
+          <a:noFill/>
+        </p:spPr>
+        <p:txBody>
+          <a:bodyPr wrap="none" rtlCol="0">
+            <a:spAutoFit/>
+          </a:bodyPr>
+          <a:lstStyle/>
+          <a:p>
+            <a:r>
+              <a:rPr lang="fr-FR" sz="1100" dirty="0"/>
+              <a:t>0</a:t>
+            </a:r>
+          </a:p>
+        </p:txBody>
+      </p:sp>
+      <p:sp>
+        <p:nvSpPr>
+          <p:cNvPr id="48" name="ZoneTexte 47">
+            <a:extLst>
+              <a:ext uri="{FF2B5EF4-FFF2-40B4-BE49-F238E27FC236}">
+                <a16:creationId xmlns:a16="http://schemas.microsoft.com/office/drawing/2014/main" id="{D413A1D7-3F77-2834-2083-4FC4A1FE0475}"/>
+              </a:ext>
+            </a:extLst>
+          </p:cNvPr>
+          <p:cNvSpPr txBox="1"/>
+          <p:nvPr/>
+        </p:nvSpPr>
+        <p:spPr>
+          <a:xfrm>
+            <a:off x="5409314" y="2241889"/>
+            <a:ext cx="538368" cy="261610"/>
+          </a:xfrm>
+          <a:prstGeom prst="rect">
+            <a:avLst/>
+          </a:prstGeom>
+          <a:noFill/>
+        </p:spPr>
+        <p:txBody>
+          <a:bodyPr wrap="square" rtlCol="0">
+            <a:spAutoFit/>
+          </a:bodyPr>
+          <a:lstStyle/>
+          <a:p>
+            <a:r>
+              <a:rPr lang="fr-FR" sz="1100" dirty="0"/>
+              <a:t>5ms</a:t>
+            </a:r>
+          </a:p>
+        </p:txBody>
+      </p:sp>
+      <p:sp>
+        <p:nvSpPr>
+          <p:cNvPr id="49" name="Rectangle : coins arrondis 48">
+            <a:extLst>
+              <a:ext uri="{FF2B5EF4-FFF2-40B4-BE49-F238E27FC236}">
+                <a16:creationId xmlns:a16="http://schemas.microsoft.com/office/drawing/2014/main" id="{8A1182AF-BE72-7302-A90E-38F506F07113}"/>
+              </a:ext>
+            </a:extLst>
+          </p:cNvPr>
+          <p:cNvSpPr/>
+          <p:nvPr/>
+        </p:nvSpPr>
+        <p:spPr>
+          <a:xfrm>
+            <a:off x="5096404" y="2543129"/>
+            <a:ext cx="464371" cy="163457"/>
+          </a:xfrm>
+          <a:prstGeom prst="roundRect">
+            <a:avLst/>
+          </a:prstGeom>
+          <a:noFill/>
+          <a:ln>
+            <a:solidFill>
+              <a:schemeClr val="tx1"/>
+            </a:solidFill>
+          </a:ln>
+        </p:spPr>
+        <p:style>
+          <a:lnRef idx="2">
+            <a:schemeClr val="accent1">
+              <a:shade val="15000"/>
+            </a:schemeClr>
+          </a:lnRef>
+          <a:fillRef idx="1">
+            <a:schemeClr val="accent1"/>
+          </a:fillRef>
+          <a:effectRef idx="0">
+            <a:schemeClr val="accent1"/>
+          </a:effectRef>
+          <a:fontRef idx="minor">
+            <a:schemeClr val="lt1"/>
+          </a:fontRef>
+        </p:style>
+        <p:txBody>
+          <a:bodyPr rtlCol="0" anchor="ctr"/>
+          <a:lstStyle/>
+          <a:p>
+            <a:pPr algn="ctr"/>
+            <a:r>
+              <a:rPr lang="en-US" sz="1100" dirty="0">
+                <a:solidFill>
+                  <a:schemeClr val="tx1"/>
+                </a:solidFill>
+              </a:rPr>
+              <a:t>10</a:t>
+            </a:r>
+          </a:p>
+        </p:txBody>
+      </p:sp>
+      <p:sp>
+        <p:nvSpPr>
+          <p:cNvPr id="50" name="Rectangle : coins arrondis 49">
+            <a:extLst>
+              <a:ext uri="{FF2B5EF4-FFF2-40B4-BE49-F238E27FC236}">
+                <a16:creationId xmlns:a16="http://schemas.microsoft.com/office/drawing/2014/main" id="{614D66FC-15D8-9C4B-EF2B-2CD631EAD7F1}"/>
+              </a:ext>
+            </a:extLst>
+          </p:cNvPr>
+          <p:cNvSpPr/>
+          <p:nvPr/>
+        </p:nvSpPr>
+        <p:spPr>
+          <a:xfrm>
+            <a:off x="4290061" y="3180606"/>
+            <a:ext cx="1327698" cy="115214"/>
+          </a:xfrm>
+          <a:prstGeom prst="roundRect">
+            <a:avLst/>
+          </a:prstGeom>
+          <a:noFill/>
+          <a:ln>
+            <a:solidFill>
+              <a:schemeClr val="tx1"/>
+            </a:solidFill>
+          </a:ln>
+        </p:spPr>
+        <p:style>
+          <a:lnRef idx="2">
+            <a:schemeClr val="accent1">
+              <a:shade val="15000"/>
+            </a:schemeClr>
+          </a:lnRef>
+          <a:fillRef idx="1">
+            <a:schemeClr val="accent1"/>
+          </a:fillRef>
+          <a:effectRef idx="0">
+            <a:schemeClr val="accent1"/>
+          </a:effectRef>
+          <a:fontRef idx="minor">
+            <a:schemeClr val="lt1"/>
+          </a:fontRef>
+        </p:style>
+        <p:txBody>
+          <a:bodyPr rtlCol="0" anchor="ctr"/>
+          <a:lstStyle/>
+          <a:p>
+            <a:pPr algn="ctr"/>
+            <a:r>
+              <a:rPr lang="en-US" sz="1100" dirty="0">
+                <a:solidFill>
+                  <a:schemeClr val="tx1"/>
+                </a:solidFill>
+              </a:rPr>
+              <a:t>C:/Documents/…</a:t>
+            </a:r>
+          </a:p>
+        </p:txBody>
+      </p:sp>
+      <p:sp>
+        <p:nvSpPr>
+          <p:cNvPr id="51" name="Rectangle : coins arrondis 50">
+            <a:extLst>
+              <a:ext uri="{FF2B5EF4-FFF2-40B4-BE49-F238E27FC236}">
+                <a16:creationId xmlns:a16="http://schemas.microsoft.com/office/drawing/2014/main" id="{8203306C-57D8-4E21-54FB-27AB4D8DEE2E}"/>
+              </a:ext>
+            </a:extLst>
+          </p:cNvPr>
+          <p:cNvSpPr/>
+          <p:nvPr/>
+        </p:nvSpPr>
+        <p:spPr>
+          <a:xfrm>
+            <a:off x="5687610" y="3122579"/>
+            <a:ext cx="171716" cy="231267"/>
+          </a:xfrm>
+          <a:prstGeom prst="roundRect">
+            <a:avLst/>
+          </a:prstGeom>
+          <a:noFill/>
+          <a:ln>
+            <a:solidFill>
+              <a:schemeClr val="tx1"/>
+            </a:solidFill>
+          </a:ln>
+        </p:spPr>
+        <p:style>
+          <a:lnRef idx="2">
+            <a:schemeClr val="accent1">
+              <a:shade val="15000"/>
+            </a:schemeClr>
+          </a:lnRef>
+          <a:fillRef idx="1">
+            <a:schemeClr val="accent1"/>
+          </a:fillRef>
+          <a:effectRef idx="0">
+            <a:schemeClr val="accent1"/>
+          </a:effectRef>
+          <a:fontRef idx="minor">
+            <a:schemeClr val="lt1"/>
+          </a:fontRef>
+        </p:style>
+        <p:txBody>
+          <a:bodyPr rtlCol="0" anchor="ctr"/>
+          <a:lstStyle/>
+          <a:p>
+            <a:pPr algn="ctr"/>
+            <a:r>
+              <a:rPr lang="en-US" sz="1100" dirty="0">
+                <a:solidFill>
+                  <a:schemeClr val="tx1"/>
+                </a:solidFill>
+              </a:rPr>
+              <a:t>v</a:t>
+            </a:r>
+          </a:p>
+        </p:txBody>
+      </p:sp>
+      <p:sp>
+        <p:nvSpPr>
+          <p:cNvPr id="52" name="Rectangle : coins arrondis 51">
+            <a:extLst>
+              <a:ext uri="{FF2B5EF4-FFF2-40B4-BE49-F238E27FC236}">
+                <a16:creationId xmlns:a16="http://schemas.microsoft.com/office/drawing/2014/main" id="{D5766388-4CFC-3EF8-3EA9-51449013B2F2}"/>
+              </a:ext>
+            </a:extLst>
+          </p:cNvPr>
+          <p:cNvSpPr/>
+          <p:nvPr/>
+        </p:nvSpPr>
+        <p:spPr>
+          <a:xfrm>
+            <a:off x="4290061" y="3361625"/>
+            <a:ext cx="1327698" cy="115214"/>
+          </a:xfrm>
+          <a:prstGeom prst="roundRect">
+            <a:avLst/>
+          </a:prstGeom>
+          <a:noFill/>
+          <a:ln>
+            <a:solidFill>
+              <a:schemeClr val="tx1"/>
+            </a:solidFill>
+          </a:ln>
+        </p:spPr>
+        <p:style>
+          <a:lnRef idx="2">
+            <a:schemeClr val="accent1">
+              <a:shade val="15000"/>
+            </a:schemeClr>
+          </a:lnRef>
+          <a:fillRef idx="1">
+            <a:schemeClr val="accent1"/>
+          </a:fillRef>
+          <a:effectRef idx="0">
+            <a:schemeClr val="accent1"/>
+          </a:effectRef>
+          <a:fontRef idx="minor">
+            <a:schemeClr val="lt1"/>
+          </a:fontRef>
+        </p:style>
+        <p:txBody>
+          <a:bodyPr rtlCol="0" anchor="ctr"/>
+          <a:lstStyle/>
+          <a:p>
+            <a:pPr algn="ctr"/>
+            <a:r>
+              <a:rPr lang="en-US" sz="1100" dirty="0" err="1">
+                <a:solidFill>
+                  <a:schemeClr val="tx1"/>
+                </a:solidFill>
+              </a:rPr>
+              <a:t>TP_OCT_Image</a:t>
+            </a:r>
+            <a:r>
+              <a:rPr lang="en-US" sz="1100" dirty="0">
+                <a:solidFill>
+                  <a:schemeClr val="tx1"/>
+                </a:solidFill>
+              </a:rPr>
+              <a:t>…</a:t>
+            </a:r>
+          </a:p>
+        </p:txBody>
+      </p:sp>
+      <p:sp>
+        <p:nvSpPr>
+          <p:cNvPr id="53" name="Rectangle : coins arrondis 52">
+            <a:extLst>
+              <a:ext uri="{FF2B5EF4-FFF2-40B4-BE49-F238E27FC236}">
+                <a16:creationId xmlns:a16="http://schemas.microsoft.com/office/drawing/2014/main" id="{547A4819-3749-5164-2831-72D3D11B31E2}"/>
+              </a:ext>
+            </a:extLst>
+          </p:cNvPr>
+          <p:cNvSpPr/>
+          <p:nvPr/>
+        </p:nvSpPr>
+        <p:spPr>
+          <a:xfrm>
+            <a:off x="4290061" y="3522577"/>
+            <a:ext cx="582450" cy="105472"/>
+          </a:xfrm>
+          <a:prstGeom prst="roundRect">
+            <a:avLst/>
+          </a:prstGeom>
+          <a:noFill/>
+          <a:ln>
+            <a:solidFill>
+              <a:schemeClr val="tx1"/>
+            </a:solidFill>
+          </a:ln>
+        </p:spPr>
+        <p:style>
+          <a:lnRef idx="2">
+            <a:schemeClr val="accent1">
+              <a:shade val="15000"/>
+            </a:schemeClr>
+          </a:lnRef>
+          <a:fillRef idx="1">
+            <a:schemeClr val="accent1"/>
+          </a:fillRef>
+          <a:effectRef idx="0">
+            <a:schemeClr val="accent1"/>
+          </a:effectRef>
+          <a:fontRef idx="minor">
+            <a:schemeClr val="lt1"/>
+          </a:fontRef>
+        </p:style>
+        <p:txBody>
+          <a:bodyPr rtlCol="0" anchor="ctr"/>
+          <a:lstStyle/>
+          <a:p>
+            <a:pPr algn="ctr"/>
+            <a:r>
+              <a:rPr lang="en-US" sz="1100" dirty="0">
+                <a:solidFill>
+                  <a:schemeClr val="tx1"/>
+                </a:solidFill>
+              </a:rPr>
+              <a:t>5</a:t>
+            </a:r>
+          </a:p>
+        </p:txBody>
+      </p:sp>
+      <p:sp>
+        <p:nvSpPr>
+          <p:cNvPr id="54" name="Rectangle : coins arrondis 53">
+            <a:extLst>
+              <a:ext uri="{FF2B5EF4-FFF2-40B4-BE49-F238E27FC236}">
+                <a16:creationId xmlns:a16="http://schemas.microsoft.com/office/drawing/2014/main" id="{0A55A421-2977-0E1E-7E26-20D9398736CF}"/>
+              </a:ext>
+            </a:extLst>
+          </p:cNvPr>
+          <p:cNvSpPr/>
+          <p:nvPr/>
+        </p:nvSpPr>
+        <p:spPr>
+          <a:xfrm>
+            <a:off x="4813156" y="3705887"/>
+            <a:ext cx="582450" cy="105472"/>
+          </a:xfrm>
+          <a:prstGeom prst="roundRect">
+            <a:avLst/>
+          </a:prstGeom>
+          <a:noFill/>
+          <a:ln>
+            <a:solidFill>
+              <a:schemeClr val="tx1"/>
+            </a:solidFill>
+          </a:ln>
+        </p:spPr>
+        <p:style>
+          <a:lnRef idx="2">
+            <a:schemeClr val="accent1">
+              <a:shade val="15000"/>
+            </a:schemeClr>
+          </a:lnRef>
+          <a:fillRef idx="1">
+            <a:schemeClr val="accent1"/>
+          </a:fillRef>
+          <a:effectRef idx="0">
+            <a:schemeClr val="accent1"/>
+          </a:effectRef>
+          <a:fontRef idx="minor">
+            <a:schemeClr val="lt1"/>
+          </a:fontRef>
+        </p:style>
+        <p:txBody>
+          <a:bodyPr rtlCol="0" anchor="ctr"/>
+          <a:lstStyle/>
+          <a:p>
+            <a:pPr algn="ctr"/>
+            <a:r>
+              <a:rPr lang="en-US" sz="1100" dirty="0">
+                <a:solidFill>
+                  <a:schemeClr val="tx1"/>
+                </a:solidFill>
+              </a:rPr>
+              <a:t>5</a:t>
+            </a:r>
+          </a:p>
+        </p:txBody>
+      </p:sp>
+      <p:sp>
+        <p:nvSpPr>
+          <p:cNvPr id="55" name="Rectangle : coins arrondis 54">
+            <a:extLst>
+              <a:ext uri="{FF2B5EF4-FFF2-40B4-BE49-F238E27FC236}">
+                <a16:creationId xmlns:a16="http://schemas.microsoft.com/office/drawing/2014/main" id="{660C27D5-909D-007C-91C5-11DA19C4DAA8}"/>
+              </a:ext>
+            </a:extLst>
+          </p:cNvPr>
+          <p:cNvSpPr/>
+          <p:nvPr/>
+        </p:nvSpPr>
+        <p:spPr>
+          <a:xfrm>
+            <a:off x="3526502" y="4033110"/>
+            <a:ext cx="855451" cy="400109"/>
+          </a:xfrm>
+          <a:prstGeom prst="roundRect">
+            <a:avLst/>
+          </a:prstGeom>
+          <a:solidFill>
+            <a:srgbClr val="FF0000"/>
+          </a:solidFill>
+          <a:ln>
+            <a:solidFill>
+              <a:schemeClr val="tx1"/>
+            </a:solidFill>
+          </a:ln>
+        </p:spPr>
+        <p:style>
+          <a:lnRef idx="2">
+            <a:schemeClr val="accent1">
+              <a:shade val="15000"/>
+            </a:schemeClr>
+          </a:lnRef>
+          <a:fillRef idx="1">
+            <a:schemeClr val="accent1"/>
+          </a:fillRef>
+          <a:effectRef idx="0">
+            <a:schemeClr val="accent1"/>
+          </a:effectRef>
+          <a:fontRef idx="minor">
+            <a:schemeClr val="lt1"/>
+          </a:fontRef>
+        </p:style>
+        <p:txBody>
+          <a:bodyPr rtlCol="0" anchor="ctr"/>
+          <a:lstStyle/>
+          <a:p>
+            <a:pPr algn="ctr"/>
+            <a:r>
+              <a:rPr lang="en-US" dirty="0"/>
+              <a:t>Start</a:t>
+            </a:r>
+          </a:p>
+        </p:txBody>
+      </p:sp>
+      <p:sp>
+        <p:nvSpPr>
+          <p:cNvPr id="56" name="Rectangle : coins arrondis 55">
+            <a:extLst>
+              <a:ext uri="{FF2B5EF4-FFF2-40B4-BE49-F238E27FC236}">
+                <a16:creationId xmlns:a16="http://schemas.microsoft.com/office/drawing/2014/main" id="{C913AE89-1F18-8BD6-4FE5-854854454B3D}"/>
+              </a:ext>
+            </a:extLst>
+          </p:cNvPr>
+          <p:cNvSpPr/>
+          <p:nvPr/>
+        </p:nvSpPr>
+        <p:spPr>
+          <a:xfrm>
+            <a:off x="4805659" y="4036096"/>
+            <a:ext cx="855451" cy="400109"/>
+          </a:xfrm>
+          <a:prstGeom prst="roundRect">
+            <a:avLst/>
+          </a:prstGeom>
+          <a:solidFill>
+            <a:srgbClr val="FF0000"/>
+          </a:solidFill>
+          <a:ln>
+            <a:solidFill>
+              <a:schemeClr val="tx1"/>
+            </a:solidFill>
+          </a:ln>
+        </p:spPr>
+        <p:style>
+          <a:lnRef idx="2">
+            <a:schemeClr val="accent1">
+              <a:shade val="15000"/>
+            </a:schemeClr>
+          </a:lnRef>
+          <a:fillRef idx="1">
+            <a:schemeClr val="accent1"/>
+          </a:fillRef>
+          <a:effectRef idx="0">
+            <a:schemeClr val="accent1"/>
+          </a:effectRef>
+          <a:fontRef idx="minor">
+            <a:schemeClr val="lt1"/>
+          </a:fontRef>
+        </p:style>
+        <p:txBody>
+          <a:bodyPr rtlCol="0" anchor="ctr"/>
+          <a:lstStyle/>
+          <a:p>
+            <a:pPr algn="ctr"/>
+            <a:r>
+              <a:rPr lang="en-US" dirty="0"/>
+              <a:t>Stop</a:t>
+            </a:r>
+          </a:p>
+        </p:txBody>
+      </p:sp>
+      <p:cxnSp>
+        <p:nvCxnSpPr>
+          <p:cNvPr id="3" name="Connecteur droit 2">
+            <a:extLst>
+              <a:ext uri="{FF2B5EF4-FFF2-40B4-BE49-F238E27FC236}">
+                <a16:creationId xmlns:a16="http://schemas.microsoft.com/office/drawing/2014/main" id="{1BAFE31F-A863-C990-B62A-264A2DC883E6}"/>
+              </a:ext>
+            </a:extLst>
+          </p:cNvPr>
+          <p:cNvCxnSpPr>
+            <a:cxnSpLocks/>
+          </p:cNvCxnSpPr>
+          <p:nvPr/>
+        </p:nvCxnSpPr>
+        <p:spPr>
+          <a:xfrm>
+            <a:off x="2404872" y="364276"/>
+            <a:ext cx="0" cy="6191972"/>
+          </a:xfrm>
+          <a:prstGeom prst="line">
+            <a:avLst/>
+          </a:prstGeom>
+        </p:spPr>
+        <p:style>
+          <a:lnRef idx="2">
+            <a:schemeClr val="accent2"/>
+          </a:lnRef>
+          <a:fillRef idx="0">
+            <a:schemeClr val="accent2"/>
+          </a:fillRef>
+          <a:effectRef idx="1">
+            <a:schemeClr val="accent2"/>
+          </a:effectRef>
+          <a:fontRef idx="minor">
+            <a:schemeClr val="tx1"/>
+          </a:fontRef>
+        </p:style>
+      </p:cxnSp>
+    </p:spTree>
+    <p:extLst>
+      <p:ext uri="{BB962C8B-B14F-4D97-AF65-F5344CB8AC3E}">
+        <p14:creationId xmlns:p14="http://schemas.microsoft.com/office/powerpoint/2010/main" val="2185432755"/>
+      </p:ext>
+    </p:extLst>
+  </p:cSld>
+  <p:clrMapOvr>
+    <a:masterClrMapping/>
+  </p:clrMapOvr>
+</p:sld>
+</file>
+
+<file path=ppt/slides/slide3.xml><?xml version="1.0" encoding="utf-8"?>
 <p:sld xmlns:a="http://schemas.openxmlformats.org/drawingml/2006/main" xmlns:r="http://schemas.openxmlformats.org/officeDocument/2006/relationships" xmlns:p="http://schemas.openxmlformats.org/presentationml/2006/main">
   <p:cSld>
     <p:spTree>
@@ -5578,12 +6100,315 @@
           <a:chExt cx="0" cy="0"/>
         </a:xfrm>
       </p:grpSpPr>
-      <p:sp>
-        <p:nvSpPr>
-          <p:cNvPr id="57" name="Rectangle 56">
-            <a:extLst>
-              <a:ext uri="{FF2B5EF4-FFF2-40B4-BE49-F238E27FC236}">
-                <a16:creationId xmlns:a16="http://schemas.microsoft.com/office/drawing/2014/main" id="{53F081D2-C9D0-CBC3-89A4-DE460A3D7C1D}"/>
+      <p:pic>
+        <p:nvPicPr>
+          <p:cNvPr id="6" name="Image 5" descr="Une image contenant texte, Police, capture d’écran, logo&#10;&#10;Le contenu généré par l’IA peut être incorrect.">
+            <a:extLst>
+              <a:ext uri="{FF2B5EF4-FFF2-40B4-BE49-F238E27FC236}">
+                <a16:creationId xmlns:a16="http://schemas.microsoft.com/office/drawing/2014/main" id="{BBC22FEF-13A7-26C7-61B4-CD3AE316C825}"/>
+              </a:ext>
+            </a:extLst>
+          </p:cNvPr>
+          <p:cNvPicPr>
+            <a:picLocks noChangeAspect="1"/>
+          </p:cNvPicPr>
+          <p:nvPr/>
+        </p:nvPicPr>
+        <p:blipFill>
+          <a:blip r:embed="rId2">
+            <a:extLst>
+              <a:ext uri="{28A0092B-C50C-407E-A947-70E740481C1C}">
+                <a14:useLocalDpi xmlns:a14="http://schemas.microsoft.com/office/drawing/2010/main" val="0"/>
+              </a:ext>
+            </a:extLst>
+          </a:blip>
+          <a:stretch>
+            <a:fillRect/>
+          </a:stretch>
+        </p:blipFill>
+        <p:spPr>
+          <a:xfrm>
+            <a:off x="255938" y="114266"/>
+            <a:ext cx="1814160" cy="745236"/>
+          </a:xfrm>
+          <a:prstGeom prst="rect">
+            <a:avLst/>
+          </a:prstGeom>
+        </p:spPr>
+      </p:pic>
+      <p:sp>
+        <p:nvSpPr>
+          <p:cNvPr id="7" name="ZoneTexte 6">
+            <a:extLst>
+              <a:ext uri="{FF2B5EF4-FFF2-40B4-BE49-F238E27FC236}">
+                <a16:creationId xmlns:a16="http://schemas.microsoft.com/office/drawing/2014/main" id="{D4A2EE43-F86F-7FD9-B76B-90211D89E4A9}"/>
+              </a:ext>
+            </a:extLst>
+          </p:cNvPr>
+          <p:cNvSpPr txBox="1"/>
+          <p:nvPr/>
+        </p:nvSpPr>
+        <p:spPr>
+          <a:xfrm>
+            <a:off x="125650" y="859502"/>
+            <a:ext cx="2074735" cy="307777"/>
+          </a:xfrm>
+          <a:prstGeom prst="rect">
+            <a:avLst/>
+          </a:prstGeom>
+          <a:noFill/>
+        </p:spPr>
+        <p:txBody>
+          <a:bodyPr wrap="none" rtlCol="0">
+            <a:spAutoFit/>
+          </a:bodyPr>
+          <a:lstStyle/>
+          <a:p>
+            <a:r>
+              <a:rPr lang="fr-FR" sz="1400" b="1" dirty="0"/>
+              <a:t>Nouvelle Interface OCT</a:t>
+            </a:r>
+          </a:p>
+        </p:txBody>
+      </p:sp>
+      <p:sp>
+        <p:nvSpPr>
+          <p:cNvPr id="8" name="ZoneTexte 7">
+            <a:extLst>
+              <a:ext uri="{FF2B5EF4-FFF2-40B4-BE49-F238E27FC236}">
+                <a16:creationId xmlns:a16="http://schemas.microsoft.com/office/drawing/2014/main" id="{38DDC3C7-1A4F-212A-C85C-30F482932D7D}"/>
+              </a:ext>
+            </a:extLst>
+          </p:cNvPr>
+          <p:cNvSpPr txBox="1"/>
+          <p:nvPr/>
+        </p:nvSpPr>
+        <p:spPr>
+          <a:xfrm>
+            <a:off x="257473" y="1167279"/>
+            <a:ext cx="1387431" cy="738664"/>
+          </a:xfrm>
+          <a:prstGeom prst="rect">
+            <a:avLst/>
+          </a:prstGeom>
+          <a:noFill/>
+        </p:spPr>
+        <p:txBody>
+          <a:bodyPr wrap="none" rtlCol="0">
+            <a:spAutoFit/>
+          </a:bodyPr>
+          <a:lstStyle/>
+          <a:p>
+            <a:r>
+              <a:rPr lang="fr-FR" sz="1200" i="1" dirty="0"/>
+              <a:t>PyQt6 et </a:t>
+            </a:r>
+            <a:r>
+              <a:rPr lang="fr-FR" sz="1200" i="1" dirty="0" err="1"/>
+              <a:t>PyLabLib</a:t>
+            </a:r>
+            <a:endParaRPr lang="fr-FR" sz="1200" i="1" dirty="0"/>
+          </a:p>
+          <a:p>
+            <a:endParaRPr lang="fr-FR" sz="1200" i="1" dirty="0"/>
+          </a:p>
+          <a:p>
+            <a:r>
+              <a:rPr lang="fr-FR" b="1" i="1" dirty="0"/>
+              <a:t>MVC </a:t>
+            </a:r>
+          </a:p>
+        </p:txBody>
+      </p:sp>
+      <p:sp>
+        <p:nvSpPr>
+          <p:cNvPr id="4" name="ZoneTexte 3">
+            <a:extLst>
+              <a:ext uri="{FF2B5EF4-FFF2-40B4-BE49-F238E27FC236}">
+                <a16:creationId xmlns:a16="http://schemas.microsoft.com/office/drawing/2014/main" id="{FCBD782F-ED1B-9793-D95D-EE841AD0EAD0}"/>
+              </a:ext>
+            </a:extLst>
+          </p:cNvPr>
+          <p:cNvSpPr txBox="1"/>
+          <p:nvPr/>
+        </p:nvSpPr>
+        <p:spPr>
+          <a:xfrm>
+            <a:off x="2848325" y="3172031"/>
+            <a:ext cx="1312926" cy="369332"/>
+          </a:xfrm>
+          <a:prstGeom prst="rect">
+            <a:avLst/>
+          </a:prstGeom>
+          <a:noFill/>
+        </p:spPr>
+        <p:txBody>
+          <a:bodyPr wrap="square">
+            <a:spAutoFit/>
+          </a:bodyPr>
+          <a:lstStyle/>
+          <a:p>
+            <a:r>
+              <a:rPr lang="fr-FR" b="1" i="1" dirty="0">
+                <a:solidFill>
+                  <a:srgbClr val="002060"/>
+                </a:solidFill>
+                <a:highlight>
+                  <a:srgbClr val="C0C0C0"/>
+                </a:highlight>
+              </a:rPr>
+              <a:t>V</a:t>
+            </a:r>
+            <a:r>
+              <a:rPr lang="fr-FR" sz="1200" i="1" dirty="0">
+                <a:solidFill>
+                  <a:srgbClr val="002060"/>
+                </a:solidFill>
+                <a:highlight>
+                  <a:srgbClr val="C0C0C0"/>
+                </a:highlight>
+              </a:rPr>
+              <a:t>IEWS</a:t>
+            </a:r>
+            <a:endParaRPr lang="fr-FR" sz="1800" i="1" dirty="0">
+              <a:solidFill>
+                <a:srgbClr val="002060"/>
+              </a:solidFill>
+              <a:highlight>
+                <a:srgbClr val="C0C0C0"/>
+              </a:highlight>
+            </a:endParaRPr>
+          </a:p>
+        </p:txBody>
+      </p:sp>
+      <p:sp>
+        <p:nvSpPr>
+          <p:cNvPr id="9" name="ZoneTexte 8">
+            <a:extLst>
+              <a:ext uri="{FF2B5EF4-FFF2-40B4-BE49-F238E27FC236}">
+                <a16:creationId xmlns:a16="http://schemas.microsoft.com/office/drawing/2014/main" id="{D6440CF9-F9A1-44D1-5F0B-AD74C7F612F2}"/>
+              </a:ext>
+            </a:extLst>
+          </p:cNvPr>
+          <p:cNvSpPr txBox="1"/>
+          <p:nvPr/>
+        </p:nvSpPr>
+        <p:spPr>
+          <a:xfrm>
+            <a:off x="2848325" y="938392"/>
+            <a:ext cx="1312926" cy="369332"/>
+          </a:xfrm>
+          <a:prstGeom prst="rect">
+            <a:avLst/>
+          </a:prstGeom>
+          <a:noFill/>
+        </p:spPr>
+        <p:txBody>
+          <a:bodyPr wrap="square">
+            <a:spAutoFit/>
+          </a:bodyPr>
+          <a:lstStyle/>
+          <a:p>
+            <a:r>
+              <a:rPr lang="fr-FR" b="1" i="1" dirty="0">
+                <a:solidFill>
+                  <a:srgbClr val="002060"/>
+                </a:solidFill>
+                <a:highlight>
+                  <a:srgbClr val="C0C0C0"/>
+                </a:highlight>
+              </a:rPr>
+              <a:t>M</a:t>
+            </a:r>
+            <a:r>
+              <a:rPr lang="fr-FR" sz="1200" i="1" dirty="0">
+                <a:solidFill>
+                  <a:srgbClr val="002060"/>
+                </a:solidFill>
+                <a:highlight>
+                  <a:srgbClr val="C0C0C0"/>
+                </a:highlight>
+              </a:rPr>
+              <a:t>ODELS</a:t>
+            </a:r>
+            <a:endParaRPr lang="fr-FR" sz="1800" i="1" dirty="0">
+              <a:solidFill>
+                <a:srgbClr val="002060"/>
+              </a:solidFill>
+              <a:highlight>
+                <a:srgbClr val="C0C0C0"/>
+              </a:highlight>
+            </a:endParaRPr>
+          </a:p>
+        </p:txBody>
+      </p:sp>
+      <p:sp>
+        <p:nvSpPr>
+          <p:cNvPr id="10" name="ZoneTexte 9">
+            <a:extLst>
+              <a:ext uri="{FF2B5EF4-FFF2-40B4-BE49-F238E27FC236}">
+                <a16:creationId xmlns:a16="http://schemas.microsoft.com/office/drawing/2014/main" id="{E140D0CB-45F6-C103-A26A-EDDC916BEB43}"/>
+              </a:ext>
+            </a:extLst>
+          </p:cNvPr>
+          <p:cNvSpPr txBox="1"/>
+          <p:nvPr/>
+        </p:nvSpPr>
+        <p:spPr>
+          <a:xfrm>
+            <a:off x="2848325" y="4108838"/>
+            <a:ext cx="1312926" cy="369332"/>
+          </a:xfrm>
+          <a:prstGeom prst="rect">
+            <a:avLst/>
+          </a:prstGeom>
+          <a:noFill/>
+        </p:spPr>
+        <p:txBody>
+          <a:bodyPr wrap="square">
+            <a:spAutoFit/>
+          </a:bodyPr>
+          <a:lstStyle/>
+          <a:p>
+            <a:r>
+              <a:rPr lang="fr-FR" b="1" i="1" dirty="0">
+                <a:solidFill>
+                  <a:srgbClr val="002060"/>
+                </a:solidFill>
+                <a:highlight>
+                  <a:srgbClr val="C0C0C0"/>
+                </a:highlight>
+              </a:rPr>
+              <a:t>C</a:t>
+            </a:r>
+            <a:r>
+              <a:rPr lang="fr-FR" sz="1200" i="1" dirty="0">
+                <a:solidFill>
+                  <a:srgbClr val="002060"/>
+                </a:solidFill>
+                <a:highlight>
+                  <a:srgbClr val="C0C0C0"/>
+                </a:highlight>
+              </a:rPr>
+              <a:t>ONTROLLERS</a:t>
+            </a:r>
+            <a:endParaRPr lang="fr-FR" sz="1800" i="1" dirty="0">
+              <a:solidFill>
+                <a:srgbClr val="002060"/>
+              </a:solidFill>
+              <a:highlight>
+                <a:srgbClr val="C0C0C0"/>
+              </a:highlight>
+            </a:endParaRPr>
+          </a:p>
+        </p:txBody>
+      </p:sp>
+      <p:sp>
+        <p:nvSpPr>
+          <p:cNvPr id="12" name="Rectangle : coins arrondis 11">
+            <a:extLst>
+              <a:ext uri="{FF2B5EF4-FFF2-40B4-BE49-F238E27FC236}">
+                <a16:creationId xmlns:a16="http://schemas.microsoft.com/office/drawing/2014/main" id="{3B1AC816-B270-C3F1-8081-EAAAD99C887A}"/>
               </a:ext>
             </a:extLst>
           </p:cNvPr>
@@ -5592,17 +6417,12 @@
         </p:nvSpPr>
         <p:spPr>
           <a:xfrm>
-            <a:off x="3103570" y="1625329"/>
-            <a:ext cx="2880000" cy="1192245"/>
-          </a:xfrm>
-          <a:prstGeom prst="rect">
-            <a:avLst/>
-          </a:prstGeom>
-          <a:solidFill>
-            <a:schemeClr val="bg2">
-              <a:lumMod val="90000"/>
-            </a:schemeClr>
-          </a:solidFill>
+            <a:off x="3496265" y="1748481"/>
+            <a:ext cx="1890584" cy="280003"/>
+          </a:xfrm>
+          <a:prstGeom prst="roundRect">
+            <a:avLst/>
+          </a:prstGeom>
         </p:spPr>
         <p:style>
           <a:lnRef idx="2">
@@ -5626,171 +6446,18 @@
           <a:p>
             <a:pPr algn="ctr"/>
             <a:r>
-              <a:rPr lang="en-US" b="1" dirty="0" err="1">
-                <a:solidFill>
-                  <a:schemeClr val="tx1"/>
-                </a:solidFill>
-              </a:rPr>
-              <a:t>CameraParamsWidget</a:t>
-            </a:r>
-            <a:endParaRPr lang="en-US" b="1" dirty="0">
-              <a:solidFill>
-                <a:schemeClr val="tx1"/>
-              </a:solidFill>
-            </a:endParaRPr>
-          </a:p>
-          <a:p>
-            <a:pPr algn="ctr"/>
-            <a:r>
-              <a:rPr lang="en-US" sz="1200" i="1" dirty="0">
-                <a:solidFill>
-                  <a:schemeClr val="tx1"/>
-                </a:solidFill>
-              </a:rPr>
-              <a:t>widgets/</a:t>
-            </a:r>
-            <a:r>
-              <a:rPr lang="en-US" sz="1200" i="1" dirty="0" err="1">
-                <a:solidFill>
-                  <a:schemeClr val="tx1"/>
-                </a:solidFill>
-              </a:rPr>
-              <a:t>main_widget</a:t>
-            </a:r>
-            <a:endParaRPr lang="en-US" sz="1200" b="1" dirty="0">
-              <a:solidFill>
-                <a:schemeClr val="tx1"/>
-              </a:solidFill>
-            </a:endParaRPr>
-          </a:p>
-        </p:txBody>
-      </p:sp>
-      <p:pic>
-        <p:nvPicPr>
-          <p:cNvPr id="6" name="Image 5" descr="Une image contenant texte, Police, capture d’écran, logo&#10;&#10;Le contenu généré par l’IA peut être incorrect.">
-            <a:extLst>
-              <a:ext uri="{FF2B5EF4-FFF2-40B4-BE49-F238E27FC236}">
-                <a16:creationId xmlns:a16="http://schemas.microsoft.com/office/drawing/2014/main" id="{BBC22FEF-13A7-26C7-61B4-CD3AE316C825}"/>
-              </a:ext>
-            </a:extLst>
-          </p:cNvPr>
-          <p:cNvPicPr>
-            <a:picLocks noChangeAspect="1"/>
-          </p:cNvPicPr>
-          <p:nvPr/>
-        </p:nvPicPr>
-        <p:blipFill>
-          <a:blip r:embed="rId2">
-            <a:extLst>
-              <a:ext uri="{28A0092B-C50C-407E-A947-70E740481C1C}">
-                <a14:useLocalDpi xmlns:a14="http://schemas.microsoft.com/office/drawing/2010/main" val="0"/>
-              </a:ext>
-            </a:extLst>
-          </a:blip>
-          <a:stretch>
-            <a:fillRect/>
-          </a:stretch>
-        </p:blipFill>
-        <p:spPr>
-          <a:xfrm>
-            <a:off x="255938" y="114266"/>
-            <a:ext cx="1814160" cy="745236"/>
-          </a:xfrm>
-          <a:prstGeom prst="rect">
-            <a:avLst/>
-          </a:prstGeom>
-        </p:spPr>
-      </p:pic>
-      <p:sp>
-        <p:nvSpPr>
-          <p:cNvPr id="7" name="ZoneTexte 6">
-            <a:extLst>
-              <a:ext uri="{FF2B5EF4-FFF2-40B4-BE49-F238E27FC236}">
-                <a16:creationId xmlns:a16="http://schemas.microsoft.com/office/drawing/2014/main" id="{D4A2EE43-F86F-7FD9-B76B-90211D89E4A9}"/>
-              </a:ext>
-            </a:extLst>
-          </p:cNvPr>
-          <p:cNvSpPr txBox="1"/>
-          <p:nvPr/>
-        </p:nvSpPr>
-        <p:spPr>
-          <a:xfrm>
-            <a:off x="125650" y="859502"/>
-            <a:ext cx="2074735" cy="307777"/>
-          </a:xfrm>
-          <a:prstGeom prst="rect">
-            <a:avLst/>
-          </a:prstGeom>
-          <a:noFill/>
-        </p:spPr>
-        <p:txBody>
-          <a:bodyPr wrap="none" rtlCol="0">
-            <a:spAutoFit/>
-          </a:bodyPr>
-          <a:lstStyle/>
-          <a:p>
-            <a:r>
-              <a:rPr lang="fr-FR" sz="1400" b="1" dirty="0"/>
-              <a:t>Nouvelle Interface OCT</a:t>
-            </a:r>
-          </a:p>
-        </p:txBody>
-      </p:sp>
-      <p:sp>
-        <p:nvSpPr>
-          <p:cNvPr id="8" name="ZoneTexte 7">
-            <a:extLst>
-              <a:ext uri="{FF2B5EF4-FFF2-40B4-BE49-F238E27FC236}">
-                <a16:creationId xmlns:a16="http://schemas.microsoft.com/office/drawing/2014/main" id="{38DDC3C7-1A4F-212A-C85C-30F482932D7D}"/>
-              </a:ext>
-            </a:extLst>
-          </p:cNvPr>
-          <p:cNvSpPr txBox="1"/>
-          <p:nvPr/>
-        </p:nvSpPr>
-        <p:spPr>
-          <a:xfrm>
-            <a:off x="257473" y="1167279"/>
-            <a:ext cx="1387431" cy="646331"/>
-          </a:xfrm>
-          <a:prstGeom prst="rect">
-            <a:avLst/>
-          </a:prstGeom>
-          <a:noFill/>
-        </p:spPr>
-        <p:txBody>
-          <a:bodyPr wrap="none" rtlCol="0">
-            <a:spAutoFit/>
-          </a:bodyPr>
-          <a:lstStyle/>
-          <a:p>
-            <a:r>
-              <a:rPr lang="fr-FR" sz="1200" i="1" dirty="0"/>
-              <a:t>PyQt6 et </a:t>
-            </a:r>
-            <a:r>
-              <a:rPr lang="fr-FR" sz="1200" i="1" dirty="0" err="1"/>
-              <a:t>PyLabLib</a:t>
-            </a:r>
-            <a:endParaRPr lang="fr-FR" sz="1200" i="1" dirty="0"/>
-          </a:p>
-          <a:p>
-            <a:endParaRPr lang="fr-FR" sz="1200" i="1" dirty="0"/>
-          </a:p>
-          <a:p>
-            <a:r>
-              <a:rPr lang="fr-FR" sz="1200" i="1" dirty="0"/>
-              <a:t>CLASSES</a:t>
-            </a:r>
-          </a:p>
-        </p:txBody>
-      </p:sp>
-      <p:sp>
-        <p:nvSpPr>
-          <p:cNvPr id="11" name="Rectangle 10">
-            <a:extLst>
-              <a:ext uri="{FF2B5EF4-FFF2-40B4-BE49-F238E27FC236}">
-                <a16:creationId xmlns:a16="http://schemas.microsoft.com/office/drawing/2014/main" id="{CF44BB4E-DE2F-4D2C-FBE7-0DB4642C59F4}"/>
+              <a:rPr lang="fr-FR" sz="1600" dirty="0"/>
+              <a:t>acquisition</a:t>
+            </a:r>
+          </a:p>
+        </p:txBody>
+      </p:sp>
+      <p:sp>
+        <p:nvSpPr>
+          <p:cNvPr id="13" name="Rectangle : coins arrondis 12">
+            <a:extLst>
+              <a:ext uri="{FF2B5EF4-FFF2-40B4-BE49-F238E27FC236}">
+                <a16:creationId xmlns:a16="http://schemas.microsoft.com/office/drawing/2014/main" id="{030390CE-0CE0-6FC1-A53E-C6418963DFAD}"/>
               </a:ext>
             </a:extLst>
           </p:cNvPr>
@@ -5799,15 +6466,12 @@
         </p:nvSpPr>
         <p:spPr>
           <a:xfrm>
-            <a:off x="5983570" y="2813390"/>
-            <a:ext cx="5760000" cy="3600000"/>
-          </a:xfrm>
-          <a:prstGeom prst="rect">
-            <a:avLst/>
-          </a:prstGeom>
-          <a:solidFill>
-            <a:srgbClr val="00B0F0"/>
-          </a:solidFill>
+            <a:off x="3496265" y="2143253"/>
+            <a:ext cx="1890584" cy="280003"/>
+          </a:xfrm>
+          <a:prstGeom prst="roundRect">
+            <a:avLst/>
+          </a:prstGeom>
         </p:spPr>
         <p:style>
           <a:lnRef idx="2">
@@ -5830,16 +6494,20 @@
           <a:lstStyle/>
           <a:p>
             <a:pPr algn="ctr"/>
-            <a:endParaRPr lang="en-US" dirty="0"/>
-          </a:p>
-        </p:txBody>
-      </p:sp>
-      <p:sp>
-        <p:nvSpPr>
-          <p:cNvPr id="14" name="Rectangle 13">
-            <a:extLst>
-              <a:ext uri="{FF2B5EF4-FFF2-40B4-BE49-F238E27FC236}">
-                <a16:creationId xmlns:a16="http://schemas.microsoft.com/office/drawing/2014/main" id="{6B72A368-CFF7-170B-3F9B-90884D627A0C}"/>
+            <a:r>
+              <a:rPr lang="fr-FR" sz="1600" dirty="0" err="1"/>
+              <a:t>dataset</a:t>
+            </a:r>
+            <a:endParaRPr lang="fr-FR" sz="1600" dirty="0"/>
+          </a:p>
+        </p:txBody>
+      </p:sp>
+      <p:sp>
+        <p:nvSpPr>
+          <p:cNvPr id="15" name="Rectangle : coins arrondis 14">
+            <a:extLst>
+              <a:ext uri="{FF2B5EF4-FFF2-40B4-BE49-F238E27FC236}">
+                <a16:creationId xmlns:a16="http://schemas.microsoft.com/office/drawing/2014/main" id="{8071B082-74D8-E1BF-41FD-59712DBAB5CA}"/>
               </a:ext>
             </a:extLst>
           </p:cNvPr>
@@ -5848,17 +6516,12 @@
         </p:nvSpPr>
         <p:spPr>
           <a:xfrm>
-            <a:off x="3103570" y="1013390"/>
-            <a:ext cx="2880000" cy="611940"/>
-          </a:xfrm>
-          <a:prstGeom prst="rect">
-            <a:avLst/>
-          </a:prstGeom>
-          <a:solidFill>
-            <a:schemeClr val="bg2">
-              <a:lumMod val="90000"/>
-            </a:schemeClr>
-          </a:solidFill>
+            <a:off x="3496265" y="2538025"/>
+            <a:ext cx="1890584" cy="280003"/>
+          </a:xfrm>
+          <a:prstGeom prst="roundRect">
+            <a:avLst/>
+          </a:prstGeom>
         </p:spPr>
         <p:style>
           <a:lnRef idx="2">
@@ -5882,51 +6545,99 @@
           <a:p>
             <a:pPr algn="ctr"/>
             <a:r>
-              <a:rPr lang="en-US" b="1" dirty="0" err="1">
-                <a:solidFill>
-                  <a:schemeClr val="tx1"/>
-                </a:solidFill>
-              </a:rPr>
-              <a:t>TitleWidget</a:t>
-            </a:r>
-            <a:endParaRPr lang="en-US" b="1" dirty="0">
-              <a:solidFill>
-                <a:schemeClr val="tx1"/>
-              </a:solidFill>
-            </a:endParaRPr>
-          </a:p>
-          <a:p>
-            <a:pPr algn="ctr"/>
-            <a:r>
-              <a:rPr lang="en-US" sz="1200" i="1" dirty="0">
-                <a:solidFill>
-                  <a:schemeClr val="tx1"/>
-                </a:solidFill>
-              </a:rPr>
-              <a:t>widgets/</a:t>
-            </a:r>
-            <a:r>
-              <a:rPr lang="en-US" sz="1200" i="1" dirty="0" err="1">
-                <a:solidFill>
-                  <a:schemeClr val="tx1"/>
-                </a:solidFill>
-              </a:rPr>
-              <a:t>main_widget</a:t>
-            </a:r>
-            <a:endParaRPr lang="en-US" sz="1200" i="1" dirty="0">
-              <a:solidFill>
-                <a:schemeClr val="tx1"/>
-              </a:solidFill>
-            </a:endParaRPr>
-          </a:p>
-        </p:txBody>
-      </p:sp>
-      <p:sp>
-        <p:nvSpPr>
-          <p:cNvPr id="17" name="Rectangle 16">
-            <a:extLst>
-              <a:ext uri="{FF2B5EF4-FFF2-40B4-BE49-F238E27FC236}">
-                <a16:creationId xmlns:a16="http://schemas.microsoft.com/office/drawing/2014/main" id="{63A2BBDD-36AF-8B9D-668A-121541CE1403}"/>
+              <a:rPr lang="fr-FR" sz="1600" dirty="0" err="1"/>
+              <a:t>pre_process</a:t>
+            </a:r>
+            <a:endParaRPr lang="fr-FR" sz="1600" dirty="0"/>
+          </a:p>
+        </p:txBody>
+      </p:sp>
+      <p:sp>
+        <p:nvSpPr>
+          <p:cNvPr id="21" name="ZoneTexte 20">
+            <a:extLst>
+              <a:ext uri="{FF2B5EF4-FFF2-40B4-BE49-F238E27FC236}">
+                <a16:creationId xmlns:a16="http://schemas.microsoft.com/office/drawing/2014/main" id="{9F6EAAE4-E195-FDEA-DC2D-C986C6D5DB24}"/>
+              </a:ext>
+            </a:extLst>
+          </p:cNvPr>
+          <p:cNvSpPr txBox="1"/>
+          <p:nvPr/>
+        </p:nvSpPr>
+        <p:spPr>
+          <a:xfrm>
+            <a:off x="3129534" y="3545962"/>
+            <a:ext cx="3966210" cy="276999"/>
+          </a:xfrm>
+          <a:prstGeom prst="rect">
+            <a:avLst/>
+          </a:prstGeom>
+          <a:noFill/>
+        </p:spPr>
+        <p:txBody>
+          <a:bodyPr wrap="square">
+            <a:spAutoFit/>
+          </a:bodyPr>
+          <a:lstStyle/>
+          <a:p>
+            <a:r>
+              <a:rPr lang="fr-FR" sz="1200" i="1" dirty="0"/>
+              <a:t>Voir page suivante</a:t>
+            </a:r>
+            <a:endParaRPr lang="fr-FR" sz="1200" dirty="0"/>
+          </a:p>
+        </p:txBody>
+      </p:sp>
+      <p:sp>
+        <p:nvSpPr>
+          <p:cNvPr id="22" name="ZoneTexte 21">
+            <a:extLst>
+              <a:ext uri="{FF2B5EF4-FFF2-40B4-BE49-F238E27FC236}">
+                <a16:creationId xmlns:a16="http://schemas.microsoft.com/office/drawing/2014/main" id="{9C71CB16-4F4F-AAF6-70AB-B5CBAC166FA8}"/>
+              </a:ext>
+            </a:extLst>
+          </p:cNvPr>
+          <p:cNvSpPr txBox="1"/>
+          <p:nvPr/>
+        </p:nvSpPr>
+        <p:spPr>
+          <a:xfrm>
+            <a:off x="5641086" y="1751485"/>
+            <a:ext cx="3966210" cy="276999"/>
+          </a:xfrm>
+          <a:prstGeom prst="rect">
+            <a:avLst/>
+          </a:prstGeom>
+          <a:noFill/>
+        </p:spPr>
+        <p:txBody>
+          <a:bodyPr wrap="square">
+            <a:spAutoFit/>
+          </a:bodyPr>
+          <a:lstStyle/>
+          <a:p>
+            <a:r>
+              <a:rPr lang="fr-FR" sz="1200" i="1" dirty="0"/>
+              <a:t>Acquisition des images – Gestion caméra (</a:t>
+            </a:r>
+            <a:r>
+              <a:rPr lang="fr-FR" sz="1200" i="1" dirty="0" err="1"/>
+              <a:t>lensecam</a:t>
+            </a:r>
+            <a:r>
+              <a:rPr lang="fr-FR" sz="1200" i="1" dirty="0"/>
+              <a:t>)</a:t>
+            </a:r>
+            <a:endParaRPr lang="fr-FR" sz="1200" dirty="0"/>
+          </a:p>
+        </p:txBody>
+      </p:sp>
+      <p:sp>
+        <p:nvSpPr>
+          <p:cNvPr id="23" name="Rectangle : coins arrondis 22">
+            <a:extLst>
+              <a:ext uri="{FF2B5EF4-FFF2-40B4-BE49-F238E27FC236}">
+                <a16:creationId xmlns:a16="http://schemas.microsoft.com/office/drawing/2014/main" id="{A974E67C-2CE5-A6B7-D74B-C87FA3677904}"/>
               </a:ext>
             </a:extLst>
           </p:cNvPr>
@@ -5935,18 +6646,12 @@
         </p:nvSpPr>
         <p:spPr>
           <a:xfrm>
-            <a:off x="5983570" y="1013390"/>
-            <a:ext cx="2880000" cy="1800000"/>
-          </a:xfrm>
-          <a:prstGeom prst="rect">
-            <a:avLst/>
-          </a:prstGeom>
-          <a:solidFill>
-            <a:schemeClr val="accent6">
-              <a:lumMod val="20000"/>
-              <a:lumOff val="80000"/>
-            </a:schemeClr>
-          </a:solidFill>
+            <a:off x="3496265" y="1349296"/>
+            <a:ext cx="1890584" cy="280003"/>
+          </a:xfrm>
+          <a:prstGeom prst="roundRect">
+            <a:avLst/>
+          </a:prstGeom>
         </p:spPr>
         <p:style>
           <a:lnRef idx="2">
@@ -5970,43 +6675,143 @@
           <a:p>
             <a:pPr algn="ctr"/>
             <a:r>
-              <a:rPr lang="en-US" dirty="0" err="1">
-                <a:solidFill>
-                  <a:schemeClr val="tx1"/>
-                </a:solidFill>
-              </a:rPr>
-              <a:t>ImageDisplayWidget</a:t>
-            </a:r>
-            <a:endParaRPr lang="en-US" dirty="0">
-              <a:solidFill>
-                <a:schemeClr val="tx1"/>
-              </a:solidFill>
-            </a:endParaRPr>
-          </a:p>
-          <a:p>
-            <a:pPr algn="ctr"/>
-            <a:r>
-              <a:rPr lang="en-US" sz="1200" i="1">
-                <a:solidFill>
-                  <a:schemeClr val="tx1"/>
-                </a:solidFill>
-              </a:rPr>
-              <a:t>widgets/images</a:t>
-            </a:r>
-            <a:endParaRPr lang="en-US" sz="1200" b="1" dirty="0">
-              <a:solidFill>
-                <a:schemeClr val="tx1"/>
-              </a:solidFill>
-            </a:endParaRPr>
-          </a:p>
-        </p:txBody>
-      </p:sp>
-      <p:sp>
-        <p:nvSpPr>
-          <p:cNvPr id="18" name="Rectangle 17">
-            <a:extLst>
-              <a:ext uri="{FF2B5EF4-FFF2-40B4-BE49-F238E27FC236}">
-                <a16:creationId xmlns:a16="http://schemas.microsoft.com/office/drawing/2014/main" id="{5E5BB1B8-2715-1C2B-BF95-2669840A549D}"/>
+              <a:rPr lang="fr-FR" sz="1600" dirty="0" err="1"/>
+              <a:t>motor_control</a:t>
+            </a:r>
+            <a:endParaRPr lang="fr-FR" sz="1600" dirty="0"/>
+          </a:p>
+        </p:txBody>
+      </p:sp>
+      <p:sp>
+        <p:nvSpPr>
+          <p:cNvPr id="24" name="ZoneTexte 23">
+            <a:extLst>
+              <a:ext uri="{FF2B5EF4-FFF2-40B4-BE49-F238E27FC236}">
+                <a16:creationId xmlns:a16="http://schemas.microsoft.com/office/drawing/2014/main" id="{3EB305B7-A614-7EA6-58E8-5FD391036353}"/>
+              </a:ext>
+            </a:extLst>
+          </p:cNvPr>
+          <p:cNvSpPr txBox="1"/>
+          <p:nvPr/>
+        </p:nvSpPr>
+        <p:spPr>
+          <a:xfrm>
+            <a:off x="5641086" y="1349296"/>
+            <a:ext cx="3966210" cy="276999"/>
+          </a:xfrm>
+          <a:prstGeom prst="rect">
+            <a:avLst/>
+          </a:prstGeom>
+          <a:noFill/>
+        </p:spPr>
+        <p:txBody>
+          <a:bodyPr wrap="square">
+            <a:spAutoFit/>
+          </a:bodyPr>
+          <a:lstStyle/>
+          <a:p>
+            <a:r>
+              <a:rPr lang="fr-FR" sz="1200" i="1" dirty="0"/>
+              <a:t>Gestion des moteurs (</a:t>
+            </a:r>
+            <a:r>
+              <a:rPr lang="fr-FR" sz="1200" i="1" dirty="0" err="1"/>
+              <a:t>step</a:t>
+            </a:r>
+            <a:r>
+              <a:rPr lang="fr-FR" sz="1200" i="1" dirty="0"/>
+              <a:t> et </a:t>
+            </a:r>
+            <a:r>
+              <a:rPr lang="fr-FR" sz="1200" i="1" dirty="0" err="1"/>
+              <a:t>piezo</a:t>
+            </a:r>
+            <a:r>
+              <a:rPr lang="fr-FR" sz="1200" i="1" dirty="0"/>
+              <a:t>) - Déplacement</a:t>
+            </a:r>
+            <a:endParaRPr lang="fr-FR" sz="1200" dirty="0"/>
+          </a:p>
+        </p:txBody>
+      </p:sp>
+      <p:sp>
+        <p:nvSpPr>
+          <p:cNvPr id="25" name="ZoneTexte 24">
+            <a:extLst>
+              <a:ext uri="{FF2B5EF4-FFF2-40B4-BE49-F238E27FC236}">
+                <a16:creationId xmlns:a16="http://schemas.microsoft.com/office/drawing/2014/main" id="{82C39611-9802-3D22-4F2B-597120A86E5E}"/>
+              </a:ext>
+            </a:extLst>
+          </p:cNvPr>
+          <p:cNvSpPr txBox="1"/>
+          <p:nvPr/>
+        </p:nvSpPr>
+        <p:spPr>
+          <a:xfrm>
+            <a:off x="5641086" y="2143253"/>
+            <a:ext cx="5624322" cy="276999"/>
+          </a:xfrm>
+          <a:prstGeom prst="rect">
+            <a:avLst/>
+          </a:prstGeom>
+          <a:noFill/>
+        </p:spPr>
+        <p:txBody>
+          <a:bodyPr wrap="square">
+            <a:spAutoFit/>
+          </a:bodyPr>
+          <a:lstStyle/>
+          <a:p>
+            <a:r>
+              <a:rPr lang="fr-FR" sz="1200" i="1" dirty="0"/>
+              <a:t>Stockage des données – Images / Moyennage / Noms répertoires et fichiers</a:t>
+            </a:r>
+            <a:endParaRPr lang="fr-FR" sz="1200" dirty="0"/>
+          </a:p>
+        </p:txBody>
+      </p:sp>
+      <p:sp>
+        <p:nvSpPr>
+          <p:cNvPr id="26" name="ZoneTexte 25">
+            <a:extLst>
+              <a:ext uri="{FF2B5EF4-FFF2-40B4-BE49-F238E27FC236}">
+                <a16:creationId xmlns:a16="http://schemas.microsoft.com/office/drawing/2014/main" id="{592E1ACF-20DF-E278-34B3-EE75FF35B280}"/>
+              </a:ext>
+            </a:extLst>
+          </p:cNvPr>
+          <p:cNvSpPr txBox="1"/>
+          <p:nvPr/>
+        </p:nvSpPr>
+        <p:spPr>
+          <a:xfrm>
+            <a:off x="5641086" y="2535021"/>
+            <a:ext cx="3966210" cy="276999"/>
+          </a:xfrm>
+          <a:prstGeom prst="rect">
+            <a:avLst/>
+          </a:prstGeom>
+          <a:noFill/>
+        </p:spPr>
+        <p:txBody>
+          <a:bodyPr wrap="square">
+            <a:spAutoFit/>
+          </a:bodyPr>
+          <a:lstStyle/>
+          <a:p>
+            <a:r>
+              <a:rPr lang="fr-FR" sz="1200" i="1" dirty="0"/>
+              <a:t>Pré-traitement des images acquises</a:t>
+            </a:r>
+            <a:endParaRPr lang="fr-FR" sz="1200" dirty="0"/>
+          </a:p>
+        </p:txBody>
+      </p:sp>
+      <p:sp>
+        <p:nvSpPr>
+          <p:cNvPr id="28" name="Rectangle : coins arrondis 27">
+            <a:extLst>
+              <a:ext uri="{FF2B5EF4-FFF2-40B4-BE49-F238E27FC236}">
+                <a16:creationId xmlns:a16="http://schemas.microsoft.com/office/drawing/2014/main" id="{ACED0602-0EC7-6721-663D-A6C303739EB2}"/>
               </a:ext>
             </a:extLst>
           </p:cNvPr>
@@ -6015,18 +6820,12 @@
         </p:nvSpPr>
         <p:spPr>
           <a:xfrm>
-            <a:off x="8863570" y="1013390"/>
-            <a:ext cx="2880000" cy="1800000"/>
-          </a:xfrm>
-          <a:prstGeom prst="rect">
-            <a:avLst/>
-          </a:prstGeom>
-          <a:solidFill>
-            <a:schemeClr val="accent6">
-              <a:lumMod val="40000"/>
-              <a:lumOff val="60000"/>
-            </a:schemeClr>
-          </a:solidFill>
+            <a:off x="3496265" y="4923252"/>
+            <a:ext cx="1890584" cy="280003"/>
+          </a:xfrm>
+          <a:prstGeom prst="roundRect">
+            <a:avLst/>
+          </a:prstGeom>
         </p:spPr>
         <p:style>
           <a:lnRef idx="2">
@@ -6050,43 +6849,55 @@
           <a:p>
             <a:pPr algn="ctr"/>
             <a:r>
-              <a:rPr lang="en-US" dirty="0" err="1">
-                <a:solidFill>
-                  <a:schemeClr val="tx1"/>
-                </a:solidFill>
-              </a:rPr>
-              <a:t>ImageDisplayWidget</a:t>
-            </a:r>
-            <a:endParaRPr lang="en-US" dirty="0">
-              <a:solidFill>
-                <a:schemeClr val="tx1"/>
-              </a:solidFill>
-            </a:endParaRPr>
-          </a:p>
-          <a:p>
-            <a:pPr algn="ctr"/>
-            <a:r>
-              <a:rPr lang="en-US" sz="1200" i="1" dirty="0">
-                <a:solidFill>
-                  <a:schemeClr val="tx1"/>
-                </a:solidFill>
-              </a:rPr>
-              <a:t>widgets/images</a:t>
-            </a:r>
-            <a:endParaRPr lang="en-US" sz="1200" b="1" dirty="0">
-              <a:solidFill>
-                <a:schemeClr val="tx1"/>
-              </a:solidFill>
-            </a:endParaRPr>
-          </a:p>
-        </p:txBody>
-      </p:sp>
-      <p:sp>
-        <p:nvSpPr>
-          <p:cNvPr id="19" name="Rectangle 18">
-            <a:extLst>
-              <a:ext uri="{FF2B5EF4-FFF2-40B4-BE49-F238E27FC236}">
-                <a16:creationId xmlns:a16="http://schemas.microsoft.com/office/drawing/2014/main" id="{E0060596-8603-6C3C-6D88-1A1DC21942E7}"/>
+              <a:rPr lang="fr-FR" sz="1600" dirty="0" err="1"/>
+              <a:t>acq_mode</a:t>
+            </a:r>
+            <a:endParaRPr lang="fr-FR" sz="1600" dirty="0"/>
+          </a:p>
+        </p:txBody>
+      </p:sp>
+      <p:sp>
+        <p:nvSpPr>
+          <p:cNvPr id="29" name="ZoneTexte 28">
+            <a:extLst>
+              <a:ext uri="{FF2B5EF4-FFF2-40B4-BE49-F238E27FC236}">
+                <a16:creationId xmlns:a16="http://schemas.microsoft.com/office/drawing/2014/main" id="{564ED2C4-E7D9-C7A5-A35A-0A2B00BA589C}"/>
+              </a:ext>
+            </a:extLst>
+          </p:cNvPr>
+          <p:cNvSpPr txBox="1"/>
+          <p:nvPr/>
+        </p:nvSpPr>
+        <p:spPr>
+          <a:xfrm>
+            <a:off x="5641086" y="4926256"/>
+            <a:ext cx="3966210" cy="276999"/>
+          </a:xfrm>
+          <a:prstGeom prst="rect">
+            <a:avLst/>
+          </a:prstGeom>
+          <a:noFill/>
+        </p:spPr>
+        <p:txBody>
+          <a:bodyPr wrap="square">
+            <a:spAutoFit/>
+          </a:bodyPr>
+          <a:lstStyle/>
+          <a:p>
+            <a:r>
+              <a:rPr lang="fr-FR" sz="1200" i="1" dirty="0"/>
+              <a:t>Acquisition d’une série d’images</a:t>
+            </a:r>
+            <a:endParaRPr lang="fr-FR" sz="1200" dirty="0"/>
+          </a:p>
+        </p:txBody>
+      </p:sp>
+      <p:sp>
+        <p:nvSpPr>
+          <p:cNvPr id="30" name="Rectangle : coins arrondis 29">
+            <a:extLst>
+              <a:ext uri="{FF2B5EF4-FFF2-40B4-BE49-F238E27FC236}">
+                <a16:creationId xmlns:a16="http://schemas.microsoft.com/office/drawing/2014/main" id="{55CB4E7B-4960-20F6-28E1-3D0862BAA376}"/>
               </a:ext>
             </a:extLst>
           </p:cNvPr>
@@ -6095,17 +6906,12 @@
         </p:nvSpPr>
         <p:spPr>
           <a:xfrm>
-            <a:off x="3103570" y="2813390"/>
-            <a:ext cx="2880000" cy="1800000"/>
-          </a:xfrm>
-          <a:prstGeom prst="rect">
-            <a:avLst/>
-          </a:prstGeom>
-          <a:solidFill>
-            <a:schemeClr val="bg2">
-              <a:lumMod val="90000"/>
-            </a:schemeClr>
-          </a:solidFill>
+            <a:off x="3496265" y="4524067"/>
+            <a:ext cx="1890584" cy="280003"/>
+          </a:xfrm>
+          <a:prstGeom prst="roundRect">
+            <a:avLst/>
+          </a:prstGeom>
         </p:spPr>
         <p:style>
           <a:lnRef idx="2">
@@ -6129,199 +6935,19 @@
           <a:p>
             <a:pPr algn="ctr"/>
             <a:r>
-              <a:rPr lang="en-US" b="1" dirty="0" err="1">
-                <a:solidFill>
-                  <a:schemeClr val="tx1"/>
-                </a:solidFill>
-              </a:rPr>
-              <a:t>AcquisitionWidget</a:t>
-            </a:r>
-            <a:endParaRPr lang="en-US" b="1" dirty="0">
-              <a:solidFill>
-                <a:schemeClr val="tx1"/>
-              </a:solidFill>
-            </a:endParaRPr>
-          </a:p>
-          <a:p>
-            <a:pPr algn="ctr"/>
-            <a:r>
-              <a:rPr lang="en-US" sz="1200" i="1" dirty="0">
-                <a:solidFill>
-                  <a:schemeClr val="tx1"/>
-                </a:solidFill>
-              </a:rPr>
-              <a:t>widgets/acquisition</a:t>
-            </a:r>
-            <a:endParaRPr lang="en-US" b="1" dirty="0">
-              <a:solidFill>
-                <a:schemeClr val="tx1"/>
-              </a:solidFill>
-            </a:endParaRPr>
-          </a:p>
-        </p:txBody>
-      </p:sp>
-      <p:sp>
-        <p:nvSpPr>
-          <p:cNvPr id="20" name="Rectangle 19">
-            <a:extLst>
-              <a:ext uri="{FF2B5EF4-FFF2-40B4-BE49-F238E27FC236}">
-                <a16:creationId xmlns:a16="http://schemas.microsoft.com/office/drawing/2014/main" id="{8BEEFFD8-DE68-0EE2-712D-89E39316202D}"/>
-              </a:ext>
-            </a:extLst>
-          </p:cNvPr>
-          <p:cNvSpPr/>
-          <p:nvPr/>
-        </p:nvSpPr>
-        <p:spPr>
-          <a:xfrm>
-            <a:off x="3103570" y="4613390"/>
-            <a:ext cx="2880000" cy="1800000"/>
-          </a:xfrm>
-          <a:prstGeom prst="rect">
-            <a:avLst/>
-          </a:prstGeom>
-          <a:solidFill>
-            <a:schemeClr val="bg2">
-              <a:lumMod val="90000"/>
-            </a:schemeClr>
-          </a:solidFill>
-        </p:spPr>
-        <p:style>
-          <a:lnRef idx="2">
-            <a:schemeClr val="accent1">
-              <a:shade val="15000"/>
-            </a:schemeClr>
-          </a:lnRef>
-          <a:fillRef idx="1">
-            <a:schemeClr val="accent1"/>
-          </a:fillRef>
-          <a:effectRef idx="0">
-            <a:schemeClr val="accent1"/>
-          </a:effectRef>
-          <a:fontRef idx="minor">
-            <a:schemeClr val="lt1"/>
-          </a:fontRef>
-        </p:style>
-        <p:txBody>
-          <a:bodyPr rtlCol="0" anchor="ctr"/>
-          <a:lstStyle/>
-          <a:p>
-            <a:pPr algn="ctr"/>
-            <a:r>
-              <a:rPr lang="en-US" b="1" dirty="0" err="1">
-                <a:solidFill>
-                  <a:schemeClr val="tx1"/>
-                </a:solidFill>
-              </a:rPr>
-              <a:t>MotorsControlWidget</a:t>
-            </a:r>
-            <a:endParaRPr lang="en-US" b="1" dirty="0">
-              <a:solidFill>
-                <a:schemeClr val="tx1"/>
-              </a:solidFill>
-            </a:endParaRPr>
-          </a:p>
-          <a:p>
-            <a:pPr algn="ctr"/>
-            <a:r>
-              <a:rPr lang="en-US" sz="1200" i="1" dirty="0">
-                <a:solidFill>
-                  <a:schemeClr val="tx1"/>
-                </a:solidFill>
-              </a:rPr>
-              <a:t>widgets/</a:t>
-            </a:r>
-            <a:r>
-              <a:rPr lang="en-US" sz="1200" i="1" dirty="0" err="1">
-                <a:solidFill>
-                  <a:schemeClr val="tx1"/>
-                </a:solidFill>
-              </a:rPr>
-              <a:t>motors_control</a:t>
-            </a:r>
-            <a:endParaRPr lang="en-US" b="1" dirty="0">
-              <a:solidFill>
-                <a:schemeClr val="tx1"/>
-              </a:solidFill>
-            </a:endParaRPr>
-          </a:p>
-        </p:txBody>
-      </p:sp>
-      <p:sp>
-        <p:nvSpPr>
-          <p:cNvPr id="27" name="Rectangle 26">
-            <a:extLst>
-              <a:ext uri="{FF2B5EF4-FFF2-40B4-BE49-F238E27FC236}">
-                <a16:creationId xmlns:a16="http://schemas.microsoft.com/office/drawing/2014/main" id="{E210F4DF-A593-CAA4-D61E-AC06F30DC6C8}"/>
-              </a:ext>
-            </a:extLst>
-          </p:cNvPr>
-          <p:cNvSpPr/>
-          <p:nvPr/>
-        </p:nvSpPr>
-        <p:spPr>
-          <a:xfrm>
-            <a:off x="6551472" y="3429000"/>
-            <a:ext cx="4624196" cy="2717510"/>
-          </a:xfrm>
-          <a:prstGeom prst="rect">
-            <a:avLst/>
-          </a:prstGeom>
-          <a:solidFill>
-            <a:srgbClr val="00B0F0"/>
-          </a:solidFill>
-        </p:spPr>
-        <p:style>
-          <a:lnRef idx="2">
-            <a:schemeClr val="accent1">
-              <a:shade val="15000"/>
-            </a:schemeClr>
-          </a:lnRef>
-          <a:fillRef idx="1">
-            <a:schemeClr val="accent1"/>
-          </a:fillRef>
-          <a:effectRef idx="0">
-            <a:schemeClr val="accent1"/>
-          </a:effectRef>
-          <a:fontRef idx="minor">
-            <a:schemeClr val="lt1"/>
-          </a:fontRef>
-        </p:style>
-        <p:txBody>
-          <a:bodyPr rtlCol="0" anchor="ctr"/>
-          <a:lstStyle/>
-          <a:p>
-            <a:pPr algn="ctr"/>
-            <a:r>
-              <a:rPr lang="en-US" dirty="0" err="1"/>
-              <a:t>ImageDisplayGraph</a:t>
-            </a:r>
-            <a:endParaRPr lang="en-US" dirty="0"/>
-          </a:p>
-          <a:p>
-            <a:pPr algn="ctr"/>
-            <a:r>
-              <a:rPr lang="en-US" sz="1200" i="1" dirty="0">
-                <a:solidFill>
-                  <a:schemeClr val="tx1"/>
-                </a:solidFill>
-              </a:rPr>
-              <a:t>widgets/images</a:t>
-            </a:r>
-            <a:endParaRPr lang="en-US" sz="1200" b="1" dirty="0">
-              <a:solidFill>
-                <a:schemeClr val="tx1"/>
-              </a:solidFill>
-            </a:endParaRPr>
-          </a:p>
-        </p:txBody>
-      </p:sp>
-      <p:sp>
-        <p:nvSpPr>
-          <p:cNvPr id="3" name="ZoneTexte 2">
-            <a:extLst>
-              <a:ext uri="{FF2B5EF4-FFF2-40B4-BE49-F238E27FC236}">
-                <a16:creationId xmlns:a16="http://schemas.microsoft.com/office/drawing/2014/main" id="{25F2C6DB-9FDB-3FE8-E7B8-B4F7A982BA25}"/>
+              <a:rPr lang="fr-FR" sz="1600" dirty="0" err="1"/>
+              <a:t>live_mode</a:t>
+            </a:r>
+            <a:endParaRPr lang="fr-FR" sz="1600" dirty="0"/>
+          </a:p>
+        </p:txBody>
+      </p:sp>
+      <p:sp>
+        <p:nvSpPr>
+          <p:cNvPr id="31" name="ZoneTexte 30">
+            <a:extLst>
+              <a:ext uri="{FF2B5EF4-FFF2-40B4-BE49-F238E27FC236}">
+                <a16:creationId xmlns:a16="http://schemas.microsoft.com/office/drawing/2014/main" id="{D7978743-F53F-E82F-D325-078CF6DF064E}"/>
               </a:ext>
             </a:extLst>
           </p:cNvPr>
@@ -6330,8 +6956,8 @@
         </p:nvSpPr>
         <p:spPr>
           <a:xfrm>
-            <a:off x="3103570" y="305504"/>
-            <a:ext cx="1914957" cy="553998"/>
+            <a:off x="5641086" y="4524067"/>
+            <a:ext cx="3966210" cy="276999"/>
           </a:xfrm>
           <a:prstGeom prst="rect">
             <a:avLst/>
@@ -6344,116 +6970,56 @@
           </a:bodyPr>
           <a:lstStyle/>
           <a:p>
-            <a:pPr algn="ctr"/>
-            <a:r>
-              <a:rPr lang="en-US" b="1" dirty="0" err="1">
-                <a:solidFill>
-                  <a:schemeClr val="tx1"/>
-                </a:solidFill>
-              </a:rPr>
-              <a:t>MainWidget</a:t>
-            </a:r>
-            <a:endParaRPr lang="en-US" b="1" dirty="0">
-              <a:solidFill>
-                <a:schemeClr val="tx1"/>
-              </a:solidFill>
-            </a:endParaRPr>
-          </a:p>
-          <a:p>
-            <a:pPr algn="ctr"/>
-            <a:r>
-              <a:rPr lang="en-US" sz="1100" i="1" dirty="0">
-                <a:solidFill>
-                  <a:schemeClr val="tx1"/>
-                </a:solidFill>
-              </a:rPr>
-              <a:t>widgets/</a:t>
-            </a:r>
-            <a:r>
-              <a:rPr lang="en-US" sz="1100" i="1" dirty="0" err="1">
-                <a:solidFill>
-                  <a:schemeClr val="tx1"/>
-                </a:solidFill>
-              </a:rPr>
-              <a:t>main_widget</a:t>
-            </a:r>
-            <a:endParaRPr lang="en-US" sz="1100" i="1" dirty="0">
-              <a:solidFill>
-                <a:schemeClr val="tx1"/>
-              </a:solidFill>
-            </a:endParaRPr>
-          </a:p>
-        </p:txBody>
-      </p:sp>
-      <p:sp>
-        <p:nvSpPr>
-          <p:cNvPr id="5" name="ZoneTexte 4">
-            <a:extLst>
-              <a:ext uri="{FF2B5EF4-FFF2-40B4-BE49-F238E27FC236}">
-                <a16:creationId xmlns:a16="http://schemas.microsoft.com/office/drawing/2014/main" id="{D70D75DF-E6A6-A7F2-A45F-F4C06ADC0CA5}"/>
-              </a:ext>
-            </a:extLst>
-          </p:cNvPr>
-          <p:cNvSpPr txBox="1"/>
-          <p:nvPr/>
-        </p:nvSpPr>
-        <p:spPr>
-          <a:xfrm rot="16200000">
-            <a:off x="1608856" y="1678710"/>
-            <a:ext cx="2482735" cy="469359"/>
-          </a:xfrm>
-          <a:prstGeom prst="rect">
-            <a:avLst/>
-          </a:prstGeom>
-          <a:noFill/>
-        </p:spPr>
-        <p:txBody>
-          <a:bodyPr wrap="square">
-            <a:spAutoFit/>
-          </a:bodyPr>
-          <a:lstStyle/>
-          <a:p>
-            <a:pPr algn="ctr"/>
-            <a:r>
-              <a:rPr lang="en-US" sz="1400" b="1" dirty="0" err="1">
-                <a:solidFill>
-                  <a:schemeClr val="tx1"/>
-                </a:solidFill>
-              </a:rPr>
-              <a:t>MiniCameraWidget</a:t>
-            </a:r>
-            <a:endParaRPr lang="en-US" sz="1400" b="1" dirty="0">
-              <a:solidFill>
-                <a:schemeClr val="tx1"/>
-              </a:solidFill>
-            </a:endParaRPr>
-          </a:p>
-          <a:p>
-            <a:pPr algn="ctr"/>
-            <a:r>
-              <a:rPr lang="en-US" sz="1000" i="1" dirty="0">
-                <a:solidFill>
-                  <a:schemeClr val="tx1"/>
-                </a:solidFill>
-              </a:rPr>
-              <a:t>widgets/</a:t>
-            </a:r>
-            <a:r>
-              <a:rPr lang="en-US" sz="1000" i="1" dirty="0" err="1">
-                <a:solidFill>
-                  <a:schemeClr val="tx1"/>
-                </a:solidFill>
-              </a:rPr>
-              <a:t>main_widget</a:t>
-            </a:r>
-            <a:endParaRPr lang="en-US" sz="1000" i="1" dirty="0">
-              <a:solidFill>
-                <a:schemeClr val="tx1"/>
-              </a:solidFill>
-            </a:endParaRPr>
-          </a:p>
-        </p:txBody>
-      </p:sp>
+            <a:r>
+              <a:rPr lang="fr-FR" sz="1200" i="1" dirty="0"/>
+              <a:t>Gestion du mode Live – test si caméra et </a:t>
+            </a:r>
+            <a:r>
+              <a:rPr lang="fr-FR" sz="1200" i="1" dirty="0" err="1"/>
+              <a:t>piezo</a:t>
+            </a:r>
+            <a:endParaRPr lang="fr-FR" sz="1200" dirty="0"/>
+          </a:p>
+        </p:txBody>
+      </p:sp>
+      <p:cxnSp>
+        <p:nvCxnSpPr>
+          <p:cNvPr id="35" name="Connecteur droit 34">
+            <a:extLst>
+              <a:ext uri="{FF2B5EF4-FFF2-40B4-BE49-F238E27FC236}">
+                <a16:creationId xmlns:a16="http://schemas.microsoft.com/office/drawing/2014/main" id="{F1694256-085F-9011-5FFD-C03AC733D7A3}"/>
+              </a:ext>
+            </a:extLst>
+          </p:cNvPr>
+          <p:cNvCxnSpPr>
+            <a:cxnSpLocks/>
+          </p:cNvCxnSpPr>
+          <p:nvPr/>
+        </p:nvCxnSpPr>
+        <p:spPr>
+          <a:xfrm>
+            <a:off x="2404872" y="364276"/>
+            <a:ext cx="0" cy="6191972"/>
+          </a:xfrm>
+          <a:prstGeom prst="line">
+            <a:avLst/>
+          </a:prstGeom>
+        </p:spPr>
+        <p:style>
+          <a:lnRef idx="2">
+            <a:schemeClr val="accent2"/>
+          </a:lnRef>
+          <a:fillRef idx="0">
+            <a:schemeClr val="accent2"/>
+          </a:fillRef>
+          <a:effectRef idx="1">
+            <a:schemeClr val="accent2"/>
+          </a:effectRef>
+          <a:fontRef idx="minor">
+            <a:schemeClr val="tx1"/>
+          </a:fontRef>
+        </p:style>
+      </p:cxnSp>
     </p:spTree>
     <p:extLst>
       <p:ext uri="{BB962C8B-B14F-4D97-AF65-F5344CB8AC3E}">
@@ -6467,7 +7033,967 @@
 </p:sld>
 </file>
 
-<file path=ppt/slides/slide3.xml><?xml version="1.0" encoding="utf-8"?>
+<file path=ppt/slides/slide4.xml><?xml version="1.0" encoding="utf-8"?>
+<p:sld xmlns:a="http://schemas.openxmlformats.org/drawingml/2006/main" xmlns:r="http://schemas.openxmlformats.org/officeDocument/2006/relationships" xmlns:p="http://schemas.openxmlformats.org/presentationml/2006/main">
+  <p:cSld>
+    <p:spTree>
+      <p:nvGrpSpPr>
+        <p:cNvPr id="1" name="">
+          <a:extLst>
+            <a:ext uri="{FF2B5EF4-FFF2-40B4-BE49-F238E27FC236}">
+              <a16:creationId xmlns:a16="http://schemas.microsoft.com/office/drawing/2014/main" id="{790C0A2F-9805-9850-9A46-1B4442023637}"/>
+            </a:ext>
+          </a:extLst>
+        </p:cNvPr>
+        <p:cNvGrpSpPr/>
+        <p:nvPr/>
+      </p:nvGrpSpPr>
+      <p:grpSpPr>
+        <a:xfrm>
+          <a:off x="0" y="0"/>
+          <a:ext cx="0" cy="0"/>
+          <a:chOff x="0" y="0"/>
+          <a:chExt cx="0" cy="0"/>
+        </a:xfrm>
+      </p:grpSpPr>
+      <p:sp>
+        <p:nvSpPr>
+          <p:cNvPr id="57" name="Rectangle 56">
+            <a:extLst>
+              <a:ext uri="{FF2B5EF4-FFF2-40B4-BE49-F238E27FC236}">
+                <a16:creationId xmlns:a16="http://schemas.microsoft.com/office/drawing/2014/main" id="{55722073-16D7-2379-AE46-F102DD39712D}"/>
+              </a:ext>
+            </a:extLst>
+          </p:cNvPr>
+          <p:cNvSpPr/>
+          <p:nvPr/>
+        </p:nvSpPr>
+        <p:spPr>
+          <a:xfrm>
+            <a:off x="3103570" y="1625329"/>
+            <a:ext cx="2880000" cy="1192245"/>
+          </a:xfrm>
+          <a:prstGeom prst="rect">
+            <a:avLst/>
+          </a:prstGeom>
+          <a:solidFill>
+            <a:schemeClr val="bg2">
+              <a:lumMod val="90000"/>
+            </a:schemeClr>
+          </a:solidFill>
+        </p:spPr>
+        <p:style>
+          <a:lnRef idx="2">
+            <a:schemeClr val="accent1">
+              <a:shade val="15000"/>
+            </a:schemeClr>
+          </a:lnRef>
+          <a:fillRef idx="1">
+            <a:schemeClr val="accent1"/>
+          </a:fillRef>
+          <a:effectRef idx="0">
+            <a:schemeClr val="accent1"/>
+          </a:effectRef>
+          <a:fontRef idx="minor">
+            <a:schemeClr val="lt1"/>
+          </a:fontRef>
+        </p:style>
+        <p:txBody>
+          <a:bodyPr rtlCol="0" anchor="ctr"/>
+          <a:lstStyle/>
+          <a:p>
+            <a:pPr algn="ctr"/>
+            <a:r>
+              <a:rPr lang="en-US" b="1" dirty="0" err="1">
+                <a:solidFill>
+                  <a:schemeClr val="tx1"/>
+                </a:solidFill>
+              </a:rPr>
+              <a:t>CameraParamsView</a:t>
+            </a:r>
+            <a:endParaRPr lang="en-US" b="1" dirty="0">
+              <a:solidFill>
+                <a:schemeClr val="tx1"/>
+              </a:solidFill>
+            </a:endParaRPr>
+          </a:p>
+          <a:p>
+            <a:pPr algn="ctr"/>
+            <a:r>
+              <a:rPr lang="en-US" sz="1200" i="1" dirty="0">
+                <a:solidFill>
+                  <a:schemeClr val="tx1"/>
+                </a:solidFill>
+              </a:rPr>
+              <a:t>views/</a:t>
+            </a:r>
+            <a:r>
+              <a:rPr lang="en-US" sz="1200" i="1" dirty="0" err="1">
+                <a:solidFill>
+                  <a:schemeClr val="tx1"/>
+                </a:solidFill>
+              </a:rPr>
+              <a:t>camera_params</a:t>
+            </a:r>
+            <a:endParaRPr lang="en-US" sz="1200" b="1" dirty="0">
+              <a:solidFill>
+                <a:schemeClr val="tx1"/>
+              </a:solidFill>
+            </a:endParaRPr>
+          </a:p>
+        </p:txBody>
+      </p:sp>
+      <p:pic>
+        <p:nvPicPr>
+          <p:cNvPr id="6" name="Image 5" descr="Une image contenant texte, Police, capture d’écran, logo&#10;&#10;Le contenu généré par l’IA peut être incorrect.">
+            <a:extLst>
+              <a:ext uri="{FF2B5EF4-FFF2-40B4-BE49-F238E27FC236}">
+                <a16:creationId xmlns:a16="http://schemas.microsoft.com/office/drawing/2014/main" id="{5494A4A9-2C83-85A5-7F1E-DB4A83005F0B}"/>
+              </a:ext>
+            </a:extLst>
+          </p:cNvPr>
+          <p:cNvPicPr>
+            <a:picLocks noChangeAspect="1"/>
+          </p:cNvPicPr>
+          <p:nvPr/>
+        </p:nvPicPr>
+        <p:blipFill>
+          <a:blip r:embed="rId2">
+            <a:extLst>
+              <a:ext uri="{28A0092B-C50C-407E-A947-70E740481C1C}">
+                <a14:useLocalDpi xmlns:a14="http://schemas.microsoft.com/office/drawing/2010/main" val="0"/>
+              </a:ext>
+            </a:extLst>
+          </a:blip>
+          <a:stretch>
+            <a:fillRect/>
+          </a:stretch>
+        </p:blipFill>
+        <p:spPr>
+          <a:xfrm>
+            <a:off x="255938" y="114266"/>
+            <a:ext cx="1814160" cy="745236"/>
+          </a:xfrm>
+          <a:prstGeom prst="rect">
+            <a:avLst/>
+          </a:prstGeom>
+        </p:spPr>
+      </p:pic>
+      <p:sp>
+        <p:nvSpPr>
+          <p:cNvPr id="7" name="ZoneTexte 6">
+            <a:extLst>
+              <a:ext uri="{FF2B5EF4-FFF2-40B4-BE49-F238E27FC236}">
+                <a16:creationId xmlns:a16="http://schemas.microsoft.com/office/drawing/2014/main" id="{0A1FA41E-4DE3-4496-4887-9ACA0B3233C6}"/>
+              </a:ext>
+            </a:extLst>
+          </p:cNvPr>
+          <p:cNvSpPr txBox="1"/>
+          <p:nvPr/>
+        </p:nvSpPr>
+        <p:spPr>
+          <a:xfrm>
+            <a:off x="125650" y="859502"/>
+            <a:ext cx="2074735" cy="307777"/>
+          </a:xfrm>
+          <a:prstGeom prst="rect">
+            <a:avLst/>
+          </a:prstGeom>
+          <a:noFill/>
+        </p:spPr>
+        <p:txBody>
+          <a:bodyPr wrap="none" rtlCol="0">
+            <a:spAutoFit/>
+          </a:bodyPr>
+          <a:lstStyle/>
+          <a:p>
+            <a:r>
+              <a:rPr lang="fr-FR" sz="1400" b="1" dirty="0"/>
+              <a:t>Nouvelle Interface OCT</a:t>
+            </a:r>
+          </a:p>
+        </p:txBody>
+      </p:sp>
+      <p:sp>
+        <p:nvSpPr>
+          <p:cNvPr id="8" name="ZoneTexte 7">
+            <a:extLst>
+              <a:ext uri="{FF2B5EF4-FFF2-40B4-BE49-F238E27FC236}">
+                <a16:creationId xmlns:a16="http://schemas.microsoft.com/office/drawing/2014/main" id="{153279D4-BF8A-C8DC-DC89-8BD71B4C88C9}"/>
+              </a:ext>
+            </a:extLst>
+          </p:cNvPr>
+          <p:cNvSpPr txBox="1"/>
+          <p:nvPr/>
+        </p:nvSpPr>
+        <p:spPr>
+          <a:xfrm>
+            <a:off x="257473" y="1167279"/>
+            <a:ext cx="1387431" cy="738664"/>
+          </a:xfrm>
+          <a:prstGeom prst="rect">
+            <a:avLst/>
+          </a:prstGeom>
+          <a:noFill/>
+        </p:spPr>
+        <p:txBody>
+          <a:bodyPr wrap="none" rtlCol="0">
+            <a:spAutoFit/>
+          </a:bodyPr>
+          <a:lstStyle/>
+          <a:p>
+            <a:r>
+              <a:rPr lang="fr-FR" sz="1200" i="1" dirty="0"/>
+              <a:t>PyQt6 et </a:t>
+            </a:r>
+            <a:r>
+              <a:rPr lang="fr-FR" sz="1200" i="1" dirty="0" err="1"/>
+              <a:t>PyLabLib</a:t>
+            </a:r>
+            <a:endParaRPr lang="fr-FR" sz="1200" i="1" dirty="0"/>
+          </a:p>
+          <a:p>
+            <a:endParaRPr lang="fr-FR" sz="1200" i="1" dirty="0"/>
+          </a:p>
+          <a:p>
+            <a:r>
+              <a:rPr lang="fr-FR" b="1" i="1" dirty="0"/>
+              <a:t>V</a:t>
+            </a:r>
+            <a:r>
+              <a:rPr lang="fr-FR" sz="1200" i="1" dirty="0"/>
+              <a:t>IEWS</a:t>
+            </a:r>
+          </a:p>
+        </p:txBody>
+      </p:sp>
+      <p:sp>
+        <p:nvSpPr>
+          <p:cNvPr id="11" name="Rectangle 10">
+            <a:extLst>
+              <a:ext uri="{FF2B5EF4-FFF2-40B4-BE49-F238E27FC236}">
+                <a16:creationId xmlns:a16="http://schemas.microsoft.com/office/drawing/2014/main" id="{1146B730-BD95-EBF0-BB93-1B1DBE389357}"/>
+              </a:ext>
+            </a:extLst>
+          </p:cNvPr>
+          <p:cNvSpPr/>
+          <p:nvPr/>
+        </p:nvSpPr>
+        <p:spPr>
+          <a:xfrm>
+            <a:off x="5983570" y="2813390"/>
+            <a:ext cx="5760000" cy="3600000"/>
+          </a:xfrm>
+          <a:prstGeom prst="rect">
+            <a:avLst/>
+          </a:prstGeom>
+          <a:solidFill>
+            <a:srgbClr val="00B0F0"/>
+          </a:solidFill>
+        </p:spPr>
+        <p:style>
+          <a:lnRef idx="2">
+            <a:schemeClr val="accent1">
+              <a:shade val="15000"/>
+            </a:schemeClr>
+          </a:lnRef>
+          <a:fillRef idx="1">
+            <a:schemeClr val="accent1"/>
+          </a:fillRef>
+          <a:effectRef idx="0">
+            <a:schemeClr val="accent1"/>
+          </a:effectRef>
+          <a:fontRef idx="minor">
+            <a:schemeClr val="lt1"/>
+          </a:fontRef>
+        </p:style>
+        <p:txBody>
+          <a:bodyPr rtlCol="0" anchor="ctr"/>
+          <a:lstStyle/>
+          <a:p>
+            <a:pPr algn="ctr"/>
+            <a:endParaRPr lang="en-US" dirty="0"/>
+          </a:p>
+        </p:txBody>
+      </p:sp>
+      <p:sp>
+        <p:nvSpPr>
+          <p:cNvPr id="14" name="Rectangle 13">
+            <a:extLst>
+              <a:ext uri="{FF2B5EF4-FFF2-40B4-BE49-F238E27FC236}">
+                <a16:creationId xmlns:a16="http://schemas.microsoft.com/office/drawing/2014/main" id="{70BA75B7-7D43-FAF4-A1BB-30F5B6D32F93}"/>
+              </a:ext>
+            </a:extLst>
+          </p:cNvPr>
+          <p:cNvSpPr/>
+          <p:nvPr/>
+        </p:nvSpPr>
+        <p:spPr>
+          <a:xfrm>
+            <a:off x="3103570" y="1013390"/>
+            <a:ext cx="2880000" cy="611940"/>
+          </a:xfrm>
+          <a:prstGeom prst="rect">
+            <a:avLst/>
+          </a:prstGeom>
+          <a:solidFill>
+            <a:schemeClr val="bg2">
+              <a:lumMod val="90000"/>
+            </a:schemeClr>
+          </a:solidFill>
+        </p:spPr>
+        <p:style>
+          <a:lnRef idx="2">
+            <a:schemeClr val="accent1">
+              <a:shade val="15000"/>
+            </a:schemeClr>
+          </a:lnRef>
+          <a:fillRef idx="1">
+            <a:schemeClr val="accent1"/>
+          </a:fillRef>
+          <a:effectRef idx="0">
+            <a:schemeClr val="accent1"/>
+          </a:effectRef>
+          <a:fontRef idx="minor">
+            <a:schemeClr val="lt1"/>
+          </a:fontRef>
+        </p:style>
+        <p:txBody>
+          <a:bodyPr rtlCol="0" anchor="ctr"/>
+          <a:lstStyle/>
+          <a:p>
+            <a:pPr algn="ctr"/>
+            <a:r>
+              <a:rPr lang="en-US" b="1" dirty="0" err="1">
+                <a:solidFill>
+                  <a:schemeClr val="tx1"/>
+                </a:solidFill>
+              </a:rPr>
+              <a:t>TitleView</a:t>
+            </a:r>
+            <a:endParaRPr lang="en-US" b="1" dirty="0">
+              <a:solidFill>
+                <a:schemeClr val="tx1"/>
+              </a:solidFill>
+            </a:endParaRPr>
+          </a:p>
+          <a:p>
+            <a:pPr algn="ctr"/>
+            <a:r>
+              <a:rPr lang="en-US" sz="1200" i="1" dirty="0">
+                <a:solidFill>
+                  <a:schemeClr val="tx1"/>
+                </a:solidFill>
+              </a:rPr>
+              <a:t>views/title</a:t>
+            </a:r>
+          </a:p>
+        </p:txBody>
+      </p:sp>
+      <p:sp>
+        <p:nvSpPr>
+          <p:cNvPr id="17" name="Rectangle 16">
+            <a:extLst>
+              <a:ext uri="{FF2B5EF4-FFF2-40B4-BE49-F238E27FC236}">
+                <a16:creationId xmlns:a16="http://schemas.microsoft.com/office/drawing/2014/main" id="{BA810AAA-EF75-5CD0-C7BF-7A16C65D39C8}"/>
+              </a:ext>
+            </a:extLst>
+          </p:cNvPr>
+          <p:cNvSpPr/>
+          <p:nvPr/>
+        </p:nvSpPr>
+        <p:spPr>
+          <a:xfrm>
+            <a:off x="5983570" y="1013390"/>
+            <a:ext cx="2880000" cy="1800000"/>
+          </a:xfrm>
+          <a:prstGeom prst="rect">
+            <a:avLst/>
+          </a:prstGeom>
+          <a:solidFill>
+            <a:schemeClr val="accent6">
+              <a:lumMod val="20000"/>
+              <a:lumOff val="80000"/>
+            </a:schemeClr>
+          </a:solidFill>
+        </p:spPr>
+        <p:style>
+          <a:lnRef idx="2">
+            <a:schemeClr val="accent1">
+              <a:shade val="15000"/>
+            </a:schemeClr>
+          </a:lnRef>
+          <a:fillRef idx="1">
+            <a:schemeClr val="accent1"/>
+          </a:fillRef>
+          <a:effectRef idx="0">
+            <a:schemeClr val="accent1"/>
+          </a:effectRef>
+          <a:fontRef idx="minor">
+            <a:schemeClr val="lt1"/>
+          </a:fontRef>
+        </p:style>
+        <p:txBody>
+          <a:bodyPr rtlCol="0" anchor="ctr"/>
+          <a:lstStyle/>
+          <a:p>
+            <a:pPr algn="ctr"/>
+            <a:r>
+              <a:rPr lang="en-US" dirty="0" err="1">
+                <a:solidFill>
+                  <a:schemeClr val="tx1"/>
+                </a:solidFill>
+              </a:rPr>
+              <a:t>ImageDisplayWidget</a:t>
+            </a:r>
+            <a:endParaRPr lang="en-US" dirty="0">
+              <a:solidFill>
+                <a:schemeClr val="tx1"/>
+              </a:solidFill>
+            </a:endParaRPr>
+          </a:p>
+          <a:p>
+            <a:pPr algn="ctr"/>
+            <a:r>
+              <a:rPr lang="en-US" sz="1200" i="1" dirty="0">
+                <a:solidFill>
+                  <a:schemeClr val="tx1"/>
+                </a:solidFill>
+              </a:rPr>
+              <a:t>views /</a:t>
+            </a:r>
+            <a:r>
+              <a:rPr lang="en-US" sz="1200" i="1" dirty="0" err="1">
+                <a:solidFill>
+                  <a:schemeClr val="tx1"/>
+                </a:solidFill>
+              </a:rPr>
+              <a:t>images_display</a:t>
+            </a:r>
+            <a:endParaRPr lang="en-US" sz="1200" b="1" dirty="0">
+              <a:solidFill>
+                <a:schemeClr val="tx1"/>
+              </a:solidFill>
+            </a:endParaRPr>
+          </a:p>
+        </p:txBody>
+      </p:sp>
+      <p:sp>
+        <p:nvSpPr>
+          <p:cNvPr id="18" name="Rectangle 17">
+            <a:extLst>
+              <a:ext uri="{FF2B5EF4-FFF2-40B4-BE49-F238E27FC236}">
+                <a16:creationId xmlns:a16="http://schemas.microsoft.com/office/drawing/2014/main" id="{078743A0-E175-4D33-063C-5195E593E5BD}"/>
+              </a:ext>
+            </a:extLst>
+          </p:cNvPr>
+          <p:cNvSpPr/>
+          <p:nvPr/>
+        </p:nvSpPr>
+        <p:spPr>
+          <a:xfrm>
+            <a:off x="8863570" y="1013390"/>
+            <a:ext cx="2880000" cy="1800000"/>
+          </a:xfrm>
+          <a:prstGeom prst="rect">
+            <a:avLst/>
+          </a:prstGeom>
+          <a:solidFill>
+            <a:schemeClr val="accent6">
+              <a:lumMod val="40000"/>
+              <a:lumOff val="60000"/>
+            </a:schemeClr>
+          </a:solidFill>
+        </p:spPr>
+        <p:style>
+          <a:lnRef idx="2">
+            <a:schemeClr val="accent1">
+              <a:shade val="15000"/>
+            </a:schemeClr>
+          </a:lnRef>
+          <a:fillRef idx="1">
+            <a:schemeClr val="accent1"/>
+          </a:fillRef>
+          <a:effectRef idx="0">
+            <a:schemeClr val="accent1"/>
+          </a:effectRef>
+          <a:fontRef idx="minor">
+            <a:schemeClr val="lt1"/>
+          </a:fontRef>
+        </p:style>
+        <p:txBody>
+          <a:bodyPr rtlCol="0" anchor="ctr"/>
+          <a:lstStyle/>
+          <a:p>
+            <a:pPr algn="ctr"/>
+            <a:r>
+              <a:rPr lang="en-US" dirty="0" err="1">
+                <a:solidFill>
+                  <a:schemeClr val="tx1"/>
+                </a:solidFill>
+              </a:rPr>
+              <a:t>ImageDisplayWidget</a:t>
+            </a:r>
+            <a:endParaRPr lang="en-US" dirty="0">
+              <a:solidFill>
+                <a:schemeClr val="tx1"/>
+              </a:solidFill>
+            </a:endParaRPr>
+          </a:p>
+          <a:p>
+            <a:pPr algn="ctr"/>
+            <a:r>
+              <a:rPr lang="en-US" sz="1200" i="1" dirty="0">
+                <a:solidFill>
+                  <a:schemeClr val="tx1"/>
+                </a:solidFill>
+              </a:rPr>
+              <a:t>views/</a:t>
+            </a:r>
+            <a:r>
+              <a:rPr lang="en-US" sz="1200" i="1" dirty="0" err="1">
+                <a:solidFill>
+                  <a:schemeClr val="tx1"/>
+                </a:solidFill>
+              </a:rPr>
+              <a:t>images_display</a:t>
+            </a:r>
+            <a:endParaRPr lang="en-US" sz="1200" b="1" dirty="0">
+              <a:solidFill>
+                <a:schemeClr val="tx1"/>
+              </a:solidFill>
+            </a:endParaRPr>
+          </a:p>
+        </p:txBody>
+      </p:sp>
+      <p:sp>
+        <p:nvSpPr>
+          <p:cNvPr id="19" name="Rectangle 18">
+            <a:extLst>
+              <a:ext uri="{FF2B5EF4-FFF2-40B4-BE49-F238E27FC236}">
+                <a16:creationId xmlns:a16="http://schemas.microsoft.com/office/drawing/2014/main" id="{84CA4A6D-0DC5-D734-5C03-DD8D6492135F}"/>
+              </a:ext>
+            </a:extLst>
+          </p:cNvPr>
+          <p:cNvSpPr/>
+          <p:nvPr/>
+        </p:nvSpPr>
+        <p:spPr>
+          <a:xfrm>
+            <a:off x="3103570" y="2813390"/>
+            <a:ext cx="2880000" cy="1800000"/>
+          </a:xfrm>
+          <a:prstGeom prst="rect">
+            <a:avLst/>
+          </a:prstGeom>
+          <a:solidFill>
+            <a:schemeClr val="bg2">
+              <a:lumMod val="90000"/>
+            </a:schemeClr>
+          </a:solidFill>
+        </p:spPr>
+        <p:style>
+          <a:lnRef idx="2">
+            <a:schemeClr val="accent1">
+              <a:shade val="15000"/>
+            </a:schemeClr>
+          </a:lnRef>
+          <a:fillRef idx="1">
+            <a:schemeClr val="accent1"/>
+          </a:fillRef>
+          <a:effectRef idx="0">
+            <a:schemeClr val="accent1"/>
+          </a:effectRef>
+          <a:fontRef idx="minor">
+            <a:schemeClr val="lt1"/>
+          </a:fontRef>
+        </p:style>
+        <p:txBody>
+          <a:bodyPr rtlCol="0" anchor="ctr"/>
+          <a:lstStyle/>
+          <a:p>
+            <a:pPr algn="ctr"/>
+            <a:r>
+              <a:rPr lang="en-US" b="1" dirty="0" err="1">
+                <a:solidFill>
+                  <a:schemeClr val="tx1"/>
+                </a:solidFill>
+              </a:rPr>
+              <a:t>AcquisitionView</a:t>
+            </a:r>
+            <a:endParaRPr lang="en-US" b="1" dirty="0">
+              <a:solidFill>
+                <a:schemeClr val="tx1"/>
+              </a:solidFill>
+            </a:endParaRPr>
+          </a:p>
+          <a:p>
+            <a:pPr algn="ctr"/>
+            <a:r>
+              <a:rPr lang="en-US" sz="1200" i="1" dirty="0">
+                <a:solidFill>
+                  <a:schemeClr val="tx1"/>
+                </a:solidFill>
+              </a:rPr>
+              <a:t>views/acquisition</a:t>
+            </a:r>
+            <a:endParaRPr lang="en-US" b="1" dirty="0">
+              <a:solidFill>
+                <a:schemeClr val="tx1"/>
+              </a:solidFill>
+            </a:endParaRPr>
+          </a:p>
+        </p:txBody>
+      </p:sp>
+      <p:sp>
+        <p:nvSpPr>
+          <p:cNvPr id="20" name="Rectangle 19">
+            <a:extLst>
+              <a:ext uri="{FF2B5EF4-FFF2-40B4-BE49-F238E27FC236}">
+                <a16:creationId xmlns:a16="http://schemas.microsoft.com/office/drawing/2014/main" id="{2E4D7C6F-2B6D-35D9-92A7-6652BD0C9154}"/>
+              </a:ext>
+            </a:extLst>
+          </p:cNvPr>
+          <p:cNvSpPr/>
+          <p:nvPr/>
+        </p:nvSpPr>
+        <p:spPr>
+          <a:xfrm>
+            <a:off x="3103570" y="4613390"/>
+            <a:ext cx="2880000" cy="1800000"/>
+          </a:xfrm>
+          <a:prstGeom prst="rect">
+            <a:avLst/>
+          </a:prstGeom>
+          <a:solidFill>
+            <a:schemeClr val="bg2">
+              <a:lumMod val="90000"/>
+            </a:schemeClr>
+          </a:solidFill>
+        </p:spPr>
+        <p:style>
+          <a:lnRef idx="2">
+            <a:schemeClr val="accent1">
+              <a:shade val="15000"/>
+            </a:schemeClr>
+          </a:lnRef>
+          <a:fillRef idx="1">
+            <a:schemeClr val="accent1"/>
+          </a:fillRef>
+          <a:effectRef idx="0">
+            <a:schemeClr val="accent1"/>
+          </a:effectRef>
+          <a:fontRef idx="minor">
+            <a:schemeClr val="lt1"/>
+          </a:fontRef>
+        </p:style>
+        <p:txBody>
+          <a:bodyPr rtlCol="0" anchor="ctr"/>
+          <a:lstStyle/>
+          <a:p>
+            <a:pPr algn="ctr"/>
+            <a:r>
+              <a:rPr lang="en-US" b="1" dirty="0" err="1">
+                <a:solidFill>
+                  <a:schemeClr val="tx1"/>
+                </a:solidFill>
+              </a:rPr>
+              <a:t>MotorsControlView</a:t>
+            </a:r>
+            <a:endParaRPr lang="en-US" b="1" dirty="0">
+              <a:solidFill>
+                <a:schemeClr val="tx1"/>
+              </a:solidFill>
+            </a:endParaRPr>
+          </a:p>
+          <a:p>
+            <a:pPr algn="ctr"/>
+            <a:r>
+              <a:rPr lang="en-US" sz="1200" i="1" dirty="0">
+                <a:solidFill>
+                  <a:schemeClr val="tx1"/>
+                </a:solidFill>
+              </a:rPr>
+              <a:t>views/</a:t>
+            </a:r>
+            <a:r>
+              <a:rPr lang="en-US" sz="1200" i="1" dirty="0" err="1">
+                <a:solidFill>
+                  <a:schemeClr val="tx1"/>
+                </a:solidFill>
+              </a:rPr>
+              <a:t>motors_control</a:t>
+            </a:r>
+            <a:endParaRPr lang="en-US" b="1" dirty="0">
+              <a:solidFill>
+                <a:schemeClr val="tx1"/>
+              </a:solidFill>
+            </a:endParaRPr>
+          </a:p>
+        </p:txBody>
+      </p:sp>
+      <p:sp>
+        <p:nvSpPr>
+          <p:cNvPr id="27" name="Rectangle 26">
+            <a:extLst>
+              <a:ext uri="{FF2B5EF4-FFF2-40B4-BE49-F238E27FC236}">
+                <a16:creationId xmlns:a16="http://schemas.microsoft.com/office/drawing/2014/main" id="{2A9C904B-C167-823A-C2B1-CFC9E9AC19FD}"/>
+              </a:ext>
+            </a:extLst>
+          </p:cNvPr>
+          <p:cNvSpPr/>
+          <p:nvPr/>
+        </p:nvSpPr>
+        <p:spPr>
+          <a:xfrm>
+            <a:off x="6551472" y="3429000"/>
+            <a:ext cx="4624196" cy="2717510"/>
+          </a:xfrm>
+          <a:prstGeom prst="rect">
+            <a:avLst/>
+          </a:prstGeom>
+          <a:solidFill>
+            <a:srgbClr val="00B0F0"/>
+          </a:solidFill>
+        </p:spPr>
+        <p:style>
+          <a:lnRef idx="2">
+            <a:schemeClr val="accent1">
+              <a:shade val="15000"/>
+            </a:schemeClr>
+          </a:lnRef>
+          <a:fillRef idx="1">
+            <a:schemeClr val="accent1"/>
+          </a:fillRef>
+          <a:effectRef idx="0">
+            <a:schemeClr val="accent1"/>
+          </a:effectRef>
+          <a:fontRef idx="minor">
+            <a:schemeClr val="lt1"/>
+          </a:fontRef>
+        </p:style>
+        <p:txBody>
+          <a:bodyPr rtlCol="0" anchor="ctr"/>
+          <a:lstStyle/>
+          <a:p>
+            <a:pPr algn="ctr"/>
+            <a:r>
+              <a:rPr lang="en-US" dirty="0" err="1"/>
+              <a:t>ImageDisplayGraph</a:t>
+            </a:r>
+            <a:endParaRPr lang="en-US" dirty="0"/>
+          </a:p>
+          <a:p>
+            <a:pPr algn="ctr"/>
+            <a:r>
+              <a:rPr lang="en-US" sz="1200" i="1" dirty="0">
+                <a:solidFill>
+                  <a:schemeClr val="tx1"/>
+                </a:solidFill>
+              </a:rPr>
+              <a:t>views/</a:t>
+            </a:r>
+            <a:r>
+              <a:rPr lang="en-US" sz="1200" i="1" dirty="0" err="1">
+                <a:solidFill>
+                  <a:schemeClr val="tx1"/>
+                </a:solidFill>
+              </a:rPr>
+              <a:t>images_graph</a:t>
+            </a:r>
+            <a:endParaRPr lang="en-US" sz="1200" b="1" dirty="0">
+              <a:solidFill>
+                <a:schemeClr val="tx1"/>
+              </a:solidFill>
+            </a:endParaRPr>
+          </a:p>
+        </p:txBody>
+      </p:sp>
+      <p:sp>
+        <p:nvSpPr>
+          <p:cNvPr id="3" name="ZoneTexte 2">
+            <a:extLst>
+              <a:ext uri="{FF2B5EF4-FFF2-40B4-BE49-F238E27FC236}">
+                <a16:creationId xmlns:a16="http://schemas.microsoft.com/office/drawing/2014/main" id="{736B000C-C46D-1A17-6C6F-5F63329BE1AB}"/>
+              </a:ext>
+            </a:extLst>
+          </p:cNvPr>
+          <p:cNvSpPr txBox="1"/>
+          <p:nvPr/>
+        </p:nvSpPr>
+        <p:spPr>
+          <a:xfrm>
+            <a:off x="3103570" y="305504"/>
+            <a:ext cx="1914957" cy="553998"/>
+          </a:xfrm>
+          <a:prstGeom prst="rect">
+            <a:avLst/>
+          </a:prstGeom>
+          <a:noFill/>
+        </p:spPr>
+        <p:txBody>
+          <a:bodyPr wrap="square">
+            <a:spAutoFit/>
+          </a:bodyPr>
+          <a:lstStyle/>
+          <a:p>
+            <a:pPr algn="ctr"/>
+            <a:r>
+              <a:rPr lang="en-US" b="1" dirty="0" err="1">
+                <a:solidFill>
+                  <a:schemeClr val="tx1"/>
+                </a:solidFill>
+              </a:rPr>
+              <a:t>MainView</a:t>
+            </a:r>
+            <a:endParaRPr lang="en-US" b="1" dirty="0">
+              <a:solidFill>
+                <a:schemeClr val="tx1"/>
+              </a:solidFill>
+            </a:endParaRPr>
+          </a:p>
+          <a:p>
+            <a:pPr algn="ctr"/>
+            <a:r>
+              <a:rPr lang="en-US" sz="1100" i="1" dirty="0">
+                <a:solidFill>
+                  <a:schemeClr val="tx1"/>
+                </a:solidFill>
+              </a:rPr>
+              <a:t>views/</a:t>
+            </a:r>
+            <a:r>
+              <a:rPr lang="en-US" sz="1100" i="1" dirty="0" err="1">
+                <a:solidFill>
+                  <a:schemeClr val="tx1"/>
+                </a:solidFill>
+              </a:rPr>
+              <a:t>main_view</a:t>
+            </a:r>
+            <a:endParaRPr lang="en-US" sz="1100" i="1" dirty="0">
+              <a:solidFill>
+                <a:schemeClr val="tx1"/>
+              </a:solidFill>
+            </a:endParaRPr>
+          </a:p>
+        </p:txBody>
+      </p:sp>
+      <p:sp>
+        <p:nvSpPr>
+          <p:cNvPr id="5" name="ZoneTexte 4">
+            <a:extLst>
+              <a:ext uri="{FF2B5EF4-FFF2-40B4-BE49-F238E27FC236}">
+                <a16:creationId xmlns:a16="http://schemas.microsoft.com/office/drawing/2014/main" id="{763943CD-7478-9CEA-E3AB-197774D808F2}"/>
+              </a:ext>
+            </a:extLst>
+          </p:cNvPr>
+          <p:cNvSpPr txBox="1"/>
+          <p:nvPr/>
+        </p:nvSpPr>
+        <p:spPr>
+          <a:xfrm rot="16200000">
+            <a:off x="1608856" y="1678710"/>
+            <a:ext cx="2482735" cy="469359"/>
+          </a:xfrm>
+          <a:prstGeom prst="rect">
+            <a:avLst/>
+          </a:prstGeom>
+          <a:noFill/>
+        </p:spPr>
+        <p:txBody>
+          <a:bodyPr wrap="square">
+            <a:spAutoFit/>
+          </a:bodyPr>
+          <a:lstStyle/>
+          <a:p>
+            <a:pPr algn="ctr"/>
+            <a:r>
+              <a:rPr lang="en-US" sz="1400" b="1" dirty="0">
+                <a:solidFill>
+                  <a:schemeClr val="tx1"/>
+                </a:solidFill>
+              </a:rPr>
+              <a:t>MiniCameraView</a:t>
+            </a:r>
+          </a:p>
+          <a:p>
+            <a:pPr algn="ctr"/>
+            <a:r>
+              <a:rPr lang="en-US" sz="1000" i="1" dirty="0">
+                <a:solidFill>
+                  <a:schemeClr val="tx1"/>
+                </a:solidFill>
+              </a:rPr>
+              <a:t>views/</a:t>
+            </a:r>
+            <a:r>
+              <a:rPr lang="en-US" sz="1000" i="1" dirty="0" err="1">
+                <a:solidFill>
+                  <a:schemeClr val="tx1"/>
+                </a:solidFill>
+              </a:rPr>
+              <a:t>mini_camera</a:t>
+            </a:r>
+            <a:endParaRPr lang="en-US" sz="1000" i="1" dirty="0">
+              <a:solidFill>
+                <a:schemeClr val="tx1"/>
+              </a:solidFill>
+            </a:endParaRPr>
+          </a:p>
+        </p:txBody>
+      </p:sp>
+      <p:cxnSp>
+        <p:nvCxnSpPr>
+          <p:cNvPr id="2" name="Connecteur droit 1">
+            <a:extLst>
+              <a:ext uri="{FF2B5EF4-FFF2-40B4-BE49-F238E27FC236}">
+                <a16:creationId xmlns:a16="http://schemas.microsoft.com/office/drawing/2014/main" id="{FE500E08-26A0-E105-A6E1-AD5DAAEBFC2E}"/>
+              </a:ext>
+            </a:extLst>
+          </p:cNvPr>
+          <p:cNvCxnSpPr>
+            <a:cxnSpLocks/>
+          </p:cNvCxnSpPr>
+          <p:nvPr/>
+        </p:nvCxnSpPr>
+        <p:spPr>
+          <a:xfrm>
+            <a:off x="2404872" y="364276"/>
+            <a:ext cx="0" cy="6191972"/>
+          </a:xfrm>
+          <a:prstGeom prst="line">
+            <a:avLst/>
+          </a:prstGeom>
+        </p:spPr>
+        <p:style>
+          <a:lnRef idx="2">
+            <a:schemeClr val="accent2"/>
+          </a:lnRef>
+          <a:fillRef idx="0">
+            <a:schemeClr val="accent2"/>
+          </a:fillRef>
+          <a:effectRef idx="1">
+            <a:schemeClr val="accent2"/>
+          </a:effectRef>
+          <a:fontRef idx="minor">
+            <a:schemeClr val="tx1"/>
+          </a:fontRef>
+        </p:style>
+      </p:cxnSp>
+    </p:spTree>
+    <p:extLst>
+      <p:ext uri="{BB962C8B-B14F-4D97-AF65-F5344CB8AC3E}">
+        <p14:creationId xmlns:p14="http://schemas.microsoft.com/office/powerpoint/2010/main" val="2593782154"/>
+      </p:ext>
+    </p:extLst>
+  </p:cSld>
+  <p:clrMapOvr>
+    <a:masterClrMapping/>
+  </p:clrMapOvr>
+</p:sld>
+</file>
+
+<file path=ppt/slides/slide5.xml><?xml version="1.0" encoding="utf-8"?>
 <p:sld xmlns:a="http://schemas.openxmlformats.org/drawingml/2006/main" xmlns:r="http://schemas.openxmlformats.org/officeDocument/2006/relationships" xmlns:p="http://schemas.openxmlformats.org/presentationml/2006/main">
   <p:cSld>
     <p:spTree>
@@ -6498,8 +8024,8 @@
         </p:nvSpPr>
         <p:spPr>
           <a:xfrm>
-            <a:off x="1216326" y="1837425"/>
-            <a:ext cx="1880558" cy="362309"/>
+            <a:off x="3051871" y="1837425"/>
+            <a:ext cx="1557019" cy="362309"/>
           </a:xfrm>
           <a:prstGeom prst="roundRect">
             <a:avLst/>
@@ -6537,7 +8063,22 @@
                   <a:schemeClr val="tx1"/>
                 </a:solidFill>
               </a:rPr>
-              <a:t>Tension piezo à V</a:t>
+              <a:t>Tension piezo à </a:t>
+            </a:r>
+            <a:br>
+              <a:rPr lang="en-US" sz="1200" dirty="0">
+                <a:solidFill>
+                  <a:schemeClr val="tx1"/>
+                </a:solidFill>
+              </a:rPr>
+            </a:br>
+            <a:r>
+              <a:rPr lang="en-US" sz="1200" dirty="0">
+                <a:solidFill>
+                  <a:schemeClr val="tx1"/>
+                </a:solidFill>
+              </a:rPr>
+              <a:t>V</a:t>
             </a:r>
             <a:r>
               <a:rPr lang="en-US" sz="1200" baseline="-25000" dirty="0">
@@ -6572,8 +8113,8 @@
         </p:nvSpPr>
         <p:spPr>
           <a:xfrm>
-            <a:off x="3740990" y="1837425"/>
-            <a:ext cx="1880558" cy="362309"/>
+            <a:off x="4859990" y="1837425"/>
+            <a:ext cx="1584517" cy="362309"/>
           </a:xfrm>
           <a:prstGeom prst="roundRect">
             <a:avLst/>
@@ -6613,6 +8154,13 @@
               </a:rPr>
               <a:t>Acquisition 1 image </a:t>
             </a:r>
+            <a:br>
+              <a:rPr lang="en-US" sz="1200" dirty="0">
+                <a:solidFill>
+                  <a:schemeClr val="tx1"/>
+                </a:solidFill>
+              </a:rPr>
+            </a:br>
             <a:r>
               <a:rPr lang="en-US" sz="1200" dirty="0" err="1">
                 <a:solidFill>
@@ -6648,7 +8196,7 @@
         </p:nvCxnSpPr>
         <p:spPr>
           <a:xfrm>
-            <a:off x="5959775" y="1772724"/>
+            <a:off x="6599855" y="1772724"/>
             <a:ext cx="158151" cy="0"/>
           </a:xfrm>
           <a:prstGeom prst="line">
@@ -6693,7 +8241,7 @@
         </p:nvCxnSpPr>
         <p:spPr>
           <a:xfrm flipV="1">
-            <a:off x="1371602" y="2199734"/>
+            <a:off x="3285945" y="2199734"/>
             <a:ext cx="0" cy="353684"/>
           </a:xfrm>
           <a:prstGeom prst="straightConnector1">
@@ -6732,7 +8280,7 @@
         </p:nvSpPr>
         <p:spPr>
           <a:xfrm>
-            <a:off x="1172117" y="2500707"/>
+            <a:off x="3086460" y="2500707"/>
             <a:ext cx="652014" cy="276999"/>
           </a:xfrm>
           <a:prstGeom prst="rect">
@@ -6829,7 +8377,7 @@
         </p:nvCxnSpPr>
         <p:spPr>
           <a:xfrm flipV="1">
-            <a:off x="3900939" y="2199734"/>
+            <a:off x="5080515" y="2199734"/>
             <a:ext cx="0" cy="353684"/>
           </a:xfrm>
           <a:prstGeom prst="straightConnector1">
@@ -6868,7 +8416,7 @@
         </p:nvSpPr>
         <p:spPr>
           <a:xfrm>
-            <a:off x="3723737" y="2500707"/>
+            <a:off x="4903313" y="2500707"/>
             <a:ext cx="752289" cy="276999"/>
           </a:xfrm>
           <a:prstGeom prst="rect">
@@ -6961,7 +8509,7 @@
         </p:nvSpPr>
         <p:spPr>
           <a:xfrm>
-            <a:off x="5856259" y="1482786"/>
+            <a:off x="6724939" y="1482786"/>
             <a:ext cx="523334" cy="276999"/>
           </a:xfrm>
           <a:prstGeom prst="rect">
@@ -7010,7 +8558,7 @@
         </p:nvSpPr>
         <p:spPr>
           <a:xfrm>
-            <a:off x="5798749" y="1764098"/>
+            <a:off x="6676573" y="1764098"/>
             <a:ext cx="552087" cy="526212"/>
           </a:xfrm>
           <a:prstGeom prst="ellipse">
@@ -7053,14 +8601,16 @@
             </a:extLst>
           </p:cNvPr>
           <p:cNvCxnSpPr>
+            <a:cxnSpLocks/>
+            <a:stCxn id="4" idx="3"/>
             <a:endCxn id="5" idx="1"/>
           </p:cNvCxnSpPr>
           <p:nvPr/>
         </p:nvCxnSpPr>
         <p:spPr>
           <a:xfrm>
-            <a:off x="3096884" y="2018579"/>
-            <a:ext cx="644106" cy="1"/>
+            <a:off x="4608890" y="2018580"/>
+            <a:ext cx="251100" cy="0"/>
           </a:xfrm>
           <a:prstGeom prst="line">
             <a:avLst/>
@@ -7099,13 +8649,14 @@
           </p:cNvPr>
           <p:cNvCxnSpPr>
             <a:cxnSpLocks/>
+            <a:endCxn id="29" idx="2"/>
           </p:cNvCxnSpPr>
           <p:nvPr/>
         </p:nvCxnSpPr>
         <p:spPr>
           <a:xfrm>
-            <a:off x="5621548" y="2027204"/>
-            <a:ext cx="115019" cy="0"/>
+            <a:off x="6444508" y="2027204"/>
+            <a:ext cx="232065" cy="0"/>
           </a:xfrm>
           <a:prstGeom prst="line">
             <a:avLst/>
@@ -7144,13 +8695,14 @@
           </p:cNvPr>
           <p:cNvCxnSpPr>
             <a:cxnSpLocks/>
+            <a:stCxn id="29" idx="6"/>
           </p:cNvCxnSpPr>
           <p:nvPr/>
         </p:nvCxnSpPr>
         <p:spPr>
           <a:xfrm>
-            <a:off x="6370967" y="2027204"/>
-            <a:ext cx="359434" cy="0"/>
+            <a:off x="7228660" y="2027204"/>
+            <a:ext cx="212483" cy="0"/>
           </a:xfrm>
           <a:prstGeom prst="line">
             <a:avLst/>
@@ -7192,8 +8744,8 @@
         </p:nvSpPr>
         <p:spPr>
           <a:xfrm>
-            <a:off x="6739027" y="1846049"/>
-            <a:ext cx="1880558" cy="362309"/>
+            <a:off x="7431999" y="1846049"/>
+            <a:ext cx="1617354" cy="362309"/>
           </a:xfrm>
           <a:prstGeom prst="roundRect">
             <a:avLst/>
@@ -7231,7 +8783,22 @@
                   <a:schemeClr val="tx1"/>
                 </a:solidFill>
               </a:rPr>
-              <a:t>Moyenne des N images sur 16 bit</a:t>
+              <a:t>Moyenne des N </a:t>
+            </a:r>
+            <a:br>
+              <a:rPr lang="en-US" sz="1200" dirty="0">
+                <a:solidFill>
+                  <a:schemeClr val="tx1"/>
+                </a:solidFill>
+              </a:rPr>
+            </a:br>
+            <a:r>
+              <a:rPr lang="en-US" sz="1200" dirty="0">
+                <a:solidFill>
+                  <a:schemeClr val="tx1"/>
+                </a:solidFill>
+              </a:rPr>
+              <a:t>images sur 16 bit</a:t>
             </a:r>
           </a:p>
         </p:txBody>
@@ -7250,8 +8817,8 @@
         </p:nvSpPr>
         <p:spPr>
           <a:xfrm>
-            <a:off x="8908212" y="1846049"/>
-            <a:ext cx="2099093" cy="362309"/>
+            <a:off x="9341771" y="1846049"/>
+            <a:ext cx="1665534" cy="362309"/>
           </a:xfrm>
           <a:prstGeom prst="roundRect">
             <a:avLst/>
@@ -7289,7 +8856,22 @@
                   <a:schemeClr val="tx1"/>
                 </a:solidFill>
               </a:rPr>
-              <a:t>Tension piezo à V</a:t>
+              <a:t>Tension piezo à </a:t>
+            </a:r>
+            <a:br>
+              <a:rPr lang="en-US" sz="1200" dirty="0">
+                <a:solidFill>
+                  <a:schemeClr val="tx1"/>
+                </a:solidFill>
+              </a:rPr>
+            </a:br>
+            <a:r>
+              <a:rPr lang="en-US" sz="1200" dirty="0">
+                <a:solidFill>
+                  <a:schemeClr val="tx1"/>
+                </a:solidFill>
+              </a:rPr>
+              <a:t>V</a:t>
             </a:r>
             <a:r>
               <a:rPr lang="en-US" sz="1200" baseline="-25000" dirty="0">
@@ -7338,14 +8920,15 @@
           </p:cNvPr>
           <p:cNvCxnSpPr>
             <a:cxnSpLocks/>
+            <a:stCxn id="39" idx="3"/>
             <a:endCxn id="40" idx="1"/>
           </p:cNvCxnSpPr>
           <p:nvPr/>
         </p:nvCxnSpPr>
         <p:spPr>
           <a:xfrm>
-            <a:off x="8619585" y="2027203"/>
-            <a:ext cx="288627" cy="1"/>
+            <a:off x="9049353" y="2027204"/>
+            <a:ext cx="292418" cy="0"/>
           </a:xfrm>
           <a:prstGeom prst="line">
             <a:avLst/>
@@ -7389,7 +8972,7 @@
         </p:nvCxnSpPr>
         <p:spPr>
           <a:xfrm flipV="1">
-            <a:off x="9107697" y="2199734"/>
+            <a:off x="9510033" y="2199734"/>
             <a:ext cx="0" cy="353684"/>
           </a:xfrm>
           <a:prstGeom prst="straightConnector1">
@@ -7428,7 +9011,7 @@
         </p:nvSpPr>
         <p:spPr>
           <a:xfrm>
-            <a:off x="8908212" y="2500707"/>
+            <a:off x="9310548" y="2500707"/>
             <a:ext cx="895350" cy="553998"/>
           </a:xfrm>
           <a:prstGeom prst="rect">
@@ -7545,8 +9128,8 @@
         </p:nvCxnSpPr>
         <p:spPr>
           <a:xfrm flipV="1">
-            <a:off x="7659180" y="1319360"/>
-            <a:ext cx="0" cy="526689"/>
+            <a:off x="8244396" y="1482786"/>
+            <a:ext cx="0" cy="363263"/>
           </a:xfrm>
           <a:prstGeom prst="straightConnector1">
             <a:avLst/>
@@ -7587,7 +9170,7 @@
         </p:nvSpPr>
         <p:spPr>
           <a:xfrm>
-            <a:off x="7679306" y="1411380"/>
+            <a:off x="8264522" y="1484532"/>
             <a:ext cx="626855" cy="276999"/>
           </a:xfrm>
           <a:prstGeom prst="rect">
@@ -7729,7 +9312,7 @@
         </p:nvCxnSpPr>
         <p:spPr>
           <a:xfrm>
-            <a:off x="600976" y="3939876"/>
+            <a:off x="4167136" y="4003884"/>
             <a:ext cx="391061" cy="0"/>
           </a:xfrm>
           <a:prstGeom prst="line">
@@ -7774,7 +9357,7 @@
         </p:nvCxnSpPr>
         <p:spPr>
           <a:xfrm>
-            <a:off x="813758" y="3939875"/>
+            <a:off x="4379918" y="4003883"/>
             <a:ext cx="391061" cy="0"/>
           </a:xfrm>
           <a:prstGeom prst="line">
@@ -7818,7 +9401,7 @@
         </p:nvSpPr>
         <p:spPr>
           <a:xfrm>
-            <a:off x="1222071" y="3750096"/>
+            <a:off x="4788231" y="3814104"/>
             <a:ext cx="1880558" cy="362309"/>
           </a:xfrm>
           <a:prstGeom prst="roundRect">
@@ -7894,7 +9477,7 @@
         </p:nvCxnSpPr>
         <p:spPr>
           <a:xfrm>
-            <a:off x="3440856" y="3685395"/>
+            <a:off x="6723552" y="3749403"/>
             <a:ext cx="158151" cy="0"/>
           </a:xfrm>
           <a:prstGeom prst="line">
@@ -7939,7 +9522,7 @@
         </p:nvCxnSpPr>
         <p:spPr>
           <a:xfrm flipV="1">
-            <a:off x="1382020" y="4112405"/>
+            <a:off x="4948180" y="4176413"/>
             <a:ext cx="0" cy="353684"/>
           </a:xfrm>
           <a:prstGeom prst="straightConnector1">
@@ -7978,7 +9561,7 @@
         </p:nvSpPr>
         <p:spPr>
           <a:xfrm>
-            <a:off x="1177510" y="4429192"/>
+            <a:off x="4948180" y="4366596"/>
             <a:ext cx="746179" cy="276999"/>
           </a:xfrm>
           <a:prstGeom prst="rect">
@@ -8071,7 +9654,7 @@
         </p:nvSpPr>
         <p:spPr>
           <a:xfrm>
-            <a:off x="3377605" y="3361903"/>
+            <a:off x="6888901" y="3425911"/>
             <a:ext cx="523334" cy="276999"/>
           </a:xfrm>
           <a:prstGeom prst="rect">
@@ -8120,7 +9703,7 @@
         </p:nvSpPr>
         <p:spPr>
           <a:xfrm>
-            <a:off x="3279830" y="3676769"/>
+            <a:off x="6791126" y="3740777"/>
             <a:ext cx="552087" cy="526212"/>
           </a:xfrm>
           <a:prstGeom prst="ellipse">
@@ -8169,7 +9752,7 @@
         </p:nvCxnSpPr>
         <p:spPr>
           <a:xfrm>
-            <a:off x="3102629" y="3939875"/>
+            <a:off x="6668789" y="4003883"/>
             <a:ext cx="115019" cy="0"/>
           </a:xfrm>
           <a:prstGeom prst="line">
@@ -8214,8 +9797,8 @@
         </p:nvCxnSpPr>
         <p:spPr>
           <a:xfrm>
-            <a:off x="3852048" y="3939875"/>
-            <a:ext cx="359434" cy="0"/>
+            <a:off x="7372350" y="4003883"/>
+            <a:ext cx="121828" cy="0"/>
           </a:xfrm>
           <a:prstGeom prst="line">
             <a:avLst/>
@@ -8257,7 +9840,7 @@
         </p:nvSpPr>
         <p:spPr>
           <a:xfrm>
-            <a:off x="4222269" y="3766866"/>
+            <a:off x="7504965" y="3830874"/>
             <a:ext cx="1880558" cy="362309"/>
           </a:xfrm>
           <a:prstGeom prst="roundRect">
@@ -8317,7 +9900,7 @@
         </p:nvCxnSpPr>
         <p:spPr>
           <a:xfrm flipV="1">
-            <a:off x="5142422" y="3242092"/>
+            <a:off x="8425118" y="3306100"/>
             <a:ext cx="0" cy="524774"/>
           </a:xfrm>
           <a:prstGeom prst="straightConnector1">
@@ -8359,7 +9942,7 @@
         </p:nvSpPr>
         <p:spPr>
           <a:xfrm>
-            <a:off x="5097845" y="3403602"/>
+            <a:off x="8380541" y="3467610"/>
             <a:ext cx="626855" cy="276999"/>
           </a:xfrm>
           <a:prstGeom prst="rect">
@@ -8410,7 +9993,7 @@
         </p:nvCxnSpPr>
         <p:spPr>
           <a:xfrm>
-            <a:off x="6102827" y="3945143"/>
+            <a:off x="9385523" y="4009151"/>
             <a:ext cx="359434" cy="0"/>
           </a:xfrm>
           <a:prstGeom prst="line">
@@ -8453,7 +10036,7 @@
         </p:nvSpPr>
         <p:spPr>
           <a:xfrm>
-            <a:off x="6462261" y="3766865"/>
+            <a:off x="9744957" y="3830873"/>
             <a:ext cx="1880558" cy="362309"/>
           </a:xfrm>
           <a:prstGeom prst="roundRect">
@@ -8529,7 +10112,7 @@
         </p:nvCxnSpPr>
         <p:spPr>
           <a:xfrm flipV="1">
-            <a:off x="7276029" y="3242092"/>
+            <a:off x="10558725" y="3306100"/>
             <a:ext cx="0" cy="524774"/>
           </a:xfrm>
           <a:prstGeom prst="straightConnector1">
@@ -8571,7 +10154,7 @@
         </p:nvSpPr>
         <p:spPr>
           <a:xfrm>
-            <a:off x="7130453" y="3408396"/>
+            <a:off x="10413149" y="3472404"/>
             <a:ext cx="895350" cy="276999"/>
           </a:xfrm>
           <a:prstGeom prst="rect">
@@ -8621,7 +10204,7 @@
         </p:nvSpPr>
         <p:spPr>
           <a:xfrm>
-            <a:off x="6801210" y="948901"/>
+            <a:off x="7463758" y="1111017"/>
             <a:ext cx="1553836" cy="362309"/>
           </a:xfrm>
           <a:prstGeom prst="roundRect">
@@ -8687,7 +10270,7 @@
         </p:nvSpPr>
         <p:spPr>
           <a:xfrm>
-            <a:off x="4334424" y="2879783"/>
+            <a:off x="7617120" y="2943791"/>
             <a:ext cx="1553836" cy="362309"/>
           </a:xfrm>
           <a:prstGeom prst="roundRect">
@@ -8753,7 +10336,7 @@
         </p:nvSpPr>
         <p:spPr>
           <a:xfrm>
-            <a:off x="6561471" y="2892721"/>
+            <a:off x="9844167" y="2956729"/>
             <a:ext cx="1553836" cy="362309"/>
           </a:xfrm>
           <a:prstGeom prst="roundRect">
@@ -8834,7 +10417,7 @@
         </p:nvCxnSpPr>
         <p:spPr>
           <a:xfrm flipV="1">
-            <a:off x="6730401" y="3242092"/>
+            <a:off x="10013097" y="3306100"/>
             <a:ext cx="0" cy="258310"/>
           </a:xfrm>
           <a:prstGeom prst="straightConnector1">
@@ -8873,7 +10456,7 @@
         </p:nvSpPr>
         <p:spPr>
           <a:xfrm>
-            <a:off x="6370967" y="3451523"/>
+            <a:off x="9653663" y="3515531"/>
             <a:ext cx="895350" cy="276999"/>
           </a:xfrm>
           <a:prstGeom prst="rect">
@@ -8910,10 +10493,10 @@
       </p:sp>
       <p:sp>
         <p:nvSpPr>
-          <p:cNvPr id="84" name="ZoneTexte 83">
-            <a:extLst>
-              <a:ext uri="{FF2B5EF4-FFF2-40B4-BE49-F238E27FC236}">
-                <a16:creationId xmlns:a16="http://schemas.microsoft.com/office/drawing/2014/main" id="{CB3243F2-B735-9477-C8E7-26FB4529B473}"/>
+          <p:cNvPr id="86" name="ZoneTexte 85">
+            <a:extLst>
+              <a:ext uri="{FF2B5EF4-FFF2-40B4-BE49-F238E27FC236}">
+                <a16:creationId xmlns:a16="http://schemas.microsoft.com/office/drawing/2014/main" id="{B3DF6B0D-F10F-7EB0-B942-E3EFF69C6822}"/>
               </a:ext>
             </a:extLst>
           </p:cNvPr>
@@ -8922,43 +10505,7 @@
         </p:nvSpPr>
         <p:spPr>
           <a:xfrm>
-            <a:off x="4476030" y="235306"/>
-            <a:ext cx="3508076" cy="369332"/>
-          </a:xfrm>
-          <a:prstGeom prst="rect">
-            <a:avLst/>
-          </a:prstGeom>
-          <a:noFill/>
-        </p:spPr>
-        <p:txBody>
-          <a:bodyPr wrap="square" rtlCol="0">
-            <a:spAutoFit/>
-          </a:bodyPr>
-          <a:lstStyle/>
-          <a:p>
-            <a:pPr algn="ctr"/>
-            <a:r>
-              <a:rPr lang="fr-FR" b="1" noProof="0" dirty="0"/>
-              <a:t>Schéma bloc – mode ‘live’</a:t>
-            </a:r>
-          </a:p>
-        </p:txBody>
-      </p:sp>
-      <p:sp>
-        <p:nvSpPr>
-          <p:cNvPr id="86" name="ZoneTexte 85">
-            <a:extLst>
-              <a:ext uri="{FF2B5EF4-FFF2-40B4-BE49-F238E27FC236}">
-                <a16:creationId xmlns:a16="http://schemas.microsoft.com/office/drawing/2014/main" id="{B3DF6B0D-F10F-7EB0-B942-E3EFF69C6822}"/>
-              </a:ext>
-            </a:extLst>
-          </p:cNvPr>
-          <p:cNvSpPr txBox="1"/>
-          <p:nvPr/>
-        </p:nvSpPr>
-        <p:spPr>
-          <a:xfrm>
-            <a:off x="420185" y="877578"/>
+            <a:off x="2901178" y="782033"/>
             <a:ext cx="804767" cy="369332"/>
           </a:xfrm>
           <a:prstGeom prst="rect">
@@ -8994,7 +10541,7 @@
         </p:nvSpPr>
         <p:spPr>
           <a:xfrm>
-            <a:off x="427736" y="5037359"/>
+            <a:off x="2896616" y="5037359"/>
             <a:ext cx="804767" cy="369332"/>
           </a:xfrm>
           <a:prstGeom prst="rect">
@@ -9030,7 +10577,7 @@
         </p:nvSpPr>
         <p:spPr>
           <a:xfrm>
-            <a:off x="3410427" y="5380483"/>
+            <a:off x="8677371" y="5380483"/>
             <a:ext cx="2016962" cy="466631"/>
           </a:xfrm>
           <a:prstGeom prst="roundRect">
@@ -9152,7 +10699,7 @@
         </p:nvCxnSpPr>
         <p:spPr>
           <a:xfrm flipV="1">
-            <a:off x="3680447" y="5864917"/>
+            <a:off x="8947391" y="5864917"/>
             <a:ext cx="0" cy="353684"/>
           </a:xfrm>
           <a:prstGeom prst="straightConnector1">
@@ -9191,7 +10738,7 @@
         </p:nvSpPr>
         <p:spPr>
           <a:xfrm>
-            <a:off x="3480962" y="6165890"/>
+            <a:off x="8747906" y="6165890"/>
             <a:ext cx="705032" cy="276999"/>
           </a:xfrm>
           <a:prstGeom prst="rect">
@@ -9240,7 +10787,7 @@
         </p:nvSpPr>
         <p:spPr>
           <a:xfrm>
-            <a:off x="1289303" y="5430809"/>
+            <a:off x="6556247" y="5430809"/>
             <a:ext cx="1714864" cy="362309"/>
           </a:xfrm>
           <a:prstGeom prst="roundRect">
@@ -9303,7 +10850,7 @@
         </p:nvCxnSpPr>
         <p:spPr>
           <a:xfrm>
-            <a:off x="3004167" y="5611964"/>
+            <a:off x="8271111" y="5611964"/>
             <a:ext cx="406260" cy="1835"/>
           </a:xfrm>
           <a:prstGeom prst="line">
@@ -9509,7 +11056,7 @@
         </p:nvCxnSpPr>
         <p:spPr>
           <a:xfrm>
-            <a:off x="4973166" y="5864917"/>
+            <a:off x="10240110" y="5864917"/>
             <a:ext cx="0" cy="369099"/>
           </a:xfrm>
           <a:prstGeom prst="straightConnector1">
@@ -9554,7 +11101,7 @@
         </p:nvSpPr>
         <p:spPr>
           <a:xfrm>
-            <a:off x="4655154" y="6184014"/>
+            <a:off x="9922098" y="6184014"/>
             <a:ext cx="705032" cy="276999"/>
           </a:xfrm>
           <a:prstGeom prst="rect">
@@ -9608,8 +11155,8 @@
         </p:nvSpPr>
         <p:spPr>
           <a:xfrm>
-            <a:off x="370936" y="750498"/>
-            <a:ext cx="11481758" cy="3955693"/>
+            <a:off x="2681966" y="750498"/>
+            <a:ext cx="9170728" cy="3955693"/>
           </a:xfrm>
           <a:prstGeom prst="rect">
             <a:avLst/>
@@ -9658,8 +11205,8 @@
         </p:nvSpPr>
         <p:spPr>
           <a:xfrm>
-            <a:off x="370936" y="4997574"/>
-            <a:ext cx="11481758" cy="1625120"/>
+            <a:off x="2681966" y="4997574"/>
+            <a:ext cx="9170728" cy="1625120"/>
           </a:xfrm>
           <a:prstGeom prst="rect">
             <a:avLst/>
@@ -9691,6 +11238,218 @@
           <a:p>
             <a:pPr algn="ctr"/>
             <a:endParaRPr lang="en-US"/>
+          </a:p>
+        </p:txBody>
+      </p:sp>
+      <p:pic>
+        <p:nvPicPr>
+          <p:cNvPr id="34" name="Image 33" descr="Une image contenant texte, Police, capture d’écran, logo&#10;&#10;Le contenu généré par l’IA peut être incorrect.">
+            <a:extLst>
+              <a:ext uri="{FF2B5EF4-FFF2-40B4-BE49-F238E27FC236}">
+                <a16:creationId xmlns:a16="http://schemas.microsoft.com/office/drawing/2014/main" id="{B8E551C0-9A55-D41B-E365-320E989864C4}"/>
+              </a:ext>
+            </a:extLst>
+          </p:cNvPr>
+          <p:cNvPicPr>
+            <a:picLocks noChangeAspect="1"/>
+          </p:cNvPicPr>
+          <p:nvPr/>
+        </p:nvPicPr>
+        <p:blipFill>
+          <a:blip r:embed="rId2">
+            <a:extLst>
+              <a:ext uri="{28A0092B-C50C-407E-A947-70E740481C1C}">
+                <a14:useLocalDpi xmlns:a14="http://schemas.microsoft.com/office/drawing/2010/main" val="0"/>
+              </a:ext>
+            </a:extLst>
+          </a:blip>
+          <a:stretch>
+            <a:fillRect/>
+          </a:stretch>
+        </p:blipFill>
+        <p:spPr>
+          <a:xfrm>
+            <a:off x="255938" y="114266"/>
+            <a:ext cx="1814160" cy="745236"/>
+          </a:xfrm>
+          <a:prstGeom prst="rect">
+            <a:avLst/>
+          </a:prstGeom>
+        </p:spPr>
+      </p:pic>
+      <p:sp>
+        <p:nvSpPr>
+          <p:cNvPr id="35" name="ZoneTexte 34">
+            <a:extLst>
+              <a:ext uri="{FF2B5EF4-FFF2-40B4-BE49-F238E27FC236}">
+                <a16:creationId xmlns:a16="http://schemas.microsoft.com/office/drawing/2014/main" id="{069EB5CF-7687-E26D-2377-DD47D947DC42}"/>
+              </a:ext>
+            </a:extLst>
+          </p:cNvPr>
+          <p:cNvSpPr txBox="1"/>
+          <p:nvPr/>
+        </p:nvSpPr>
+        <p:spPr>
+          <a:xfrm>
+            <a:off x="125650" y="859502"/>
+            <a:ext cx="2074735" cy="307777"/>
+          </a:xfrm>
+          <a:prstGeom prst="rect">
+            <a:avLst/>
+          </a:prstGeom>
+          <a:noFill/>
+        </p:spPr>
+        <p:txBody>
+          <a:bodyPr wrap="none" rtlCol="0">
+            <a:spAutoFit/>
+          </a:bodyPr>
+          <a:lstStyle/>
+          <a:p>
+            <a:r>
+              <a:rPr lang="fr-FR" sz="1400" b="1" dirty="0"/>
+              <a:t>Nouvelle Interface OCT</a:t>
+            </a:r>
+          </a:p>
+        </p:txBody>
+      </p:sp>
+      <p:sp>
+        <p:nvSpPr>
+          <p:cNvPr id="72" name="ZoneTexte 71">
+            <a:extLst>
+              <a:ext uri="{FF2B5EF4-FFF2-40B4-BE49-F238E27FC236}">
+                <a16:creationId xmlns:a16="http://schemas.microsoft.com/office/drawing/2014/main" id="{DD7D8B92-3900-2C53-55D4-AE5783253165}"/>
+              </a:ext>
+            </a:extLst>
+          </p:cNvPr>
+          <p:cNvSpPr txBox="1"/>
+          <p:nvPr/>
+        </p:nvSpPr>
+        <p:spPr>
+          <a:xfrm>
+            <a:off x="257473" y="1167279"/>
+            <a:ext cx="1387431" cy="738664"/>
+          </a:xfrm>
+          <a:prstGeom prst="rect">
+            <a:avLst/>
+          </a:prstGeom>
+          <a:noFill/>
+        </p:spPr>
+        <p:txBody>
+          <a:bodyPr wrap="none" rtlCol="0">
+            <a:spAutoFit/>
+          </a:bodyPr>
+          <a:lstStyle/>
+          <a:p>
+            <a:r>
+              <a:rPr lang="fr-FR" sz="1200" i="1" dirty="0"/>
+              <a:t>PyQt6 et </a:t>
+            </a:r>
+            <a:r>
+              <a:rPr lang="fr-FR" sz="1200" i="1" dirty="0" err="1"/>
+              <a:t>PyLabLib</a:t>
+            </a:r>
+            <a:endParaRPr lang="fr-FR" sz="1200" i="1" dirty="0"/>
+          </a:p>
+          <a:p>
+            <a:endParaRPr lang="fr-FR" sz="1200" i="1" dirty="0"/>
+          </a:p>
+          <a:p>
+            <a:r>
+              <a:rPr lang="fr-FR" b="1" i="1" dirty="0"/>
+              <a:t>M</a:t>
+            </a:r>
+            <a:r>
+              <a:rPr lang="fr-FR" sz="1200" i="1" dirty="0"/>
+              <a:t>ODELS</a:t>
+            </a:r>
+          </a:p>
+        </p:txBody>
+      </p:sp>
+      <p:cxnSp>
+        <p:nvCxnSpPr>
+          <p:cNvPr id="73" name="Connecteur droit 72">
+            <a:extLst>
+              <a:ext uri="{FF2B5EF4-FFF2-40B4-BE49-F238E27FC236}">
+                <a16:creationId xmlns:a16="http://schemas.microsoft.com/office/drawing/2014/main" id="{ABC923B2-F4CB-5F50-E33C-32F14E6EBBF0}"/>
+              </a:ext>
+            </a:extLst>
+          </p:cNvPr>
+          <p:cNvCxnSpPr>
+            <a:cxnSpLocks/>
+          </p:cNvCxnSpPr>
+          <p:nvPr/>
+        </p:nvCxnSpPr>
+        <p:spPr>
+          <a:xfrm>
+            <a:off x="2404872" y="364276"/>
+            <a:ext cx="0" cy="6191972"/>
+          </a:xfrm>
+          <a:prstGeom prst="line">
+            <a:avLst/>
+          </a:prstGeom>
+        </p:spPr>
+        <p:style>
+          <a:lnRef idx="2">
+            <a:schemeClr val="accent2"/>
+          </a:lnRef>
+          <a:fillRef idx="0">
+            <a:schemeClr val="accent2"/>
+          </a:fillRef>
+          <a:effectRef idx="1">
+            <a:schemeClr val="accent2"/>
+          </a:effectRef>
+          <a:fontRef idx="minor">
+            <a:schemeClr val="tx1"/>
+          </a:fontRef>
+        </p:style>
+      </p:cxnSp>
+      <p:sp>
+        <p:nvSpPr>
+          <p:cNvPr id="95" name="Rectangle : coins arrondis 94">
+            <a:extLst>
+              <a:ext uri="{FF2B5EF4-FFF2-40B4-BE49-F238E27FC236}">
+                <a16:creationId xmlns:a16="http://schemas.microsoft.com/office/drawing/2014/main" id="{C5DFD384-5BB7-1CAD-7A26-0CAA61B8B992}"/>
+              </a:ext>
+            </a:extLst>
+          </p:cNvPr>
+          <p:cNvSpPr/>
+          <p:nvPr/>
+        </p:nvSpPr>
+        <p:spPr>
+          <a:xfrm>
+            <a:off x="241475" y="3279080"/>
+            <a:ext cx="1890584" cy="280003"/>
+          </a:xfrm>
+          <a:prstGeom prst="roundRect">
+            <a:avLst/>
+          </a:prstGeom>
+        </p:spPr>
+        <p:style>
+          <a:lnRef idx="2">
+            <a:schemeClr val="accent1">
+              <a:shade val="15000"/>
+            </a:schemeClr>
+          </a:lnRef>
+          <a:fillRef idx="1">
+            <a:schemeClr val="accent1"/>
+          </a:fillRef>
+          <a:effectRef idx="0">
+            <a:schemeClr val="accent1"/>
+          </a:effectRef>
+          <a:fontRef idx="minor">
+            <a:schemeClr val="lt1"/>
+          </a:fontRef>
+        </p:style>
+        <p:txBody>
+          <a:bodyPr rtlCol="0" anchor="ctr"/>
+          <a:lstStyle/>
+          <a:p>
+            <a:pPr algn="ctr"/>
+            <a:r>
+              <a:rPr lang="fr-FR" sz="1600" dirty="0" err="1"/>
+              <a:t>live_mode</a:t>
+            </a:r>
+            <a:endParaRPr lang="fr-FR" sz="1600" dirty="0"/>
           </a:p>
         </p:txBody>
       </p:sp>
@@ -9707,7 +11466,7 @@
 </p:sld>
 </file>
 
-<file path=ppt/slides/slide4.xml><?xml version="1.0" encoding="utf-8"?>
+<file path=ppt/slides/slide6.xml><?xml version="1.0" encoding="utf-8"?>
 <p:sld xmlns:a="http://schemas.openxmlformats.org/drawingml/2006/main" xmlns:r="http://schemas.openxmlformats.org/officeDocument/2006/relationships" xmlns:p="http://schemas.openxmlformats.org/presentationml/2006/main">
   <p:cSld>
     <p:spTree>
@@ -9726,42 +11485,6 @@
       </p:grpSpPr>
       <p:sp>
         <p:nvSpPr>
-          <p:cNvPr id="4" name="ZoneTexte 3">
-            <a:extLst>
-              <a:ext uri="{FF2B5EF4-FFF2-40B4-BE49-F238E27FC236}">
-                <a16:creationId xmlns:a16="http://schemas.microsoft.com/office/drawing/2014/main" id="{E296E3A1-3619-BE32-4061-EE01678273BE}"/>
-              </a:ext>
-            </a:extLst>
-          </p:cNvPr>
-          <p:cNvSpPr txBox="1"/>
-          <p:nvPr/>
-        </p:nvSpPr>
-        <p:spPr>
-          <a:xfrm>
-            <a:off x="4476030" y="235306"/>
-            <a:ext cx="4176264" cy="369332"/>
-          </a:xfrm>
-          <a:prstGeom prst="rect">
-            <a:avLst/>
-          </a:prstGeom>
-          <a:noFill/>
-        </p:spPr>
-        <p:txBody>
-          <a:bodyPr wrap="square" rtlCol="0">
-            <a:spAutoFit/>
-          </a:bodyPr>
-          <a:lstStyle/>
-          <a:p>
-            <a:pPr algn="ctr"/>
-            <a:r>
-              <a:rPr lang="fr-FR" b="1" noProof="0" dirty="0"/>
-              <a:t>Schéma bloc – mode acquisition</a:t>
-            </a:r>
-          </a:p>
-        </p:txBody>
-      </p:sp>
-      <p:sp>
-        <p:nvSpPr>
           <p:cNvPr id="5" name="Rectangle : coins arrondis 4">
             <a:extLst>
               <a:ext uri="{FF2B5EF4-FFF2-40B4-BE49-F238E27FC236}">
@@ -9774,7 +11497,7 @@
         </p:nvSpPr>
         <p:spPr>
           <a:xfrm>
-            <a:off x="7969371" y="2003560"/>
+            <a:off x="9331827" y="2003560"/>
             <a:ext cx="2016962" cy="466631"/>
           </a:xfrm>
           <a:prstGeom prst="roundRect">
@@ -9896,7 +11619,7 @@
         </p:nvCxnSpPr>
         <p:spPr>
           <a:xfrm flipV="1">
-            <a:off x="8239391" y="2489785"/>
+            <a:off x="9601847" y="2489785"/>
             <a:ext cx="0" cy="353684"/>
           </a:xfrm>
           <a:prstGeom prst="straightConnector1">
@@ -9935,7 +11658,7 @@
         </p:nvSpPr>
         <p:spPr>
           <a:xfrm>
-            <a:off x="8039905" y="2790758"/>
+            <a:off x="9402361" y="2790758"/>
             <a:ext cx="793541" cy="276999"/>
           </a:xfrm>
           <a:prstGeom prst="rect">
@@ -9984,7 +11707,7 @@
         </p:nvSpPr>
         <p:spPr>
           <a:xfrm>
-            <a:off x="440530" y="2023699"/>
+            <a:off x="3330034" y="2023699"/>
             <a:ext cx="1714864" cy="466631"/>
           </a:xfrm>
           <a:prstGeom prst="roundRect">
@@ -10045,7 +11768,7 @@
         </p:nvCxnSpPr>
         <p:spPr>
           <a:xfrm>
-            <a:off x="6905996" y="3857196"/>
+            <a:off x="8487908" y="3857196"/>
             <a:ext cx="0" cy="369099"/>
           </a:xfrm>
           <a:prstGeom prst="straightConnector1">
@@ -10090,7 +11813,7 @@
         </p:nvSpPr>
         <p:spPr>
           <a:xfrm>
-            <a:off x="6218208" y="4200745"/>
+            <a:off x="7800120" y="4200745"/>
             <a:ext cx="1657739" cy="276999"/>
           </a:xfrm>
           <a:prstGeom prst="rect">
@@ -10168,8 +11891,8 @@
         </p:nvSpPr>
         <p:spPr>
           <a:xfrm>
-            <a:off x="2791725" y="1711337"/>
-            <a:ext cx="2186305" cy="1082599"/>
+            <a:off x="5337924" y="1711337"/>
+            <a:ext cx="1496338" cy="1082599"/>
           </a:xfrm>
           <a:prstGeom prst="roundRect">
             <a:avLst/>
@@ -10249,7 +11972,7 @@
         </p:nvCxnSpPr>
         <p:spPr>
           <a:xfrm flipV="1">
-            <a:off x="5728125" y="2523084"/>
+            <a:off x="7310037" y="2523084"/>
             <a:ext cx="0" cy="353684"/>
           </a:xfrm>
           <a:prstGeom prst="straightConnector1">
@@ -10288,7 +12011,7 @@
         </p:nvSpPr>
         <p:spPr>
           <a:xfrm>
-            <a:off x="5293041" y="2858346"/>
+            <a:off x="6874953" y="2858346"/>
             <a:ext cx="1149729" cy="276999"/>
           </a:xfrm>
           <a:prstGeom prst="rect">
@@ -10332,13 +12055,17 @@
               </a:ext>
             </a:extLst>
           </p:cNvPr>
-          <p:cNvCxnSpPr/>
+          <p:cNvCxnSpPr>
+            <a:cxnSpLocks/>
+            <a:stCxn id="8" idx="3"/>
+            <a:endCxn id="14" idx="1"/>
+          </p:cNvCxnSpPr>
           <p:nvPr/>
         </p:nvCxnSpPr>
         <p:spPr>
-          <a:xfrm>
-            <a:off x="2155394" y="2279384"/>
-            <a:ext cx="644106" cy="1"/>
+          <a:xfrm flipV="1">
+            <a:off x="5044898" y="2252637"/>
+            <a:ext cx="293026" cy="4378"/>
           </a:xfrm>
           <a:prstGeom prst="line">
             <a:avLst/>
@@ -10380,7 +12107,7 @@
         </p:nvSpPr>
         <p:spPr>
           <a:xfrm>
-            <a:off x="5430028" y="2020190"/>
+            <a:off x="7011940" y="2020190"/>
             <a:ext cx="2087345" cy="466631"/>
           </a:xfrm>
           <a:prstGeom prst="roundRect">
@@ -10487,8 +12214,8 @@
         </p:nvCxnSpPr>
         <p:spPr>
           <a:xfrm>
-            <a:off x="4978030" y="2252637"/>
-            <a:ext cx="451998" cy="869"/>
+            <a:off x="6834262" y="2252637"/>
+            <a:ext cx="177678" cy="869"/>
           </a:xfrm>
           <a:prstGeom prst="line">
             <a:avLst/>
@@ -10527,13 +12254,14 @@
           </p:cNvPr>
           <p:cNvCxnSpPr>
             <a:cxnSpLocks/>
+            <a:endCxn id="5" idx="1"/>
           </p:cNvCxnSpPr>
           <p:nvPr/>
         </p:nvCxnSpPr>
         <p:spPr>
-          <a:xfrm>
-            <a:off x="7517373" y="2237797"/>
-            <a:ext cx="451998" cy="869"/>
+          <a:xfrm flipV="1">
+            <a:off x="9099285" y="2236876"/>
+            <a:ext cx="232542" cy="921"/>
           </a:xfrm>
           <a:prstGeom prst="line">
             <a:avLst/>
@@ -10572,13 +12300,14 @@
           </p:cNvPr>
           <p:cNvCxnSpPr>
             <a:cxnSpLocks/>
+            <a:stCxn id="5" idx="3"/>
           </p:cNvCxnSpPr>
           <p:nvPr/>
         </p:nvCxnSpPr>
         <p:spPr>
           <a:xfrm>
-            <a:off x="9986333" y="2236874"/>
-            <a:ext cx="451998" cy="0"/>
+            <a:off x="11348789" y="2236876"/>
+            <a:ext cx="225172" cy="0"/>
           </a:xfrm>
           <a:prstGeom prst="line">
             <a:avLst/>
@@ -10622,7 +12351,7 @@
         </p:nvCxnSpPr>
         <p:spPr>
           <a:xfrm>
-            <a:off x="10430961" y="2229686"/>
+            <a:off x="11573961" y="2229686"/>
             <a:ext cx="0" cy="1613382"/>
           </a:xfrm>
           <a:prstGeom prst="line">
@@ -10667,8 +12396,8 @@
         </p:nvCxnSpPr>
         <p:spPr>
           <a:xfrm>
-            <a:off x="2416834" y="3843068"/>
-            <a:ext cx="8021497" cy="0"/>
+            <a:off x="5186948" y="3829220"/>
+            <a:ext cx="6387013" cy="13848"/>
           </a:xfrm>
           <a:prstGeom prst="line">
             <a:avLst/>
@@ -10712,7 +12441,7 @@
         </p:nvCxnSpPr>
         <p:spPr>
           <a:xfrm>
-            <a:off x="2425460" y="2372264"/>
+            <a:off x="5186948" y="2372264"/>
             <a:ext cx="0" cy="1484932"/>
           </a:xfrm>
           <a:prstGeom prst="line">
@@ -10757,7 +12486,7 @@
         </p:nvSpPr>
         <p:spPr>
           <a:xfrm>
-            <a:off x="5937277" y="3552221"/>
+            <a:off x="7519189" y="3552221"/>
             <a:ext cx="705032" cy="276999"/>
           </a:xfrm>
           <a:prstGeom prst="rect">
@@ -10817,8 +12546,8 @@
         </p:nvSpPr>
         <p:spPr>
           <a:xfrm>
-            <a:off x="355121" y="1332706"/>
-            <a:ext cx="11481758" cy="3454953"/>
+            <a:off x="2944367" y="1332706"/>
+            <a:ext cx="8892511" cy="3454953"/>
           </a:xfrm>
           <a:prstGeom prst="rect">
             <a:avLst/>
@@ -10867,7 +12596,7 @@
         </p:nvSpPr>
         <p:spPr>
           <a:xfrm>
-            <a:off x="2477447" y="4150182"/>
+            <a:off x="5234910" y="4142129"/>
             <a:ext cx="1714864" cy="466631"/>
           </a:xfrm>
           <a:prstGeom prst="roundRect">
@@ -10926,7 +12655,7 @@
         </p:nvSpPr>
         <p:spPr>
           <a:xfrm>
-            <a:off x="3076926" y="3690720"/>
+            <a:off x="5317206" y="3690720"/>
             <a:ext cx="425398" cy="369092"/>
           </a:xfrm>
           <a:prstGeom prst="mathMultiply">
@@ -10963,6 +12692,218 @@
           <a:p>
             <a:pPr algn="ctr"/>
             <a:endParaRPr lang="en-US"/>
+          </a:p>
+        </p:txBody>
+      </p:sp>
+      <p:pic>
+        <p:nvPicPr>
+          <p:cNvPr id="2" name="Image 1" descr="Une image contenant texte, Police, capture d’écran, logo&#10;&#10;Le contenu généré par l’IA peut être incorrect.">
+            <a:extLst>
+              <a:ext uri="{FF2B5EF4-FFF2-40B4-BE49-F238E27FC236}">
+                <a16:creationId xmlns:a16="http://schemas.microsoft.com/office/drawing/2014/main" id="{BF831CB4-B492-F56A-D3E8-5336A6C3A569}"/>
+              </a:ext>
+            </a:extLst>
+          </p:cNvPr>
+          <p:cNvPicPr>
+            <a:picLocks noChangeAspect="1"/>
+          </p:cNvPicPr>
+          <p:nvPr/>
+        </p:nvPicPr>
+        <p:blipFill>
+          <a:blip r:embed="rId2">
+            <a:extLst>
+              <a:ext uri="{28A0092B-C50C-407E-A947-70E740481C1C}">
+                <a14:useLocalDpi xmlns:a14="http://schemas.microsoft.com/office/drawing/2010/main" val="0"/>
+              </a:ext>
+            </a:extLst>
+          </a:blip>
+          <a:stretch>
+            <a:fillRect/>
+          </a:stretch>
+        </p:blipFill>
+        <p:spPr>
+          <a:xfrm>
+            <a:off x="255938" y="114266"/>
+            <a:ext cx="1814160" cy="745236"/>
+          </a:xfrm>
+          <a:prstGeom prst="rect">
+            <a:avLst/>
+          </a:prstGeom>
+        </p:spPr>
+      </p:pic>
+      <p:sp>
+        <p:nvSpPr>
+          <p:cNvPr id="3" name="ZoneTexte 2">
+            <a:extLst>
+              <a:ext uri="{FF2B5EF4-FFF2-40B4-BE49-F238E27FC236}">
+                <a16:creationId xmlns:a16="http://schemas.microsoft.com/office/drawing/2014/main" id="{D65E8523-9399-50CD-88C3-12ECE952FF52}"/>
+              </a:ext>
+            </a:extLst>
+          </p:cNvPr>
+          <p:cNvSpPr txBox="1"/>
+          <p:nvPr/>
+        </p:nvSpPr>
+        <p:spPr>
+          <a:xfrm>
+            <a:off x="125650" y="859502"/>
+            <a:ext cx="2074735" cy="307777"/>
+          </a:xfrm>
+          <a:prstGeom prst="rect">
+            <a:avLst/>
+          </a:prstGeom>
+          <a:noFill/>
+        </p:spPr>
+        <p:txBody>
+          <a:bodyPr wrap="none" rtlCol="0">
+            <a:spAutoFit/>
+          </a:bodyPr>
+          <a:lstStyle/>
+          <a:p>
+            <a:r>
+              <a:rPr lang="fr-FR" sz="1400" b="1" dirty="0"/>
+              <a:t>Nouvelle Interface OCT</a:t>
+            </a:r>
+          </a:p>
+        </p:txBody>
+      </p:sp>
+      <p:sp>
+        <p:nvSpPr>
+          <p:cNvPr id="24" name="ZoneTexte 23">
+            <a:extLst>
+              <a:ext uri="{FF2B5EF4-FFF2-40B4-BE49-F238E27FC236}">
+                <a16:creationId xmlns:a16="http://schemas.microsoft.com/office/drawing/2014/main" id="{8C316D2A-A1F9-CD68-0FC0-393248C8F83A}"/>
+              </a:ext>
+            </a:extLst>
+          </p:cNvPr>
+          <p:cNvSpPr txBox="1"/>
+          <p:nvPr/>
+        </p:nvSpPr>
+        <p:spPr>
+          <a:xfrm>
+            <a:off x="257473" y="1167279"/>
+            <a:ext cx="1387431" cy="738664"/>
+          </a:xfrm>
+          <a:prstGeom prst="rect">
+            <a:avLst/>
+          </a:prstGeom>
+          <a:noFill/>
+        </p:spPr>
+        <p:txBody>
+          <a:bodyPr wrap="none" rtlCol="0">
+            <a:spAutoFit/>
+          </a:bodyPr>
+          <a:lstStyle/>
+          <a:p>
+            <a:r>
+              <a:rPr lang="fr-FR" sz="1200" i="1" dirty="0"/>
+              <a:t>PyQt6 et </a:t>
+            </a:r>
+            <a:r>
+              <a:rPr lang="fr-FR" sz="1200" i="1" dirty="0" err="1"/>
+              <a:t>PyLabLib</a:t>
+            </a:r>
+            <a:endParaRPr lang="fr-FR" sz="1200" i="1" dirty="0"/>
+          </a:p>
+          <a:p>
+            <a:endParaRPr lang="fr-FR" sz="1200" i="1" dirty="0"/>
+          </a:p>
+          <a:p>
+            <a:r>
+              <a:rPr lang="fr-FR" b="1" i="1" dirty="0"/>
+              <a:t>M</a:t>
+            </a:r>
+            <a:r>
+              <a:rPr lang="fr-FR" sz="1200" i="1" dirty="0"/>
+              <a:t>ODELS</a:t>
+            </a:r>
+          </a:p>
+        </p:txBody>
+      </p:sp>
+      <p:cxnSp>
+        <p:nvCxnSpPr>
+          <p:cNvPr id="25" name="Connecteur droit 24">
+            <a:extLst>
+              <a:ext uri="{FF2B5EF4-FFF2-40B4-BE49-F238E27FC236}">
+                <a16:creationId xmlns:a16="http://schemas.microsoft.com/office/drawing/2014/main" id="{81B80E27-D570-D22F-B588-4D171F328B32}"/>
+              </a:ext>
+            </a:extLst>
+          </p:cNvPr>
+          <p:cNvCxnSpPr>
+            <a:cxnSpLocks/>
+          </p:cNvCxnSpPr>
+          <p:nvPr/>
+        </p:nvCxnSpPr>
+        <p:spPr>
+          <a:xfrm>
+            <a:off x="2404872" y="364276"/>
+            <a:ext cx="0" cy="6191972"/>
+          </a:xfrm>
+          <a:prstGeom prst="line">
+            <a:avLst/>
+          </a:prstGeom>
+        </p:spPr>
+        <p:style>
+          <a:lnRef idx="2">
+            <a:schemeClr val="accent2"/>
+          </a:lnRef>
+          <a:fillRef idx="0">
+            <a:schemeClr val="accent2"/>
+          </a:fillRef>
+          <a:effectRef idx="1">
+            <a:schemeClr val="accent2"/>
+          </a:effectRef>
+          <a:fontRef idx="minor">
+            <a:schemeClr val="tx1"/>
+          </a:fontRef>
+        </p:style>
+      </p:cxnSp>
+      <p:sp>
+        <p:nvSpPr>
+          <p:cNvPr id="26" name="Rectangle : coins arrondis 25">
+            <a:extLst>
+              <a:ext uri="{FF2B5EF4-FFF2-40B4-BE49-F238E27FC236}">
+                <a16:creationId xmlns:a16="http://schemas.microsoft.com/office/drawing/2014/main" id="{3B27A1D9-70CC-DD4A-9490-1CBC3636913C}"/>
+              </a:ext>
+            </a:extLst>
+          </p:cNvPr>
+          <p:cNvSpPr/>
+          <p:nvPr/>
+        </p:nvSpPr>
+        <p:spPr>
+          <a:xfrm>
+            <a:off x="241475" y="3279080"/>
+            <a:ext cx="1890584" cy="280003"/>
+          </a:xfrm>
+          <a:prstGeom prst="roundRect">
+            <a:avLst/>
+          </a:prstGeom>
+        </p:spPr>
+        <p:style>
+          <a:lnRef idx="2">
+            <a:schemeClr val="accent1">
+              <a:shade val="15000"/>
+            </a:schemeClr>
+          </a:lnRef>
+          <a:fillRef idx="1">
+            <a:schemeClr val="accent1"/>
+          </a:fillRef>
+          <a:effectRef idx="0">
+            <a:schemeClr val="accent1"/>
+          </a:effectRef>
+          <a:fontRef idx="minor">
+            <a:schemeClr val="lt1"/>
+          </a:fontRef>
+        </p:style>
+        <p:txBody>
+          <a:bodyPr rtlCol="0" anchor="ctr"/>
+          <a:lstStyle/>
+          <a:p>
+            <a:pPr algn="ctr"/>
+            <a:r>
+              <a:rPr lang="fr-FR" sz="1600" dirty="0" err="1"/>
+              <a:t>acq_mode</a:t>
+            </a:r>
+            <a:endParaRPr lang="fr-FR" sz="1600" dirty="0"/>
           </a:p>
         </p:txBody>
       </p:sp>

--- a/applis/OCT/OCT_new_version.pptx
+++ b/applis/OCT/OCT_new_version.pptx
@@ -266,7 +266,7 @@
           <a:p>
             <a:fld id="{39739722-6190-4756-8A62-F80F2E446DBA}" type="datetimeFigureOut">
               <a:rPr lang="en-US" smtClean="0"/>
-              <a:t>5/18/2025</a:t>
+              <a:t>5/19/2025</a:t>
             </a:fld>
             <a:endParaRPr lang="en-US"/>
           </a:p>
@@ -466,7 +466,7 @@
           <a:p>
             <a:fld id="{39739722-6190-4756-8A62-F80F2E446DBA}" type="datetimeFigureOut">
               <a:rPr lang="en-US" smtClean="0"/>
-              <a:t>5/18/2025</a:t>
+              <a:t>5/19/2025</a:t>
             </a:fld>
             <a:endParaRPr lang="en-US"/>
           </a:p>
@@ -676,7 +676,7 @@
           <a:p>
             <a:fld id="{39739722-6190-4756-8A62-F80F2E446DBA}" type="datetimeFigureOut">
               <a:rPr lang="en-US" smtClean="0"/>
-              <a:t>5/18/2025</a:t>
+              <a:t>5/19/2025</a:t>
             </a:fld>
             <a:endParaRPr lang="en-US"/>
           </a:p>
@@ -876,7 +876,7 @@
           <a:p>
             <a:fld id="{39739722-6190-4756-8A62-F80F2E446DBA}" type="datetimeFigureOut">
               <a:rPr lang="en-US" smtClean="0"/>
-              <a:t>5/18/2025</a:t>
+              <a:t>5/19/2025</a:t>
             </a:fld>
             <a:endParaRPr lang="en-US"/>
           </a:p>
@@ -1152,7 +1152,7 @@
           <a:p>
             <a:fld id="{39739722-6190-4756-8A62-F80F2E446DBA}" type="datetimeFigureOut">
               <a:rPr lang="en-US" smtClean="0"/>
-              <a:t>5/18/2025</a:t>
+              <a:t>5/19/2025</a:t>
             </a:fld>
             <a:endParaRPr lang="en-US"/>
           </a:p>
@@ -1420,7 +1420,7 @@
           <a:p>
             <a:fld id="{39739722-6190-4756-8A62-F80F2E446DBA}" type="datetimeFigureOut">
               <a:rPr lang="en-US" smtClean="0"/>
-              <a:t>5/18/2025</a:t>
+              <a:t>5/19/2025</a:t>
             </a:fld>
             <a:endParaRPr lang="en-US"/>
           </a:p>
@@ -1835,7 +1835,7 @@
           <a:p>
             <a:fld id="{39739722-6190-4756-8A62-F80F2E446DBA}" type="datetimeFigureOut">
               <a:rPr lang="en-US" smtClean="0"/>
-              <a:t>5/18/2025</a:t>
+              <a:t>5/19/2025</a:t>
             </a:fld>
             <a:endParaRPr lang="en-US"/>
           </a:p>
@@ -1977,7 +1977,7 @@
           <a:p>
             <a:fld id="{39739722-6190-4756-8A62-F80F2E446DBA}" type="datetimeFigureOut">
               <a:rPr lang="en-US" smtClean="0"/>
-              <a:t>5/18/2025</a:t>
+              <a:t>5/19/2025</a:t>
             </a:fld>
             <a:endParaRPr lang="en-US"/>
           </a:p>
@@ -2090,7 +2090,7 @@
           <a:p>
             <a:fld id="{39739722-6190-4756-8A62-F80F2E446DBA}" type="datetimeFigureOut">
               <a:rPr lang="en-US" smtClean="0"/>
-              <a:t>5/18/2025</a:t>
+              <a:t>5/19/2025</a:t>
             </a:fld>
             <a:endParaRPr lang="en-US"/>
           </a:p>
@@ -2403,7 +2403,7 @@
           <a:p>
             <a:fld id="{39739722-6190-4756-8A62-F80F2E446DBA}" type="datetimeFigureOut">
               <a:rPr lang="en-US" smtClean="0"/>
-              <a:t>5/18/2025</a:t>
+              <a:t>5/19/2025</a:t>
             </a:fld>
             <a:endParaRPr lang="en-US"/>
           </a:p>
@@ -2692,7 +2692,7 @@
           <a:p>
             <a:fld id="{39739722-6190-4756-8A62-F80F2E446DBA}" type="datetimeFigureOut">
               <a:rPr lang="en-US" smtClean="0"/>
-              <a:t>5/18/2025</a:t>
+              <a:t>5/19/2025</a:t>
             </a:fld>
             <a:endParaRPr lang="en-US"/>
           </a:p>
@@ -2935,7 +2935,7 @@
           <a:p>
             <a:fld id="{39739722-6190-4756-8A62-F80F2E446DBA}" type="datetimeFigureOut">
               <a:rPr lang="en-US" smtClean="0"/>
-              <a:t>5/18/2025</a:t>
+              <a:t>5/19/2025</a:t>
             </a:fld>
             <a:endParaRPr lang="en-US"/>
           </a:p>
@@ -6064,6 +6064,41 @@
           </a:fontRef>
         </p:style>
       </p:cxnSp>
+      <p:sp>
+        <p:nvSpPr>
+          <p:cNvPr id="2" name="ZoneTexte 1">
+            <a:extLst>
+              <a:ext uri="{FF2B5EF4-FFF2-40B4-BE49-F238E27FC236}">
+                <a16:creationId xmlns:a16="http://schemas.microsoft.com/office/drawing/2014/main" id="{5F1DB394-2EC4-4AC4-EAE8-D11F93E8017B}"/>
+              </a:ext>
+            </a:extLst>
+          </p:cNvPr>
+          <p:cNvSpPr txBox="1"/>
+          <p:nvPr/>
+        </p:nvSpPr>
+        <p:spPr>
+          <a:xfrm>
+            <a:off x="223418" y="5464234"/>
+            <a:ext cx="1994438" cy="923330"/>
+          </a:xfrm>
+          <a:prstGeom prst="rect">
+            <a:avLst/>
+          </a:prstGeom>
+          <a:noFill/>
+        </p:spPr>
+        <p:txBody>
+          <a:bodyPr wrap="square" rtlCol="0">
+            <a:spAutoFit/>
+          </a:bodyPr>
+          <a:lstStyle/>
+          <a:p>
+            <a:r>
+              <a:rPr lang="fr-FR" dirty="0"/>
+              <a:t>+ ajuster niveau gris max (échelle) sur image OCT</a:t>
+            </a:r>
+          </a:p>
+        </p:txBody>
+      </p:sp>
     </p:spTree>
     <p:extLst>
       <p:ext uri="{BB962C8B-B14F-4D97-AF65-F5344CB8AC3E}">
